--- a/Spec/FHIR-Encounter-First-Time.pptx
+++ b/Spec/FHIR-Encounter-First-Time.pptx
@@ -5,25 +5,32 @@
     <p:sldMasterId id="2147483648" r:id="rId1"/>
   </p:sldMasterIdLst>
   <p:notesMasterIdLst>
-    <p:notesMasterId r:id="rId18"/>
+    <p:notesMasterId r:id="rId25"/>
   </p:notesMasterIdLst>
   <p:sldIdLst>
     <p:sldId id="266" r:id="rId2"/>
-    <p:sldId id="281" r:id="rId3"/>
-    <p:sldId id="306" r:id="rId4"/>
-    <p:sldId id="291" r:id="rId5"/>
-    <p:sldId id="304" r:id="rId6"/>
-    <p:sldId id="305" r:id="rId7"/>
-    <p:sldId id="294" r:id="rId8"/>
-    <p:sldId id="295" r:id="rId9"/>
-    <p:sldId id="296" r:id="rId10"/>
-    <p:sldId id="297" r:id="rId11"/>
-    <p:sldId id="302" r:id="rId12"/>
-    <p:sldId id="303" r:id="rId13"/>
-    <p:sldId id="299" r:id="rId14"/>
-    <p:sldId id="300" r:id="rId15"/>
-    <p:sldId id="283" r:id="rId16"/>
-    <p:sldId id="307" r:id="rId17"/>
+    <p:sldId id="306" r:id="rId3"/>
+    <p:sldId id="291" r:id="rId4"/>
+    <p:sldId id="308" r:id="rId5"/>
+    <p:sldId id="310" r:id="rId6"/>
+    <p:sldId id="309" r:id="rId7"/>
+    <p:sldId id="311" r:id="rId8"/>
+    <p:sldId id="312" r:id="rId9"/>
+    <p:sldId id="313" r:id="rId10"/>
+    <p:sldId id="314" r:id="rId11"/>
+    <p:sldId id="304" r:id="rId12"/>
+    <p:sldId id="305" r:id="rId13"/>
+    <p:sldId id="294" r:id="rId14"/>
+    <p:sldId id="295" r:id="rId15"/>
+    <p:sldId id="296" r:id="rId16"/>
+    <p:sldId id="297" r:id="rId17"/>
+    <p:sldId id="302" r:id="rId18"/>
+    <p:sldId id="303" r:id="rId19"/>
+    <p:sldId id="299" r:id="rId20"/>
+    <p:sldId id="300" r:id="rId21"/>
+    <p:sldId id="315" r:id="rId22"/>
+    <p:sldId id="283" r:id="rId23"/>
+    <p:sldId id="307" r:id="rId24"/>
   </p:sldIdLst>
   <p:sldSz cx="9144000" cy="6858000" type="screen4x3"/>
   <p:notesSz cx="6858000" cy="9144000"/>
@@ -223,7 +230,7 @@
           <a:p>
             <a:fld id="{63A0C4D1-671C-4261-8517-51F04ECBC99E}" type="datetimeFigureOut">
               <a:rPr lang="zh-TW" altLang="en-US" smtClean="0"/>
-              <a:t>2020/3/10</a:t>
+              <a:t>2021/3/4</a:t>
             </a:fld>
             <a:endParaRPr lang="zh-TW" altLang="en-US"/>
           </a:p>
@@ -287,38 +294,37 @@
           <a:p>
             <a:pPr lvl="0"/>
             <a:r>
-              <a:rPr lang="zh-TW" altLang="en-US" smtClean="0"/>
+              <a:rPr lang="zh-TW" altLang="en-US"/>
               <a:t>編輯母片文字樣式</a:t>
             </a:r>
           </a:p>
           <a:p>
             <a:pPr lvl="1"/>
             <a:r>
-              <a:rPr lang="zh-TW" altLang="en-US" smtClean="0"/>
+              <a:rPr lang="zh-TW" altLang="en-US"/>
               <a:t>第二層</a:t>
             </a:r>
           </a:p>
           <a:p>
             <a:pPr lvl="2"/>
             <a:r>
-              <a:rPr lang="zh-TW" altLang="en-US" smtClean="0"/>
+              <a:rPr lang="zh-TW" altLang="en-US"/>
               <a:t>第三層</a:t>
             </a:r>
           </a:p>
           <a:p>
             <a:pPr lvl="3"/>
             <a:r>
-              <a:rPr lang="zh-TW" altLang="en-US" smtClean="0"/>
+              <a:rPr lang="zh-TW" altLang="en-US"/>
               <a:t>第四層</a:t>
             </a:r>
           </a:p>
           <a:p>
             <a:pPr lvl="4"/>
             <a:r>
-              <a:rPr lang="zh-TW" altLang="en-US" smtClean="0"/>
+              <a:rPr lang="zh-TW" altLang="en-US"/>
               <a:t>第五層</a:t>
             </a:r>
-            <a:endParaRPr lang="zh-TW" altLang="en-US"/>
           </a:p>
         </p:txBody>
       </p:sp>
@@ -518,12 +524,7 @@
             <p:ph type="sldImg"/>
           </p:nvPr>
         </p:nvSpPr>
-        <p:spPr>
-          <a:xfrm>
-            <a:off x="1371600" y="1143000"/>
-            <a:ext cx="4114800" cy="3086100"/>
-          </a:xfrm>
-        </p:spPr>
+        <p:spPr/>
       </p:sp>
       <p:sp>
         <p:nvSpPr>
@@ -540,525 +541,6 @@
           <a:bodyPr/>
           <a:lstStyle/>
           <a:p>
-            <a:r>
-              <a:rPr lang="en-US" altLang="zh-TW" dirty="0" smtClean="0"/>
-              <a:t>FHIR</a:t>
-            </a:r>
-            <a:r>
-              <a:rPr lang="zh-TW" altLang="en-US" dirty="0" smtClean="0"/>
-              <a:t>全名是</a:t>
-            </a:r>
-            <a:r>
-              <a:rPr lang="en-US" altLang="zh-TW" b="0" i="0" dirty="0" smtClean="0">
-                <a:solidFill>
-                  <a:srgbClr val="333333"/>
-                </a:solidFill>
-                <a:effectLst/>
-                <a:latin typeface="verdana" panose="020B0604030504040204" pitchFamily="34" charset="0"/>
-              </a:rPr>
-              <a:t>Fast Healthcare Interoperability Resources</a:t>
-            </a:r>
-            <a:r>
-              <a:rPr lang="zh-TW" altLang="en-US" sz="1200" b="0" i="0" kern="1200" dirty="0" smtClean="0">
-                <a:solidFill>
-                  <a:schemeClr val="tx1"/>
-                </a:solidFill>
-                <a:effectLst/>
-                <a:latin typeface="+mn-lt"/>
-                <a:ea typeface="+mn-ea"/>
-                <a:cs typeface="+mn-cs"/>
-              </a:rPr>
-              <a:t>健康資源快速互通目的是促使醫療保健相關的信息可以互通。</a:t>
-            </a:r>
-            <a:endParaRPr lang="en-US" altLang="zh-TW" sz="1200" b="0" i="0" kern="1200" dirty="0" smtClean="0">
-              <a:solidFill>
-                <a:schemeClr val="tx1"/>
-              </a:solidFill>
-              <a:effectLst/>
-              <a:latin typeface="+mn-lt"/>
-              <a:ea typeface="+mn-ea"/>
-              <a:cs typeface="+mn-cs"/>
-            </a:endParaRPr>
-          </a:p>
-          <a:p>
-            <a:endParaRPr lang="en-US" altLang="zh-TW" sz="1200" b="0" i="0" kern="1200" dirty="0" smtClean="0">
-              <a:solidFill>
-                <a:schemeClr val="tx1"/>
-              </a:solidFill>
-              <a:effectLst/>
-              <a:latin typeface="+mn-lt"/>
-              <a:ea typeface="+mn-ea"/>
-              <a:cs typeface="+mn-cs"/>
-            </a:endParaRPr>
-          </a:p>
-          <a:p>
-            <a:r>
-              <a:rPr lang="en-US" altLang="zh-TW" sz="1200" b="0" i="0" kern="1200" dirty="0" smtClean="0">
-                <a:solidFill>
-                  <a:schemeClr val="tx1"/>
-                </a:solidFill>
-                <a:effectLst/>
-                <a:latin typeface="+mn-lt"/>
-                <a:ea typeface="+mn-ea"/>
-                <a:cs typeface="+mn-cs"/>
-              </a:rPr>
-              <a:t>FHIR</a:t>
-            </a:r>
-            <a:r>
-              <a:rPr lang="zh-TW" altLang="en-US" sz="1200" b="0" i="0" kern="1200" dirty="0" smtClean="0">
-                <a:solidFill>
-                  <a:schemeClr val="tx1"/>
-                </a:solidFill>
-                <a:effectLst/>
-                <a:latin typeface="+mn-lt"/>
-                <a:ea typeface="+mn-ea"/>
-                <a:cs typeface="+mn-cs"/>
-              </a:rPr>
-              <a:t>是</a:t>
-            </a:r>
-            <a:r>
-              <a:rPr lang="en-US" altLang="zh-TW" sz="1200" b="0" i="0" kern="1200" dirty="0" smtClean="0">
-                <a:solidFill>
-                  <a:schemeClr val="tx1"/>
-                </a:solidFill>
-                <a:effectLst/>
-                <a:latin typeface="+mn-lt"/>
-                <a:ea typeface="+mn-ea"/>
-                <a:cs typeface="+mn-cs"/>
-              </a:rPr>
-              <a:t>HL7</a:t>
-            </a:r>
-            <a:r>
-              <a:rPr lang="zh-TW" altLang="en-US" sz="1200" b="0" i="0" kern="1200" dirty="0" smtClean="0">
-                <a:solidFill>
-                  <a:schemeClr val="tx1"/>
-                </a:solidFill>
-                <a:effectLst/>
-                <a:latin typeface="+mn-lt"/>
-                <a:ea typeface="+mn-ea"/>
-                <a:cs typeface="+mn-cs"/>
-              </a:rPr>
-              <a:t>制定最新一代的標準協定，設計上基於舊的標準，所以吸取了過去所有成功與失敗的經驗而制定。</a:t>
-            </a:r>
-            <a:endParaRPr lang="en-US" altLang="zh-TW" sz="1200" b="0" i="0" kern="1200" dirty="0" smtClean="0">
-              <a:solidFill>
-                <a:schemeClr val="tx1"/>
-              </a:solidFill>
-              <a:effectLst/>
-              <a:latin typeface="+mn-lt"/>
-              <a:ea typeface="+mn-ea"/>
-              <a:cs typeface="+mn-cs"/>
-            </a:endParaRPr>
-          </a:p>
-          <a:p>
-            <a:endParaRPr lang="en-US" altLang="zh-TW" sz="1200" b="0" i="0" kern="1200" dirty="0" smtClean="0">
-              <a:solidFill>
-                <a:schemeClr val="tx1"/>
-              </a:solidFill>
-              <a:effectLst/>
-              <a:latin typeface="+mn-lt"/>
-              <a:ea typeface="+mn-ea"/>
-              <a:cs typeface="+mn-cs"/>
-            </a:endParaRPr>
-          </a:p>
-          <a:p>
-            <a:r>
-              <a:rPr lang="en-US" altLang="zh-TW" sz="1200" b="0" i="0" kern="1200" dirty="0" smtClean="0">
-                <a:solidFill>
-                  <a:schemeClr val="tx1"/>
-                </a:solidFill>
-                <a:effectLst/>
-                <a:latin typeface="+mn-lt"/>
-                <a:ea typeface="+mn-ea"/>
-                <a:cs typeface="+mn-cs"/>
-              </a:rPr>
-              <a:t>FHIR</a:t>
-            </a:r>
-            <a:r>
-              <a:rPr lang="zh-TW" altLang="en-US" sz="1200" b="0" i="0" kern="1200" dirty="0" smtClean="0">
-                <a:solidFill>
-                  <a:schemeClr val="tx1"/>
-                </a:solidFill>
-                <a:effectLst/>
-                <a:latin typeface="+mn-lt"/>
-                <a:ea typeface="+mn-ea"/>
-                <a:cs typeface="+mn-cs"/>
-              </a:rPr>
-              <a:t>不僅可以用作獨立的資料交換標準，而且也可以和現有廣泛使用的標準互通使用</a:t>
-            </a:r>
-            <a:endParaRPr lang="en-US" altLang="zh-TW" sz="1200" b="0" i="0" kern="1200" dirty="0" smtClean="0">
-              <a:solidFill>
-                <a:schemeClr val="tx1"/>
-              </a:solidFill>
-              <a:effectLst/>
-              <a:latin typeface="+mn-lt"/>
-              <a:ea typeface="+mn-ea"/>
-              <a:cs typeface="+mn-cs"/>
-            </a:endParaRPr>
-          </a:p>
-          <a:p>
-            <a:endParaRPr lang="en-US" altLang="zh-TW" sz="1200" b="0" i="0" kern="1200" dirty="0" smtClean="0">
-              <a:solidFill>
-                <a:schemeClr val="tx1"/>
-              </a:solidFill>
-              <a:effectLst/>
-              <a:latin typeface="+mn-lt"/>
-              <a:ea typeface="+mn-ea"/>
-              <a:cs typeface="+mn-cs"/>
-            </a:endParaRPr>
-          </a:p>
-          <a:p>
-            <a:r>
-              <a:rPr lang="zh-TW" altLang="en-US" sz="1200" b="0" i="0" kern="1200" dirty="0" smtClean="0">
-                <a:solidFill>
-                  <a:schemeClr val="tx1"/>
-                </a:solidFill>
-                <a:effectLst/>
-                <a:latin typeface="+mn-lt"/>
-                <a:ea typeface="+mn-ea"/>
-                <a:cs typeface="+mn-cs"/>
-              </a:rPr>
-              <a:t>他適用的範圍極為廣泛</a:t>
-            </a:r>
-            <a:endParaRPr lang="en-US" altLang="zh-TW" sz="1200" b="0" i="0" kern="1200" dirty="0" smtClean="0">
-              <a:solidFill>
-                <a:schemeClr val="tx1"/>
-              </a:solidFill>
-              <a:effectLst/>
-              <a:latin typeface="+mn-lt"/>
-              <a:ea typeface="+mn-ea"/>
-              <a:cs typeface="+mn-cs"/>
-            </a:endParaRPr>
-          </a:p>
-          <a:p>
-            <a:endParaRPr lang="en-US" altLang="zh-TW" sz="1200" b="0" i="0" kern="1200" dirty="0" smtClean="0">
-              <a:solidFill>
-                <a:schemeClr val="tx1"/>
-              </a:solidFill>
-              <a:effectLst/>
-              <a:latin typeface="+mn-lt"/>
-              <a:ea typeface="+mn-ea"/>
-              <a:cs typeface="+mn-cs"/>
-            </a:endParaRPr>
-          </a:p>
-          <a:p>
-            <a:r>
-              <a:rPr lang="zh-TW" altLang="en-US" sz="1200" b="0" i="0" kern="1200" dirty="0" smtClean="0">
-                <a:solidFill>
-                  <a:schemeClr val="tx1"/>
-                </a:solidFill>
-                <a:effectLst/>
-                <a:latin typeface="+mn-lt"/>
-                <a:ea typeface="+mn-ea"/>
-                <a:cs typeface="+mn-cs"/>
-              </a:rPr>
-              <a:t>也可以適用於多種環境</a:t>
-            </a:r>
-            <a:endParaRPr lang="en-US" altLang="zh-TW" sz="1200" b="0" i="0" kern="1200" dirty="0" smtClean="0">
-              <a:solidFill>
-                <a:schemeClr val="tx1"/>
-              </a:solidFill>
-              <a:effectLst/>
-              <a:latin typeface="+mn-lt"/>
-              <a:ea typeface="+mn-ea"/>
-              <a:cs typeface="+mn-cs"/>
-            </a:endParaRPr>
-          </a:p>
-          <a:p>
-            <a:endParaRPr lang="en-US" altLang="zh-TW" sz="1200" b="0" i="0" kern="1200" dirty="0" smtClean="0">
-              <a:solidFill>
-                <a:schemeClr val="tx1"/>
-              </a:solidFill>
-              <a:effectLst/>
-              <a:latin typeface="+mn-lt"/>
-              <a:ea typeface="+mn-ea"/>
-              <a:cs typeface="+mn-cs"/>
-            </a:endParaRPr>
-          </a:p>
-          <a:p>
-            <a:r>
-              <a:rPr lang="zh-TW" altLang="en-US" sz="1200" b="0" i="0" kern="1200" dirty="0" smtClean="0">
-                <a:solidFill>
-                  <a:schemeClr val="tx1"/>
-                </a:solidFill>
-                <a:effectLst/>
-                <a:latin typeface="+mn-lt"/>
-                <a:ea typeface="+mn-ea"/>
-                <a:cs typeface="+mn-cs"/>
-              </a:rPr>
-              <a:t>最重要的是他廣泛的使用</a:t>
-            </a:r>
-            <a:r>
-              <a:rPr lang="en-US" altLang="zh-TW" sz="1200" b="0" i="0" kern="1200" dirty="0" smtClean="0">
-                <a:solidFill>
-                  <a:schemeClr val="tx1"/>
-                </a:solidFill>
-                <a:effectLst/>
-                <a:latin typeface="+mn-lt"/>
-                <a:ea typeface="+mn-ea"/>
-                <a:cs typeface="+mn-cs"/>
-              </a:rPr>
-              <a:t>REST</a:t>
-            </a:r>
-            <a:r>
-              <a:rPr lang="zh-TW" altLang="en-US" sz="1200" b="0" i="0" kern="1200" dirty="0" smtClean="0">
-                <a:solidFill>
-                  <a:schemeClr val="tx1"/>
-                </a:solidFill>
-                <a:effectLst/>
-                <a:latin typeface="+mn-lt"/>
-                <a:ea typeface="+mn-ea"/>
-                <a:cs typeface="+mn-cs"/>
-              </a:rPr>
-              <a:t>風格</a:t>
-            </a:r>
-            <a:endParaRPr lang="en-US" altLang="zh-TW" sz="1200" b="0" i="0" kern="1200" dirty="0" smtClean="0">
-              <a:solidFill>
-                <a:schemeClr val="tx1"/>
-              </a:solidFill>
-              <a:effectLst/>
-              <a:latin typeface="+mn-lt"/>
-              <a:ea typeface="+mn-ea"/>
-              <a:cs typeface="+mn-cs"/>
-            </a:endParaRPr>
-          </a:p>
-          <a:p>
-            <a:endParaRPr lang="en-US" altLang="zh-TW" sz="1200" b="0" i="0" kern="1200" dirty="0" smtClean="0">
-              <a:solidFill>
-                <a:schemeClr val="tx1"/>
-              </a:solidFill>
-              <a:effectLst/>
-              <a:latin typeface="+mn-lt"/>
-              <a:ea typeface="+mn-ea"/>
-              <a:cs typeface="+mn-cs"/>
-            </a:endParaRPr>
-          </a:p>
-          <a:p>
-            <a:endParaRPr lang="en-US" altLang="zh-TW" sz="1200" b="0" i="0" kern="1200" dirty="0" smtClean="0">
-              <a:solidFill>
-                <a:schemeClr val="tx1"/>
-              </a:solidFill>
-              <a:effectLst/>
-              <a:latin typeface="+mn-lt"/>
-              <a:ea typeface="+mn-ea"/>
-              <a:cs typeface="+mn-cs"/>
-            </a:endParaRPr>
-          </a:p>
-          <a:p>
-            <a:endParaRPr lang="en-US" altLang="zh-TW" dirty="0" smtClean="0"/>
-          </a:p>
-          <a:p>
-            <a:endParaRPr lang="en-US" altLang="zh-TW" dirty="0" smtClean="0"/>
-          </a:p>
-          <a:p>
-            <a:pPr lvl="0"/>
-            <a:r>
-              <a:rPr lang="en-US" altLang="zh-TW" sz="1200" kern="1200" dirty="0" smtClean="0">
-                <a:solidFill>
-                  <a:schemeClr val="tx1"/>
-                </a:solidFill>
-                <a:effectLst/>
-                <a:latin typeface="+mn-lt"/>
-                <a:ea typeface="+mn-ea"/>
-                <a:cs typeface="+mn-cs"/>
-              </a:rPr>
-              <a:t>[?]Introducing HL7 FHIR, </a:t>
-            </a:r>
-            <a:r>
-              <a:rPr lang="en-US" altLang="zh-TW" sz="1200" u="sng" kern="1200" dirty="0" smtClean="0">
-                <a:solidFill>
-                  <a:schemeClr val="tx1"/>
-                </a:solidFill>
-                <a:effectLst/>
-                <a:latin typeface="+mn-lt"/>
-                <a:ea typeface="+mn-ea"/>
-                <a:cs typeface="+mn-cs"/>
-                <a:hlinkClick r:id="rId3"/>
-              </a:rPr>
-              <a:t>https://www.hl7.org/fhir/summary.html</a:t>
-            </a:r>
-            <a:r>
-              <a:rPr lang="en-US" altLang="zh-TW" sz="1200" kern="1200" dirty="0" smtClean="0">
-                <a:solidFill>
-                  <a:schemeClr val="tx1"/>
-                </a:solidFill>
-                <a:effectLst/>
-                <a:latin typeface="+mn-lt"/>
-                <a:ea typeface="+mn-ea"/>
-                <a:cs typeface="+mn-cs"/>
-              </a:rPr>
-              <a:t>. </a:t>
-            </a:r>
-            <a:endParaRPr lang="zh-TW" altLang="zh-TW" sz="1200" kern="1200" dirty="0" smtClean="0">
-              <a:solidFill>
-                <a:schemeClr val="tx1"/>
-              </a:solidFill>
-              <a:effectLst/>
-              <a:latin typeface="+mn-lt"/>
-              <a:ea typeface="+mn-ea"/>
-              <a:cs typeface="+mn-cs"/>
-            </a:endParaRPr>
-          </a:p>
-          <a:p>
-            <a:pPr lvl="0"/>
-            <a:r>
-              <a:rPr lang="en-US" altLang="zh-TW" sz="1200" kern="1200" dirty="0" smtClean="0">
-                <a:solidFill>
-                  <a:schemeClr val="tx1"/>
-                </a:solidFill>
-                <a:effectLst/>
-                <a:latin typeface="+mn-lt"/>
-                <a:ea typeface="+mn-ea"/>
-                <a:cs typeface="+mn-cs"/>
-              </a:rPr>
-              <a:t>[?]FHIR Overview, </a:t>
-            </a:r>
-            <a:r>
-              <a:rPr lang="en-US" altLang="zh-TW" sz="1200" u="sng" kern="1200" dirty="0" smtClean="0">
-                <a:solidFill>
-                  <a:schemeClr val="tx1"/>
-                </a:solidFill>
-                <a:effectLst/>
-                <a:latin typeface="+mn-lt"/>
-                <a:ea typeface="+mn-ea"/>
-                <a:cs typeface="+mn-cs"/>
-                <a:hlinkClick r:id="rId4"/>
-              </a:rPr>
-              <a:t>https://www.hl7.org/fhir/overview.html</a:t>
-            </a:r>
-            <a:r>
-              <a:rPr lang="en-US" altLang="zh-TW" sz="1200" kern="1200" dirty="0" smtClean="0">
-                <a:solidFill>
-                  <a:schemeClr val="tx1"/>
-                </a:solidFill>
-                <a:effectLst/>
-                <a:latin typeface="+mn-lt"/>
-                <a:ea typeface="+mn-ea"/>
-                <a:cs typeface="+mn-cs"/>
-              </a:rPr>
-              <a:t>.</a:t>
-            </a:r>
-            <a:endParaRPr lang="zh-TW" altLang="zh-TW" sz="1200" kern="1200" dirty="0" smtClean="0">
-              <a:solidFill>
-                <a:schemeClr val="tx1"/>
-              </a:solidFill>
-              <a:effectLst/>
-              <a:latin typeface="+mn-lt"/>
-              <a:ea typeface="+mn-ea"/>
-              <a:cs typeface="+mn-cs"/>
-            </a:endParaRPr>
-          </a:p>
-          <a:p>
-            <a:pPr lvl="0"/>
-            <a:r>
-              <a:rPr lang="en-US" altLang="zh-TW" sz="1200" kern="1200" dirty="0" smtClean="0">
-                <a:solidFill>
-                  <a:schemeClr val="tx1"/>
-                </a:solidFill>
-                <a:effectLst/>
-                <a:latin typeface="+mn-lt"/>
-                <a:ea typeface="+mn-ea"/>
-                <a:cs typeface="+mn-cs"/>
-              </a:rPr>
-              <a:t>[?]FHIR Overview – Developers,</a:t>
-            </a:r>
-            <a:r>
-              <a:rPr lang="en-US" altLang="zh-TW" sz="1200" kern="1200" baseline="0" dirty="0" smtClean="0">
-                <a:solidFill>
-                  <a:schemeClr val="tx1"/>
-                </a:solidFill>
-                <a:effectLst/>
-                <a:latin typeface="+mn-lt"/>
-                <a:ea typeface="+mn-ea"/>
-                <a:cs typeface="+mn-cs"/>
-              </a:rPr>
-              <a:t> </a:t>
-            </a:r>
-            <a:r>
-              <a:rPr lang="en-US" altLang="zh-TW" sz="1200" u="sng" kern="1200" dirty="0" smtClean="0">
-                <a:solidFill>
-                  <a:schemeClr val="tx1"/>
-                </a:solidFill>
-                <a:effectLst/>
-                <a:latin typeface="+mn-lt"/>
-                <a:ea typeface="+mn-ea"/>
-                <a:cs typeface="+mn-cs"/>
-                <a:hlinkClick r:id="rId5"/>
-              </a:rPr>
-              <a:t>https://www.hl7.org/fhir/overview-dev.html</a:t>
-            </a:r>
-            <a:r>
-              <a:rPr lang="en-US" altLang="zh-TW" sz="1200" kern="1200" dirty="0" smtClean="0">
-                <a:solidFill>
-                  <a:schemeClr val="tx1"/>
-                </a:solidFill>
-                <a:effectLst/>
-                <a:latin typeface="+mn-lt"/>
-                <a:ea typeface="+mn-ea"/>
-                <a:cs typeface="+mn-cs"/>
-              </a:rPr>
-              <a:t>.</a:t>
-            </a:r>
-            <a:endParaRPr lang="zh-TW" altLang="zh-TW" sz="1200" kern="1200" dirty="0" smtClean="0">
-              <a:solidFill>
-                <a:schemeClr val="tx1"/>
-              </a:solidFill>
-              <a:effectLst/>
-              <a:latin typeface="+mn-lt"/>
-              <a:ea typeface="+mn-ea"/>
-              <a:cs typeface="+mn-cs"/>
-            </a:endParaRPr>
-          </a:p>
-          <a:p>
-            <a:pPr lvl="0"/>
-            <a:r>
-              <a:rPr lang="en-US" altLang="zh-TW" sz="1200" kern="1200" dirty="0" smtClean="0">
-                <a:solidFill>
-                  <a:schemeClr val="tx1"/>
-                </a:solidFill>
-                <a:effectLst/>
-                <a:latin typeface="+mn-lt"/>
-                <a:ea typeface="+mn-ea"/>
-                <a:cs typeface="+mn-cs"/>
-              </a:rPr>
-              <a:t>[?]FHIR Overview – Clinicians, </a:t>
-            </a:r>
-            <a:r>
-              <a:rPr lang="en-US" altLang="zh-TW" sz="1200" u="sng" kern="1200" dirty="0" smtClean="0">
-                <a:solidFill>
-                  <a:schemeClr val="tx1"/>
-                </a:solidFill>
-                <a:effectLst/>
-                <a:latin typeface="+mn-lt"/>
-                <a:ea typeface="+mn-ea"/>
-                <a:cs typeface="+mn-cs"/>
-                <a:hlinkClick r:id="rId6"/>
-              </a:rPr>
-              <a:t>https://www.hl7.org/fhir/overview-clinical.html</a:t>
-            </a:r>
-            <a:r>
-              <a:rPr lang="en-US" altLang="zh-TW" sz="1200" kern="1200" dirty="0" smtClean="0">
-                <a:solidFill>
-                  <a:schemeClr val="tx1"/>
-                </a:solidFill>
-                <a:effectLst/>
-                <a:latin typeface="+mn-lt"/>
-                <a:ea typeface="+mn-ea"/>
-                <a:cs typeface="+mn-cs"/>
-              </a:rPr>
-              <a:t>.</a:t>
-            </a:r>
-            <a:endParaRPr lang="zh-TW" altLang="zh-TW" sz="1200" kern="1200" dirty="0" smtClean="0">
-              <a:solidFill>
-                <a:schemeClr val="tx1"/>
-              </a:solidFill>
-              <a:effectLst/>
-              <a:latin typeface="+mn-lt"/>
-              <a:ea typeface="+mn-ea"/>
-              <a:cs typeface="+mn-cs"/>
-            </a:endParaRPr>
-          </a:p>
-          <a:p>
             <a:endParaRPr lang="zh-TW" altLang="en-US" dirty="0"/>
           </a:p>
         </p:txBody>
@@ -1078,9 +560,9 @@
           <a:bodyPr/>
           <a:lstStyle/>
           <a:p>
-            <a:fld id="{864151F4-505E-46F2-B9D3-2468AD1D799E}" type="slidenum">
+            <a:fld id="{2A57C532-0E4C-40AB-BCFB-9EE2E9766183}" type="slidenum">
               <a:rPr lang="zh-TW" altLang="en-US" smtClean="0"/>
-              <a:t>2</a:t>
+              <a:t>13</a:t>
             </a:fld>
             <a:endParaRPr lang="zh-TW" altLang="en-US"/>
           </a:p>
@@ -1089,7 +571,7 @@
     </p:spTree>
     <p:extLst>
       <p:ext uri="{BB962C8B-B14F-4D97-AF65-F5344CB8AC3E}">
-        <p14:creationId xmlns:p14="http://schemas.microsoft.com/office/powerpoint/2010/main" val="3128716034"/>
+        <p14:creationId xmlns:p14="http://schemas.microsoft.com/office/powerpoint/2010/main" val="2451648953"/>
       </p:ext>
     </p:extLst>
   </p:cSld>
@@ -1164,7 +646,7 @@
           <a:p>
             <a:fld id="{2A57C532-0E4C-40AB-BCFB-9EE2E9766183}" type="slidenum">
               <a:rPr lang="zh-TW" altLang="en-US" smtClean="0"/>
-              <a:t>7</a:t>
+              <a:t>14</a:t>
             </a:fld>
             <a:endParaRPr lang="zh-TW" altLang="en-US"/>
           </a:p>
@@ -1173,7 +655,7 @@
     </p:spTree>
     <p:extLst>
       <p:ext uri="{BB962C8B-B14F-4D97-AF65-F5344CB8AC3E}">
-        <p14:creationId xmlns:p14="http://schemas.microsoft.com/office/powerpoint/2010/main" val="2451648953"/>
+        <p14:creationId xmlns:p14="http://schemas.microsoft.com/office/powerpoint/2010/main" val="3877639512"/>
       </p:ext>
     </p:extLst>
   </p:cSld>
@@ -1202,7 +684,7 @@
       </p:grpSpPr>
       <p:sp>
         <p:nvSpPr>
-          <p:cNvPr id="2" name="投影片圖像版面配置區 1"/>
+          <p:cNvPr id="2" name="投影片影像版面配置區 1"/>
           <p:cNvSpPr>
             <a:spLocks noGrp="1" noRot="1" noChangeAspect="1"/>
           </p:cNvSpPr>
@@ -1227,6 +709,12 @@
           <a:bodyPr/>
           <a:lstStyle/>
           <a:p>
+            <a:r>
+              <a:rPr lang="en-US" altLang="zh-TW" dirty="0">
+                <a:hlinkClick r:id="rId3"/>
+              </a:rPr>
+              <a:t>http://hl7.org/fhir/patient.html</a:t>
+            </a:r>
             <a:endParaRPr lang="zh-TW" altLang="en-US" dirty="0"/>
           </a:p>
         </p:txBody>
@@ -1238,7 +726,7 @@
             <a:spLocks noGrp="1"/>
           </p:cNvSpPr>
           <p:nvPr>
-            <p:ph type="sldNum" sz="quarter" idx="10"/>
+            <p:ph type="sldNum" sz="quarter" idx="5"/>
           </p:nvPr>
         </p:nvSpPr>
         <p:spPr/>
@@ -1246,9 +734,9 @@
           <a:bodyPr/>
           <a:lstStyle/>
           <a:p>
-            <a:fld id="{2A57C532-0E4C-40AB-BCFB-9EE2E9766183}" type="slidenum">
+            <a:fld id="{544E01DF-69BB-4348-B727-DEDC92AC8832}" type="slidenum">
               <a:rPr lang="zh-TW" altLang="en-US" smtClean="0"/>
-              <a:t>8</a:t>
+              <a:t>16</a:t>
             </a:fld>
             <a:endParaRPr lang="zh-TW" altLang="en-US"/>
           </a:p>
@@ -1257,7 +745,7 @@
     </p:spTree>
     <p:extLst>
       <p:ext uri="{BB962C8B-B14F-4D97-AF65-F5344CB8AC3E}">
-        <p14:creationId xmlns:p14="http://schemas.microsoft.com/office/powerpoint/2010/main" val="3877639512"/>
+        <p14:creationId xmlns:p14="http://schemas.microsoft.com/office/powerpoint/2010/main" val="2375958308"/>
       </p:ext>
     </p:extLst>
   </p:cSld>
@@ -1286,7 +774,7 @@
       </p:grpSpPr>
       <p:sp>
         <p:nvSpPr>
-          <p:cNvPr id="2" name="投影片影像版面配置區 1"/>
+          <p:cNvPr id="2" name="投影片圖像版面配置區 1"/>
           <p:cNvSpPr>
             <a:spLocks noGrp="1" noRot="1" noChangeAspect="1"/>
           </p:cNvSpPr>
@@ -1311,12 +799,6 @@
           <a:bodyPr/>
           <a:lstStyle/>
           <a:p>
-            <a:r>
-              <a:rPr lang="en-US" altLang="zh-TW" dirty="0">
-                <a:hlinkClick r:id="rId3"/>
-              </a:rPr>
-              <a:t>http://hl7.org/fhir/patient.html</a:t>
-            </a:r>
             <a:endParaRPr lang="zh-TW" altLang="en-US" dirty="0"/>
           </a:p>
         </p:txBody>
@@ -1328,7 +810,7 @@
             <a:spLocks noGrp="1"/>
           </p:cNvSpPr>
           <p:nvPr>
-            <p:ph type="sldNum" sz="quarter" idx="5"/>
+            <p:ph type="sldNum" sz="quarter" idx="10"/>
           </p:nvPr>
         </p:nvSpPr>
         <p:spPr/>
@@ -1336,9 +818,9 @@
           <a:bodyPr/>
           <a:lstStyle/>
           <a:p>
-            <a:fld id="{544E01DF-69BB-4348-B727-DEDC92AC8832}" type="slidenum">
+            <a:fld id="{2A57C532-0E4C-40AB-BCFB-9EE2E9766183}" type="slidenum">
               <a:rPr lang="zh-TW" altLang="en-US" smtClean="0"/>
-              <a:t>10</a:t>
+              <a:t>19</a:t>
             </a:fld>
             <a:endParaRPr lang="zh-TW" altLang="en-US"/>
           </a:p>
@@ -1347,7 +829,7 @@
     </p:spTree>
     <p:extLst>
       <p:ext uri="{BB962C8B-B14F-4D97-AF65-F5344CB8AC3E}">
-        <p14:creationId xmlns:p14="http://schemas.microsoft.com/office/powerpoint/2010/main" val="2375958308"/>
+        <p14:creationId xmlns:p14="http://schemas.microsoft.com/office/powerpoint/2010/main" val="1924518808"/>
       </p:ext>
     </p:extLst>
   </p:cSld>
@@ -1376,90 +858,6 @@
       </p:grpSpPr>
       <p:sp>
         <p:nvSpPr>
-          <p:cNvPr id="2" name="投影片圖像版面配置區 1"/>
-          <p:cNvSpPr>
-            <a:spLocks noGrp="1" noRot="1" noChangeAspect="1"/>
-          </p:cNvSpPr>
-          <p:nvPr>
-            <p:ph type="sldImg"/>
-          </p:nvPr>
-        </p:nvSpPr>
-        <p:spPr/>
-      </p:sp>
-      <p:sp>
-        <p:nvSpPr>
-          <p:cNvPr id="3" name="備忘稿版面配置區 2"/>
-          <p:cNvSpPr>
-            <a:spLocks noGrp="1"/>
-          </p:cNvSpPr>
-          <p:nvPr>
-            <p:ph type="body" idx="1"/>
-          </p:nvPr>
-        </p:nvSpPr>
-        <p:spPr/>
-        <p:txBody>
-          <a:bodyPr/>
-          <a:lstStyle/>
-          <a:p>
-            <a:endParaRPr lang="zh-TW" altLang="en-US" dirty="0"/>
-          </a:p>
-        </p:txBody>
-      </p:sp>
-      <p:sp>
-        <p:nvSpPr>
-          <p:cNvPr id="4" name="投影片編號版面配置區 3"/>
-          <p:cNvSpPr>
-            <a:spLocks noGrp="1"/>
-          </p:cNvSpPr>
-          <p:nvPr>
-            <p:ph type="sldNum" sz="quarter" idx="10"/>
-          </p:nvPr>
-        </p:nvSpPr>
-        <p:spPr/>
-        <p:txBody>
-          <a:bodyPr/>
-          <a:lstStyle/>
-          <a:p>
-            <a:fld id="{2A57C532-0E4C-40AB-BCFB-9EE2E9766183}" type="slidenum">
-              <a:rPr lang="zh-TW" altLang="en-US" smtClean="0"/>
-              <a:t>13</a:t>
-            </a:fld>
-            <a:endParaRPr lang="zh-TW" altLang="en-US"/>
-          </a:p>
-        </p:txBody>
-      </p:sp>
-    </p:spTree>
-    <p:extLst>
-      <p:ext uri="{BB962C8B-B14F-4D97-AF65-F5344CB8AC3E}">
-        <p14:creationId xmlns:p14="http://schemas.microsoft.com/office/powerpoint/2010/main" val="1924518808"/>
-      </p:ext>
-    </p:extLst>
-  </p:cSld>
-  <p:clrMapOvr>
-    <a:masterClrMapping/>
-  </p:clrMapOvr>
-</p:notes>
-</file>
-
-<file path=ppt/notesSlides/notesSlide6.xml><?xml version="1.0" encoding="utf-8"?>
-<p:notes xmlns:a="http://schemas.openxmlformats.org/drawingml/2006/main" xmlns:r="http://schemas.openxmlformats.org/officeDocument/2006/relationships" xmlns:p="http://schemas.openxmlformats.org/presentationml/2006/main">
-  <p:cSld>
-    <p:spTree>
-      <p:nvGrpSpPr>
-        <p:cNvPr id="1" name=""/>
-        <p:cNvGrpSpPr/>
-        <p:nvPr/>
-      </p:nvGrpSpPr>
-      <p:grpSpPr>
-        <a:xfrm>
-          <a:off x="0" y="0"/>
-          <a:ext cx="0" cy="0"/>
-          <a:chOff x="0" y="0"/>
-          <a:chExt cx="0" cy="0"/>
-        </a:xfrm>
-      </p:grpSpPr>
-      <p:sp>
-        <p:nvSpPr>
           <p:cNvPr id="2" name="投影片影像版面配置區 1"/>
           <p:cNvSpPr>
             <a:spLocks noGrp="1" noRot="1" noChangeAspect="1"/>
@@ -1512,7 +910,7 @@
           <a:p>
             <a:fld id="{544E01DF-69BB-4348-B727-DEDC92AC8832}" type="slidenum">
               <a:rPr lang="zh-TW" altLang="en-US" smtClean="0"/>
-              <a:t>14</a:t>
+              <a:t>20</a:t>
             </a:fld>
             <a:endParaRPr lang="zh-TW" altLang="en-US"/>
           </a:p>
@@ -1569,10 +967,9 @@
           <a:lstStyle/>
           <a:p>
             <a:r>
-              <a:rPr kumimoji="1" lang="zh-TW" altLang="en-US" smtClean="0"/>
+              <a:rPr kumimoji="1" lang="zh-TW" altLang="en-US"/>
               <a:t>按一下以編輯母片標題樣式</a:t>
             </a:r>
-            <a:endParaRPr kumimoji="1" lang="zh-TW" altLang="en-US"/>
           </a:p>
         </p:txBody>
       </p:sp>
@@ -1688,10 +1085,9 @@
           </a:lstStyle>
           <a:p>
             <a:r>
-              <a:rPr kumimoji="1" lang="zh-TW" altLang="en-US" smtClean="0"/>
+              <a:rPr kumimoji="1" lang="zh-TW" altLang="en-US"/>
               <a:t>按一下以編輯母片子標題樣式</a:t>
             </a:r>
-            <a:endParaRPr kumimoji="1" lang="zh-TW" altLang="en-US"/>
           </a:p>
         </p:txBody>
       </p:sp>
@@ -1712,7 +1108,7 @@
           <a:p>
             <a:fld id="{481A3301-3204-5541-A90F-129CF5D78E71}" type="datetimeFigureOut">
               <a:rPr kumimoji="1" lang="zh-TW" altLang="en-US" smtClean="0"/>
-              <a:t>2020/3/10</a:t>
+              <a:t>2021/3/4</a:t>
             </a:fld>
             <a:endParaRPr kumimoji="1" lang="zh-TW" altLang="en-US"/>
           </a:p>
@@ -1806,10 +1202,9 @@
           <a:lstStyle/>
           <a:p>
             <a:r>
-              <a:rPr kumimoji="1" lang="zh-TW" altLang="en-US" smtClean="0"/>
+              <a:rPr kumimoji="1" lang="zh-TW" altLang="en-US"/>
               <a:t>按一下以編輯母片標題樣式</a:t>
             </a:r>
-            <a:endParaRPr kumimoji="1" lang="zh-TW" altLang="en-US"/>
           </a:p>
         </p:txBody>
       </p:sp>
@@ -1830,38 +1225,37 @@
           <a:p>
             <a:pPr lvl="0"/>
             <a:r>
-              <a:rPr kumimoji="1" lang="zh-TW" altLang="en-US" smtClean="0"/>
+              <a:rPr kumimoji="1" lang="zh-TW" altLang="en-US"/>
               <a:t>按一下以編輯母片文字樣式</a:t>
             </a:r>
           </a:p>
           <a:p>
             <a:pPr lvl="1"/>
             <a:r>
-              <a:rPr kumimoji="1" lang="zh-TW" altLang="en-US" smtClean="0"/>
+              <a:rPr kumimoji="1" lang="zh-TW" altLang="en-US"/>
               <a:t>第二層</a:t>
             </a:r>
           </a:p>
           <a:p>
             <a:pPr lvl="2"/>
             <a:r>
-              <a:rPr kumimoji="1" lang="zh-TW" altLang="en-US" smtClean="0"/>
+              <a:rPr kumimoji="1" lang="zh-TW" altLang="en-US"/>
               <a:t>第三層</a:t>
             </a:r>
           </a:p>
           <a:p>
             <a:pPr lvl="3"/>
             <a:r>
-              <a:rPr kumimoji="1" lang="zh-TW" altLang="en-US" smtClean="0"/>
+              <a:rPr kumimoji="1" lang="zh-TW" altLang="en-US"/>
               <a:t>第四層</a:t>
             </a:r>
           </a:p>
           <a:p>
             <a:pPr lvl="4"/>
             <a:r>
-              <a:rPr kumimoji="1" lang="zh-TW" altLang="en-US" smtClean="0"/>
+              <a:rPr kumimoji="1" lang="zh-TW" altLang="en-US"/>
               <a:t>第五層</a:t>
             </a:r>
-            <a:endParaRPr kumimoji="1" lang="zh-TW" altLang="en-US"/>
           </a:p>
         </p:txBody>
       </p:sp>
@@ -1882,7 +1276,7 @@
           <a:p>
             <a:fld id="{481A3301-3204-5541-A90F-129CF5D78E71}" type="datetimeFigureOut">
               <a:rPr kumimoji="1" lang="zh-TW" altLang="en-US" smtClean="0"/>
-              <a:t>2020/3/10</a:t>
+              <a:t>2021/3/4</a:t>
             </a:fld>
             <a:endParaRPr kumimoji="1" lang="zh-TW" altLang="en-US"/>
           </a:p>
@@ -1981,10 +1375,9 @@
           <a:lstStyle/>
           <a:p>
             <a:r>
-              <a:rPr kumimoji="1" lang="zh-TW" altLang="en-US" smtClean="0"/>
+              <a:rPr kumimoji="1" lang="zh-TW" altLang="en-US"/>
               <a:t>按一下以編輯母片標題樣式</a:t>
             </a:r>
-            <a:endParaRPr kumimoji="1" lang="zh-TW" altLang="en-US"/>
           </a:p>
         </p:txBody>
       </p:sp>
@@ -2010,38 +1403,37 @@
           <a:p>
             <a:pPr lvl="0"/>
             <a:r>
-              <a:rPr kumimoji="1" lang="zh-TW" altLang="en-US" smtClean="0"/>
+              <a:rPr kumimoji="1" lang="zh-TW" altLang="en-US"/>
               <a:t>按一下以編輯母片文字樣式</a:t>
             </a:r>
           </a:p>
           <a:p>
             <a:pPr lvl="1"/>
             <a:r>
-              <a:rPr kumimoji="1" lang="zh-TW" altLang="en-US" smtClean="0"/>
+              <a:rPr kumimoji="1" lang="zh-TW" altLang="en-US"/>
               <a:t>第二層</a:t>
             </a:r>
           </a:p>
           <a:p>
             <a:pPr lvl="2"/>
             <a:r>
-              <a:rPr kumimoji="1" lang="zh-TW" altLang="en-US" smtClean="0"/>
+              <a:rPr kumimoji="1" lang="zh-TW" altLang="en-US"/>
               <a:t>第三層</a:t>
             </a:r>
           </a:p>
           <a:p>
             <a:pPr lvl="3"/>
             <a:r>
-              <a:rPr kumimoji="1" lang="zh-TW" altLang="en-US" smtClean="0"/>
+              <a:rPr kumimoji="1" lang="zh-TW" altLang="en-US"/>
               <a:t>第四層</a:t>
             </a:r>
           </a:p>
           <a:p>
             <a:pPr lvl="4"/>
             <a:r>
-              <a:rPr kumimoji="1" lang="zh-TW" altLang="en-US" smtClean="0"/>
+              <a:rPr kumimoji="1" lang="zh-TW" altLang="en-US"/>
               <a:t>第五層</a:t>
             </a:r>
-            <a:endParaRPr kumimoji="1" lang="zh-TW" altLang="en-US"/>
           </a:p>
         </p:txBody>
       </p:sp>
@@ -2062,7 +1454,7 @@
           <a:p>
             <a:fld id="{481A3301-3204-5541-A90F-129CF5D78E71}" type="datetimeFigureOut">
               <a:rPr kumimoji="1" lang="zh-TW" altLang="en-US" smtClean="0"/>
-              <a:t>2020/3/10</a:t>
+              <a:t>2021/3/4</a:t>
             </a:fld>
             <a:endParaRPr kumimoji="1" lang="zh-TW" altLang="en-US"/>
           </a:p>
@@ -2156,10 +1548,9 @@
           <a:lstStyle/>
           <a:p>
             <a:r>
-              <a:rPr kumimoji="1" lang="zh-TW" altLang="en-US" smtClean="0"/>
+              <a:rPr kumimoji="1" lang="zh-TW" altLang="en-US"/>
               <a:t>按一下以編輯母片標題樣式</a:t>
             </a:r>
-            <a:endParaRPr kumimoji="1" lang="zh-TW" altLang="en-US"/>
           </a:p>
         </p:txBody>
       </p:sp>
@@ -2180,38 +1571,37 @@
           <a:p>
             <a:pPr lvl="0"/>
             <a:r>
-              <a:rPr kumimoji="1" lang="zh-TW" altLang="en-US" smtClean="0"/>
+              <a:rPr kumimoji="1" lang="zh-TW" altLang="en-US"/>
               <a:t>按一下以編輯母片文字樣式</a:t>
             </a:r>
           </a:p>
           <a:p>
             <a:pPr lvl="1"/>
             <a:r>
-              <a:rPr kumimoji="1" lang="zh-TW" altLang="en-US" smtClean="0"/>
+              <a:rPr kumimoji="1" lang="zh-TW" altLang="en-US"/>
               <a:t>第二層</a:t>
             </a:r>
           </a:p>
           <a:p>
             <a:pPr lvl="2"/>
             <a:r>
-              <a:rPr kumimoji="1" lang="zh-TW" altLang="en-US" smtClean="0"/>
+              <a:rPr kumimoji="1" lang="zh-TW" altLang="en-US"/>
               <a:t>第三層</a:t>
             </a:r>
           </a:p>
           <a:p>
             <a:pPr lvl="3"/>
             <a:r>
-              <a:rPr kumimoji="1" lang="zh-TW" altLang="en-US" smtClean="0"/>
+              <a:rPr kumimoji="1" lang="zh-TW" altLang="en-US"/>
               <a:t>第四層</a:t>
             </a:r>
           </a:p>
           <a:p>
             <a:pPr lvl="4"/>
             <a:r>
-              <a:rPr kumimoji="1" lang="zh-TW" altLang="en-US" smtClean="0"/>
+              <a:rPr kumimoji="1" lang="zh-TW" altLang="en-US"/>
               <a:t>第五層</a:t>
             </a:r>
-            <a:endParaRPr kumimoji="1" lang="zh-TW" altLang="en-US"/>
           </a:p>
         </p:txBody>
       </p:sp>
@@ -2232,7 +1622,7 @@
           <a:p>
             <a:fld id="{481A3301-3204-5541-A90F-129CF5D78E71}" type="datetimeFigureOut">
               <a:rPr kumimoji="1" lang="zh-TW" altLang="en-US" smtClean="0"/>
-              <a:t>2020/3/10</a:t>
+              <a:t>2021/3/4</a:t>
             </a:fld>
             <a:endParaRPr kumimoji="1" lang="zh-TW" altLang="en-US"/>
           </a:p>
@@ -2335,10 +1725,9 @@
           </a:lstStyle>
           <a:p>
             <a:r>
-              <a:rPr kumimoji="1" lang="zh-TW" altLang="en-US" smtClean="0"/>
+              <a:rPr kumimoji="1" lang="zh-TW" altLang="en-US"/>
               <a:t>按一下以編輯母片標題樣式</a:t>
             </a:r>
-            <a:endParaRPr kumimoji="1" lang="zh-TW" altLang="en-US"/>
           </a:p>
         </p:txBody>
       </p:sp>
@@ -2455,7 +1844,7 @@
           <a:p>
             <a:pPr lvl="0"/>
             <a:r>
-              <a:rPr kumimoji="1" lang="zh-TW" altLang="en-US" smtClean="0"/>
+              <a:rPr kumimoji="1" lang="zh-TW" altLang="en-US"/>
               <a:t>按一下以編輯母片文字樣式</a:t>
             </a:r>
           </a:p>
@@ -2478,7 +1867,7 @@
           <a:p>
             <a:fld id="{481A3301-3204-5541-A90F-129CF5D78E71}" type="datetimeFigureOut">
               <a:rPr kumimoji="1" lang="zh-TW" altLang="en-US" smtClean="0"/>
-              <a:t>2020/3/10</a:t>
+              <a:t>2021/3/4</a:t>
             </a:fld>
             <a:endParaRPr kumimoji="1" lang="zh-TW" altLang="en-US"/>
           </a:p>
@@ -2572,10 +1961,9 @@
           <a:lstStyle/>
           <a:p>
             <a:r>
-              <a:rPr kumimoji="1" lang="zh-TW" altLang="en-US" smtClean="0"/>
+              <a:rPr kumimoji="1" lang="zh-TW" altLang="en-US"/>
               <a:t>按一下以編輯母片標題樣式</a:t>
             </a:r>
-            <a:endParaRPr kumimoji="1" lang="zh-TW" altLang="en-US"/>
           </a:p>
         </p:txBody>
       </p:sp>
@@ -2629,38 +2017,37 @@
           <a:p>
             <a:pPr lvl="0"/>
             <a:r>
-              <a:rPr kumimoji="1" lang="zh-TW" altLang="en-US" smtClean="0"/>
+              <a:rPr kumimoji="1" lang="zh-TW" altLang="en-US"/>
               <a:t>按一下以編輯母片文字樣式</a:t>
             </a:r>
           </a:p>
           <a:p>
             <a:pPr lvl="1"/>
             <a:r>
-              <a:rPr kumimoji="1" lang="zh-TW" altLang="en-US" smtClean="0"/>
+              <a:rPr kumimoji="1" lang="zh-TW" altLang="en-US"/>
               <a:t>第二層</a:t>
             </a:r>
           </a:p>
           <a:p>
             <a:pPr lvl="2"/>
             <a:r>
-              <a:rPr kumimoji="1" lang="zh-TW" altLang="en-US" smtClean="0"/>
+              <a:rPr kumimoji="1" lang="zh-TW" altLang="en-US"/>
               <a:t>第三層</a:t>
             </a:r>
           </a:p>
           <a:p>
             <a:pPr lvl="3"/>
             <a:r>
-              <a:rPr kumimoji="1" lang="zh-TW" altLang="en-US" smtClean="0"/>
+              <a:rPr kumimoji="1" lang="zh-TW" altLang="en-US"/>
               <a:t>第四層</a:t>
             </a:r>
           </a:p>
           <a:p>
             <a:pPr lvl="4"/>
             <a:r>
-              <a:rPr kumimoji="1" lang="zh-TW" altLang="en-US" smtClean="0"/>
+              <a:rPr kumimoji="1" lang="zh-TW" altLang="en-US"/>
               <a:t>第五層</a:t>
             </a:r>
-            <a:endParaRPr kumimoji="1" lang="zh-TW" altLang="en-US"/>
           </a:p>
         </p:txBody>
       </p:sp>
@@ -2714,38 +2101,37 @@
           <a:p>
             <a:pPr lvl="0"/>
             <a:r>
-              <a:rPr kumimoji="1" lang="zh-TW" altLang="en-US" smtClean="0"/>
+              <a:rPr kumimoji="1" lang="zh-TW" altLang="en-US"/>
               <a:t>按一下以編輯母片文字樣式</a:t>
             </a:r>
           </a:p>
           <a:p>
             <a:pPr lvl="1"/>
             <a:r>
-              <a:rPr kumimoji="1" lang="zh-TW" altLang="en-US" smtClean="0"/>
+              <a:rPr kumimoji="1" lang="zh-TW" altLang="en-US"/>
               <a:t>第二層</a:t>
             </a:r>
           </a:p>
           <a:p>
             <a:pPr lvl="2"/>
             <a:r>
-              <a:rPr kumimoji="1" lang="zh-TW" altLang="en-US" smtClean="0"/>
+              <a:rPr kumimoji="1" lang="zh-TW" altLang="en-US"/>
               <a:t>第三層</a:t>
             </a:r>
           </a:p>
           <a:p>
             <a:pPr lvl="3"/>
             <a:r>
-              <a:rPr kumimoji="1" lang="zh-TW" altLang="en-US" smtClean="0"/>
+              <a:rPr kumimoji="1" lang="zh-TW" altLang="en-US"/>
               <a:t>第四層</a:t>
             </a:r>
           </a:p>
           <a:p>
             <a:pPr lvl="4"/>
             <a:r>
-              <a:rPr kumimoji="1" lang="zh-TW" altLang="en-US" smtClean="0"/>
+              <a:rPr kumimoji="1" lang="zh-TW" altLang="en-US"/>
               <a:t>第五層</a:t>
             </a:r>
-            <a:endParaRPr kumimoji="1" lang="zh-TW" altLang="en-US"/>
           </a:p>
         </p:txBody>
       </p:sp>
@@ -2766,7 +2152,7 @@
           <a:p>
             <a:fld id="{481A3301-3204-5541-A90F-129CF5D78E71}" type="datetimeFigureOut">
               <a:rPr kumimoji="1" lang="zh-TW" altLang="en-US" smtClean="0"/>
-              <a:t>2020/3/10</a:t>
+              <a:t>2021/3/4</a:t>
             </a:fld>
             <a:endParaRPr kumimoji="1" lang="zh-TW" altLang="en-US"/>
           </a:p>
@@ -2864,10 +2250,9 @@
           </a:lstStyle>
           <a:p>
             <a:r>
-              <a:rPr kumimoji="1" lang="zh-TW" altLang="en-US" smtClean="0"/>
+              <a:rPr kumimoji="1" lang="zh-TW" altLang="en-US"/>
               <a:t>按一下以編輯母片標題樣式</a:t>
             </a:r>
-            <a:endParaRPr kumimoji="1" lang="zh-TW" altLang="en-US"/>
           </a:p>
         </p:txBody>
       </p:sp>
@@ -2930,7 +2315,7 @@
           <a:p>
             <a:pPr lvl="0"/>
             <a:r>
-              <a:rPr kumimoji="1" lang="zh-TW" altLang="en-US" smtClean="0"/>
+              <a:rPr kumimoji="1" lang="zh-TW" altLang="en-US"/>
               <a:t>按一下以編輯母片文字樣式</a:t>
             </a:r>
           </a:p>
@@ -2986,38 +2371,37 @@
           <a:p>
             <a:pPr lvl="0"/>
             <a:r>
-              <a:rPr kumimoji="1" lang="zh-TW" altLang="en-US" smtClean="0"/>
+              <a:rPr kumimoji="1" lang="zh-TW" altLang="en-US"/>
               <a:t>按一下以編輯母片文字樣式</a:t>
             </a:r>
           </a:p>
           <a:p>
             <a:pPr lvl="1"/>
             <a:r>
-              <a:rPr kumimoji="1" lang="zh-TW" altLang="en-US" smtClean="0"/>
+              <a:rPr kumimoji="1" lang="zh-TW" altLang="en-US"/>
               <a:t>第二層</a:t>
             </a:r>
           </a:p>
           <a:p>
             <a:pPr lvl="2"/>
             <a:r>
-              <a:rPr kumimoji="1" lang="zh-TW" altLang="en-US" smtClean="0"/>
+              <a:rPr kumimoji="1" lang="zh-TW" altLang="en-US"/>
               <a:t>第三層</a:t>
             </a:r>
           </a:p>
           <a:p>
             <a:pPr lvl="3"/>
             <a:r>
-              <a:rPr kumimoji="1" lang="zh-TW" altLang="en-US" smtClean="0"/>
+              <a:rPr kumimoji="1" lang="zh-TW" altLang="en-US"/>
               <a:t>第四層</a:t>
             </a:r>
           </a:p>
           <a:p>
             <a:pPr lvl="4"/>
             <a:r>
-              <a:rPr kumimoji="1" lang="zh-TW" altLang="en-US" smtClean="0"/>
+              <a:rPr kumimoji="1" lang="zh-TW" altLang="en-US"/>
               <a:t>第五層</a:t>
             </a:r>
-            <a:endParaRPr kumimoji="1" lang="zh-TW" altLang="en-US"/>
           </a:p>
         </p:txBody>
       </p:sp>
@@ -3080,7 +2464,7 @@
           <a:p>
             <a:pPr lvl="0"/>
             <a:r>
-              <a:rPr kumimoji="1" lang="zh-TW" altLang="en-US" smtClean="0"/>
+              <a:rPr kumimoji="1" lang="zh-TW" altLang="en-US"/>
               <a:t>按一下以編輯母片文字樣式</a:t>
             </a:r>
           </a:p>
@@ -3136,38 +2520,37 @@
           <a:p>
             <a:pPr lvl="0"/>
             <a:r>
-              <a:rPr kumimoji="1" lang="zh-TW" altLang="en-US" smtClean="0"/>
+              <a:rPr kumimoji="1" lang="zh-TW" altLang="en-US"/>
               <a:t>按一下以編輯母片文字樣式</a:t>
             </a:r>
           </a:p>
           <a:p>
             <a:pPr lvl="1"/>
             <a:r>
-              <a:rPr kumimoji="1" lang="zh-TW" altLang="en-US" smtClean="0"/>
+              <a:rPr kumimoji="1" lang="zh-TW" altLang="en-US"/>
               <a:t>第二層</a:t>
             </a:r>
           </a:p>
           <a:p>
             <a:pPr lvl="2"/>
             <a:r>
-              <a:rPr kumimoji="1" lang="zh-TW" altLang="en-US" smtClean="0"/>
+              <a:rPr kumimoji="1" lang="zh-TW" altLang="en-US"/>
               <a:t>第三層</a:t>
             </a:r>
           </a:p>
           <a:p>
             <a:pPr lvl="3"/>
             <a:r>
-              <a:rPr kumimoji="1" lang="zh-TW" altLang="en-US" smtClean="0"/>
+              <a:rPr kumimoji="1" lang="zh-TW" altLang="en-US"/>
               <a:t>第四層</a:t>
             </a:r>
           </a:p>
           <a:p>
             <a:pPr lvl="4"/>
             <a:r>
-              <a:rPr kumimoji="1" lang="zh-TW" altLang="en-US" smtClean="0"/>
+              <a:rPr kumimoji="1" lang="zh-TW" altLang="en-US"/>
               <a:t>第五層</a:t>
             </a:r>
-            <a:endParaRPr kumimoji="1" lang="zh-TW" altLang="en-US"/>
           </a:p>
         </p:txBody>
       </p:sp>
@@ -3188,7 +2571,7 @@
           <a:p>
             <a:fld id="{481A3301-3204-5541-A90F-129CF5D78E71}" type="datetimeFigureOut">
               <a:rPr kumimoji="1" lang="zh-TW" altLang="en-US" smtClean="0"/>
-              <a:t>2020/3/10</a:t>
+              <a:t>2021/3/4</a:t>
             </a:fld>
             <a:endParaRPr kumimoji="1" lang="zh-TW" altLang="en-US"/>
           </a:p>
@@ -3282,10 +2665,9 @@
           <a:lstStyle/>
           <a:p>
             <a:r>
-              <a:rPr kumimoji="1" lang="zh-TW" altLang="en-US" smtClean="0"/>
+              <a:rPr kumimoji="1" lang="zh-TW" altLang="en-US"/>
               <a:t>按一下以編輯母片標題樣式</a:t>
             </a:r>
-            <a:endParaRPr kumimoji="1" lang="zh-TW" altLang="en-US"/>
           </a:p>
         </p:txBody>
       </p:sp>
@@ -3306,7 +2688,7 @@
           <a:p>
             <a:fld id="{481A3301-3204-5541-A90F-129CF5D78E71}" type="datetimeFigureOut">
               <a:rPr kumimoji="1" lang="zh-TW" altLang="en-US" smtClean="0"/>
-              <a:t>2020/3/10</a:t>
+              <a:t>2021/3/4</a:t>
             </a:fld>
             <a:endParaRPr kumimoji="1" lang="zh-TW" altLang="en-US"/>
           </a:p>
@@ -3401,7 +2783,7 @@
           <a:p>
             <a:fld id="{481A3301-3204-5541-A90F-129CF5D78E71}" type="datetimeFigureOut">
               <a:rPr kumimoji="1" lang="zh-TW" altLang="en-US" smtClean="0"/>
-              <a:t>2020/3/10</a:t>
+              <a:t>2021/3/4</a:t>
             </a:fld>
             <a:endParaRPr kumimoji="1" lang="zh-TW" altLang="en-US"/>
           </a:p>
@@ -3504,10 +2886,9 @@
           </a:lstStyle>
           <a:p>
             <a:r>
-              <a:rPr kumimoji="1" lang="zh-TW" altLang="en-US" smtClean="0"/>
+              <a:rPr kumimoji="1" lang="zh-TW" altLang="en-US"/>
               <a:t>按一下以編輯母片標題樣式</a:t>
             </a:r>
-            <a:endParaRPr kumimoji="1" lang="zh-TW" altLang="en-US"/>
           </a:p>
         </p:txBody>
       </p:sp>
@@ -3561,38 +2942,37 @@
           <a:p>
             <a:pPr lvl="0"/>
             <a:r>
-              <a:rPr kumimoji="1" lang="zh-TW" altLang="en-US" smtClean="0"/>
+              <a:rPr kumimoji="1" lang="zh-TW" altLang="en-US"/>
               <a:t>按一下以編輯母片文字樣式</a:t>
             </a:r>
           </a:p>
           <a:p>
             <a:pPr lvl="1"/>
             <a:r>
-              <a:rPr kumimoji="1" lang="zh-TW" altLang="en-US" smtClean="0"/>
+              <a:rPr kumimoji="1" lang="zh-TW" altLang="en-US"/>
               <a:t>第二層</a:t>
             </a:r>
           </a:p>
           <a:p>
             <a:pPr lvl="2"/>
             <a:r>
-              <a:rPr kumimoji="1" lang="zh-TW" altLang="en-US" smtClean="0"/>
+              <a:rPr kumimoji="1" lang="zh-TW" altLang="en-US"/>
               <a:t>第三層</a:t>
             </a:r>
           </a:p>
           <a:p>
             <a:pPr lvl="3"/>
             <a:r>
-              <a:rPr kumimoji="1" lang="zh-TW" altLang="en-US" smtClean="0"/>
+              <a:rPr kumimoji="1" lang="zh-TW" altLang="en-US"/>
               <a:t>第四層</a:t>
             </a:r>
           </a:p>
           <a:p>
             <a:pPr lvl="4"/>
             <a:r>
-              <a:rPr kumimoji="1" lang="zh-TW" altLang="en-US" smtClean="0"/>
+              <a:rPr kumimoji="1" lang="zh-TW" altLang="en-US"/>
               <a:t>第五層</a:t>
             </a:r>
-            <a:endParaRPr kumimoji="1" lang="zh-TW" altLang="en-US"/>
           </a:p>
         </p:txBody>
       </p:sp>
@@ -3655,7 +3035,7 @@
           <a:p>
             <a:pPr lvl="0"/>
             <a:r>
-              <a:rPr kumimoji="1" lang="zh-TW" altLang="en-US" smtClean="0"/>
+              <a:rPr kumimoji="1" lang="zh-TW" altLang="en-US"/>
               <a:t>按一下以編輯母片文字樣式</a:t>
             </a:r>
           </a:p>
@@ -3678,7 +3058,7 @@
           <a:p>
             <a:fld id="{481A3301-3204-5541-A90F-129CF5D78E71}" type="datetimeFigureOut">
               <a:rPr kumimoji="1" lang="zh-TW" altLang="en-US" smtClean="0"/>
-              <a:t>2020/3/10</a:t>
+              <a:t>2021/3/4</a:t>
             </a:fld>
             <a:endParaRPr kumimoji="1" lang="zh-TW" altLang="en-US"/>
           </a:p>
@@ -3781,10 +3161,9 @@
           </a:lstStyle>
           <a:p>
             <a:r>
-              <a:rPr kumimoji="1" lang="zh-TW" altLang="en-US" smtClean="0"/>
+              <a:rPr kumimoji="1" lang="zh-TW" altLang="en-US"/>
               <a:t>按一下以編輯母片標題樣式</a:t>
             </a:r>
-            <a:endParaRPr kumimoji="1" lang="zh-TW" altLang="en-US"/>
           </a:p>
         </p:txBody>
       </p:sp>
@@ -3908,7 +3287,7 @@
           <a:p>
             <a:pPr lvl="0"/>
             <a:r>
-              <a:rPr kumimoji="1" lang="zh-TW" altLang="en-US" smtClean="0"/>
+              <a:rPr kumimoji="1" lang="zh-TW" altLang="en-US"/>
               <a:t>按一下以編輯母片文字樣式</a:t>
             </a:r>
           </a:p>
@@ -3931,7 +3310,7 @@
           <a:p>
             <a:fld id="{481A3301-3204-5541-A90F-129CF5D78E71}" type="datetimeFigureOut">
               <a:rPr kumimoji="1" lang="zh-TW" altLang="en-US" smtClean="0"/>
-              <a:t>2020/3/10</a:t>
+              <a:t>2021/3/4</a:t>
             </a:fld>
             <a:endParaRPr kumimoji="1" lang="zh-TW" altLang="en-US"/>
           </a:p>
@@ -4040,10 +3419,9 @@
           <a:lstStyle/>
           <a:p>
             <a:r>
-              <a:rPr kumimoji="1" lang="zh-TW" altLang="en-US" smtClean="0"/>
+              <a:rPr kumimoji="1" lang="zh-TW" altLang="en-US"/>
               <a:t>按一下以編輯母片標題樣式</a:t>
             </a:r>
-            <a:endParaRPr kumimoji="1" lang="zh-TW" altLang="en-US"/>
           </a:p>
         </p:txBody>
       </p:sp>
@@ -4074,38 +3452,37 @@
           <a:p>
             <a:pPr lvl="0"/>
             <a:r>
-              <a:rPr kumimoji="1" lang="zh-TW" altLang="en-US" smtClean="0"/>
+              <a:rPr kumimoji="1" lang="zh-TW" altLang="en-US"/>
               <a:t>按一下以編輯母片文字樣式</a:t>
             </a:r>
           </a:p>
           <a:p>
             <a:pPr lvl="1"/>
             <a:r>
-              <a:rPr kumimoji="1" lang="zh-TW" altLang="en-US" smtClean="0"/>
+              <a:rPr kumimoji="1" lang="zh-TW" altLang="en-US"/>
               <a:t>第二層</a:t>
             </a:r>
           </a:p>
           <a:p>
             <a:pPr lvl="2"/>
             <a:r>
-              <a:rPr kumimoji="1" lang="zh-TW" altLang="en-US" smtClean="0"/>
+              <a:rPr kumimoji="1" lang="zh-TW" altLang="en-US"/>
               <a:t>第三層</a:t>
             </a:r>
           </a:p>
           <a:p>
             <a:pPr lvl="3"/>
             <a:r>
-              <a:rPr kumimoji="1" lang="zh-TW" altLang="en-US" smtClean="0"/>
+              <a:rPr kumimoji="1" lang="zh-TW" altLang="en-US"/>
               <a:t>第四層</a:t>
             </a:r>
           </a:p>
           <a:p>
             <a:pPr lvl="4"/>
             <a:r>
-              <a:rPr kumimoji="1" lang="zh-TW" altLang="en-US" smtClean="0"/>
+              <a:rPr kumimoji="1" lang="zh-TW" altLang="en-US"/>
               <a:t>第五層</a:t>
             </a:r>
-            <a:endParaRPr kumimoji="1" lang="zh-TW" altLang="en-US"/>
           </a:p>
         </p:txBody>
       </p:sp>
@@ -4144,7 +3521,7 @@
           <a:p>
             <a:fld id="{481A3301-3204-5541-A90F-129CF5D78E71}" type="datetimeFigureOut">
               <a:rPr kumimoji="1" lang="zh-TW" altLang="en-US" smtClean="0"/>
-              <a:t>2020/3/10</a:t>
+              <a:t>2021/3/4</a:t>
             </a:fld>
             <a:endParaRPr kumimoji="1" lang="zh-TW" altLang="en-US"/>
           </a:p>
@@ -4537,32 +3914,17 @@
           <a:lstStyle/>
           <a:p>
             <a:r>
-              <a:rPr lang="en-US" altLang="zh-TW" sz="5400" dirty="0" smtClean="0">
+              <a:rPr lang="en-US" altLang="zh-TW" sz="5400" dirty="0">
                 <a:latin typeface="+mj-ea"/>
               </a:rPr>
               <a:t>FHIR</a:t>
             </a:r>
             <a:r>
-              <a:rPr lang="zh-TW" altLang="en-US" sz="5400" dirty="0" smtClean="0">
-                <a:latin typeface="+mj-ea"/>
-              </a:rPr>
-              <a:t> 醫護表單</a:t>
-            </a:r>
-            <a:r>
               <a:rPr lang="zh-TW" altLang="en-US" sz="5400" dirty="0">
                 <a:latin typeface="+mj-ea"/>
               </a:rPr>
-              <a:t>初</a:t>
-            </a:r>
-            <a:r>
-              <a:rPr lang="zh-TW" altLang="en-US" sz="5400" dirty="0" smtClean="0">
-                <a:latin typeface="+mj-ea"/>
-              </a:rPr>
-              <a:t>體驗</a:t>
-            </a:r>
-            <a:endParaRPr lang="zh-TW" altLang="en-US" sz="5400" dirty="0">
-              <a:latin typeface="+mj-ea"/>
-            </a:endParaRPr>
+              <a:t> 醫護表單初體驗</a:t>
+            </a:r>
           </a:p>
         </p:txBody>
       </p:sp>
@@ -4595,13 +3957,6 @@
   <p:clrMapOvr>
     <a:masterClrMapping/>
   </p:clrMapOvr>
-  <p:timing>
-    <p:tnLst>
-      <p:par>
-        <p:cTn id="1" dur="indefinite" restart="never" nodeType="tmRoot"/>
-      </p:par>
-    </p:tnLst>
-  </p:timing>
 </p:sld>
 </file>
 
@@ -4627,7 +3982,7 @@
           <p:cNvPr id="2" name="標題 1">
             <a:extLst>
               <a:ext uri="{FF2B5EF4-FFF2-40B4-BE49-F238E27FC236}">
-                <a16:creationId xmlns:a16="http://schemas.microsoft.com/office/drawing/2014/main" id="{27991326-D1A3-42F3-944E-4C7369F636A1}"/>
+                <a16:creationId xmlns:a16="http://schemas.microsoft.com/office/drawing/2014/main" id="{6A34E7DA-FF80-42BE-BF08-0499E906E29D}"/>
               </a:ext>
             </a:extLst>
           </p:cNvPr>
@@ -4638,18 +3993,21 @@
             <p:ph type="title"/>
           </p:nvPr>
         </p:nvSpPr>
-        <p:spPr/>
-        <p:txBody>
-          <a:bodyPr/>
+        <p:spPr>
+          <a:xfrm>
+            <a:off x="457200" y="160337"/>
+            <a:ext cx="3457852" cy="1143000"/>
+          </a:xfrm>
+        </p:spPr>
+        <p:txBody>
+          <a:bodyPr>
+            <a:normAutofit fontScale="90000"/>
+          </a:bodyPr>
           <a:lstStyle/>
           <a:p>
             <a:r>
               <a:rPr lang="en-US" altLang="zh-TW" dirty="0"/>
-              <a:t>Patient </a:t>
-            </a:r>
-            <a:r>
-              <a:rPr lang="en-US" altLang="zh-TW" dirty="0" smtClean="0"/>
-              <a:t>Organization Relation</a:t>
+              <a:t>Root organization</a:t>
             </a:r>
             <a:endParaRPr lang="zh-TW" altLang="en-US" dirty="0"/>
           </a:p>
@@ -4657,273 +4015,145 @@
       </p:sp>
       <p:sp>
         <p:nvSpPr>
-          <p:cNvPr id="5" name="文字方塊 4">
+          <p:cNvPr id="3" name="內容版面配置區 2">
             <a:extLst>
               <a:ext uri="{FF2B5EF4-FFF2-40B4-BE49-F238E27FC236}">
-                <a16:creationId xmlns:a16="http://schemas.microsoft.com/office/drawing/2014/main" id="{A8159D74-458B-4DC5-8667-50D16E47017C}"/>
+                <a16:creationId xmlns:a16="http://schemas.microsoft.com/office/drawing/2014/main" id="{A2776C43-8727-4795-AAC2-B3788545A43E}"/>
               </a:ext>
             </a:extLst>
           </p:cNvPr>
-          <p:cNvSpPr txBox="1"/>
+          <p:cNvSpPr>
+            <a:spLocks noGrp="1"/>
+          </p:cNvSpPr>
+          <p:nvPr>
+            <p:ph idx="1"/>
+          </p:nvPr>
+        </p:nvSpPr>
+        <p:spPr/>
+        <p:txBody>
+          <a:bodyPr/>
+          <a:lstStyle/>
+          <a:p>
+            <a:endParaRPr lang="zh-TW" altLang="en-US"/>
+          </a:p>
+        </p:txBody>
+      </p:sp>
+      <p:pic>
+        <p:nvPicPr>
+          <p:cNvPr id="4" name="圖片 3">
+            <a:extLst>
+              <a:ext uri="{FF2B5EF4-FFF2-40B4-BE49-F238E27FC236}">
+                <a16:creationId xmlns:a16="http://schemas.microsoft.com/office/drawing/2014/main" id="{8916AFCF-09DF-49FC-AA15-7F255F9933C5}"/>
+              </a:ext>
+            </a:extLst>
+          </p:cNvPr>
+          <p:cNvPicPr>
+            <a:picLocks noChangeAspect="1"/>
+          </p:cNvPicPr>
           <p:nvPr/>
-        </p:nvSpPr>
+        </p:nvPicPr>
+        <p:blipFill>
+          <a:blip r:embed="rId2"/>
+          <a:stretch>
+            <a:fillRect/>
+          </a:stretch>
+        </p:blipFill>
         <p:spPr>
           <a:xfrm>
-            <a:off x="355084" y="3198783"/>
-            <a:ext cx="1692377" cy="507831"/>
+            <a:off x="87389" y="1600200"/>
+            <a:ext cx="4484611" cy="5343525"/>
           </a:xfrm>
           <a:prstGeom prst="rect">
             <a:avLst/>
           </a:prstGeom>
-          <a:noFill/>
         </p:spPr>
-        <p:txBody>
-          <a:bodyPr wrap="square" rtlCol="0">
-            <a:spAutoFit/>
-          </a:bodyPr>
-          <a:lstStyle/>
-          <a:p>
-            <a:pPr algn="ctr"/>
-            <a:r>
-              <a:rPr lang="en-US" altLang="zh-TW" sz="2700" dirty="0"/>
-              <a:t>Patient</a:t>
-            </a:r>
-            <a:endParaRPr lang="zh-TW" altLang="en-US" sz="2700" dirty="0"/>
-          </a:p>
-        </p:txBody>
-      </p:sp>
-      <p:sp>
-        <p:nvSpPr>
-          <p:cNvPr id="7" name="文字方塊 6">
+      </p:pic>
+      <p:pic>
+        <p:nvPicPr>
+          <p:cNvPr id="5" name="圖片 4">
             <a:extLst>
               <a:ext uri="{FF2B5EF4-FFF2-40B4-BE49-F238E27FC236}">
-                <a16:creationId xmlns:a16="http://schemas.microsoft.com/office/drawing/2014/main" id="{84B6E350-666E-47E2-BF46-5921C478A230}"/>
+                <a16:creationId xmlns:a16="http://schemas.microsoft.com/office/drawing/2014/main" id="{5EC66156-8D87-4E08-B418-E38C07E49EAC}"/>
               </a:ext>
             </a:extLst>
           </p:cNvPr>
-          <p:cNvSpPr txBox="1"/>
+          <p:cNvPicPr>
+            <a:picLocks noChangeAspect="1"/>
+          </p:cNvPicPr>
           <p:nvPr/>
-        </p:nvSpPr>
+        </p:nvPicPr>
+        <p:blipFill>
+          <a:blip r:embed="rId3"/>
+          <a:stretch>
+            <a:fillRect/>
+          </a:stretch>
+        </p:blipFill>
         <p:spPr>
           <a:xfrm>
-            <a:off x="1753361" y="2883613"/>
-            <a:ext cx="5360157" cy="507831"/>
+            <a:off x="4610539" y="1600200"/>
+            <a:ext cx="4484611" cy="5343525"/>
           </a:xfrm>
           <a:prstGeom prst="rect">
             <a:avLst/>
           </a:prstGeom>
-          <a:noFill/>
         </p:spPr>
-        <p:txBody>
-          <a:bodyPr wrap="square" rtlCol="0">
-            <a:spAutoFit/>
-          </a:bodyPr>
-          <a:lstStyle/>
-          <a:p>
-            <a:pPr algn="ctr"/>
-            <a:r>
-              <a:rPr lang="en-US" altLang="zh-TW" sz="2700" b="1" dirty="0" err="1" smtClean="0">
-                <a:solidFill>
-                  <a:srgbClr val="FF0000"/>
-                </a:solidFill>
-              </a:rPr>
-              <a:t>managingOrganization</a:t>
-            </a:r>
-            <a:r>
-              <a:rPr lang="zh-TW" altLang="en-US" sz="2700" b="1" dirty="0" smtClean="0">
-                <a:solidFill>
-                  <a:srgbClr val="FF0000"/>
-                </a:solidFill>
-              </a:rPr>
-              <a:t> </a:t>
-            </a:r>
-            <a:r>
-              <a:rPr lang="en-US" altLang="zh-TW" sz="2700" b="1" dirty="0" smtClean="0">
-                <a:solidFill>
-                  <a:srgbClr val="FF0000"/>
-                </a:solidFill>
-              </a:rPr>
-              <a:t>reference to </a:t>
-            </a:r>
-            <a:endParaRPr lang="en-US" altLang="zh-TW" sz="2700" b="1" dirty="0">
-              <a:solidFill>
-                <a:srgbClr val="FF0000"/>
-              </a:solidFill>
-            </a:endParaRPr>
-          </a:p>
-        </p:txBody>
-      </p:sp>
-      <p:sp>
-        <p:nvSpPr>
-          <p:cNvPr id="14" name="文字方塊 13">
+      </p:pic>
+      <p:sp>
+        <p:nvSpPr>
+          <p:cNvPr id="6" name="標題 1">
             <a:extLst>
               <a:ext uri="{FF2B5EF4-FFF2-40B4-BE49-F238E27FC236}">
-                <a16:creationId xmlns:a16="http://schemas.microsoft.com/office/drawing/2014/main" id="{3948008A-F023-439D-A02A-9E6A49034CAC}"/>
+                <a16:creationId xmlns:a16="http://schemas.microsoft.com/office/drawing/2014/main" id="{412D8EFC-C840-435F-B335-56C90A2B7324}"/>
               </a:ext>
             </a:extLst>
           </p:cNvPr>
-          <p:cNvSpPr txBox="1"/>
+          <p:cNvSpPr txBox="1">
+            <a:spLocks/>
+          </p:cNvSpPr>
           <p:nvPr/>
         </p:nvSpPr>
         <p:spPr>
           <a:xfrm>
-            <a:off x="3042776" y="2411863"/>
-            <a:ext cx="3269894" cy="369332"/>
+            <a:off x="5004046" y="299258"/>
+            <a:ext cx="3457852" cy="1143000"/>
           </a:xfrm>
           <a:prstGeom prst="rect">
             <a:avLst/>
           </a:prstGeom>
-          <a:noFill/>
         </p:spPr>
         <p:txBody>
-          <a:bodyPr wrap="square" rtlCol="0">
-            <a:spAutoFit/>
+          <a:bodyPr vert="horz" lIns="91440" tIns="45720" rIns="91440" bIns="45720" rtlCol="0" anchor="ctr">
+            <a:normAutofit fontScale="90000" lnSpcReduction="20000"/>
           </a:bodyPr>
-          <a:lstStyle/>
-          <a:p>
-            <a:r>
-              <a:rPr lang="zh-TW" altLang="en-US" b="1" dirty="0" smtClean="0"/>
-              <a:t>病人資料保管組織</a:t>
-            </a:r>
-            <a:r>
-              <a:rPr lang="en-US" altLang="zh-TW" b="1" dirty="0" smtClean="0"/>
-              <a:t>(</a:t>
-            </a:r>
-            <a:r>
-              <a:rPr lang="zh-TW" altLang="en-US" b="1" dirty="0" smtClean="0"/>
-              <a:t>醫院</a:t>
-            </a:r>
-            <a:r>
-              <a:rPr lang="en-US" altLang="zh-TW" b="1" dirty="0" smtClean="0"/>
-              <a:t>)</a:t>
-            </a:r>
-            <a:endParaRPr lang="zh-TW" altLang="en-US" b="1" dirty="0"/>
-          </a:p>
-        </p:txBody>
-      </p:sp>
-      <p:sp>
-        <p:nvSpPr>
-          <p:cNvPr id="15" name="文字方塊 14">
-            <a:extLst>
-              <a:ext uri="{FF2B5EF4-FFF2-40B4-BE49-F238E27FC236}">
-                <a16:creationId xmlns:a16="http://schemas.microsoft.com/office/drawing/2014/main" id="{E67EADB5-471F-4EA3-B466-EA9EF6D142CF}"/>
-              </a:ext>
-            </a:extLst>
-          </p:cNvPr>
-          <p:cNvSpPr txBox="1"/>
-          <p:nvPr/>
-        </p:nvSpPr>
-        <p:spPr>
-          <a:xfrm>
-            <a:off x="1458245" y="4488339"/>
-            <a:ext cx="3113755" cy="646331"/>
-          </a:xfrm>
-          <a:prstGeom prst="rect">
-            <a:avLst/>
-          </a:prstGeom>
-          <a:noFill/>
-        </p:spPr>
-        <p:txBody>
-          <a:bodyPr wrap="square" rtlCol="0">
-            <a:spAutoFit/>
-          </a:bodyPr>
-          <a:lstStyle/>
-          <a:p>
-            <a:r>
-              <a:rPr lang="zh-TW" altLang="en-US" b="1" dirty="0" smtClean="0"/>
-              <a:t>先有組織</a:t>
-            </a:r>
-            <a:endParaRPr lang="en-US" altLang="zh-TW" b="1" dirty="0" smtClean="0"/>
-          </a:p>
-          <a:p>
-            <a:r>
-              <a:rPr lang="zh-TW" altLang="en-US" b="1" dirty="0" smtClean="0"/>
-              <a:t>再新增病人</a:t>
-            </a:r>
-            <a:endParaRPr lang="zh-TW" altLang="en-US" b="1" dirty="0"/>
-          </a:p>
-        </p:txBody>
-      </p:sp>
-      <p:cxnSp>
-        <p:nvCxnSpPr>
-          <p:cNvPr id="17" name="直線單箭頭接點 16">
-            <a:extLst>
-              <a:ext uri="{FF2B5EF4-FFF2-40B4-BE49-F238E27FC236}">
-                <a16:creationId xmlns:a16="http://schemas.microsoft.com/office/drawing/2014/main" id="{2CA637E0-2FD1-40D2-AB10-E577A1B8F95F}"/>
-              </a:ext>
-            </a:extLst>
-          </p:cNvPr>
-          <p:cNvCxnSpPr/>
-          <p:nvPr/>
-        </p:nvCxnSpPr>
-        <p:spPr>
-          <a:xfrm flipV="1">
-            <a:off x="1918252" y="3528391"/>
-            <a:ext cx="4800600" cy="1"/>
-          </a:xfrm>
-          <a:prstGeom prst="straightConnector1">
-            <a:avLst/>
-          </a:prstGeom>
-          <a:ln>
-            <a:tailEnd type="triangle"/>
-          </a:ln>
-        </p:spPr>
-        <p:style>
-          <a:lnRef idx="1">
-            <a:schemeClr val="accent1"/>
-          </a:lnRef>
-          <a:fillRef idx="0">
-            <a:schemeClr val="accent1"/>
-          </a:fillRef>
-          <a:effectRef idx="0">
-            <a:schemeClr val="accent1"/>
-          </a:effectRef>
-          <a:fontRef idx="minor">
-            <a:schemeClr val="tx1"/>
-          </a:fontRef>
-        </p:style>
-      </p:cxnSp>
-      <p:sp>
-        <p:nvSpPr>
-          <p:cNvPr id="16" name="文字方塊 15">
-            <a:extLst>
-              <a:ext uri="{FF2B5EF4-FFF2-40B4-BE49-F238E27FC236}">
-                <a16:creationId xmlns:a16="http://schemas.microsoft.com/office/drawing/2014/main" id="{A8159D74-458B-4DC5-8667-50D16E47017C}"/>
-              </a:ext>
-            </a:extLst>
-          </p:cNvPr>
-          <p:cNvSpPr txBox="1"/>
-          <p:nvPr/>
-        </p:nvSpPr>
-        <p:spPr>
-          <a:xfrm>
-            <a:off x="6819417" y="3274475"/>
-            <a:ext cx="2229438" cy="507831"/>
-          </a:xfrm>
-          <a:prstGeom prst="rect">
-            <a:avLst/>
-          </a:prstGeom>
-          <a:noFill/>
-        </p:spPr>
-        <p:txBody>
-          <a:bodyPr wrap="square" rtlCol="0">
-            <a:spAutoFit/>
-          </a:bodyPr>
-          <a:lstStyle/>
-          <a:p>
-            <a:pPr algn="ctr"/>
-            <a:r>
-              <a:rPr lang="en-US" altLang="zh-TW" sz="2700" dirty="0" smtClean="0"/>
-              <a:t>Organization</a:t>
-            </a:r>
-            <a:endParaRPr lang="zh-TW" altLang="en-US" sz="2700" dirty="0"/>
+          <a:lstStyle>
+            <a:lvl1pPr algn="ctr" defTabSz="457200" rtl="0" eaLnBrk="1" latinLnBrk="0" hangingPunct="1">
+              <a:spcBef>
+                <a:spcPct val="0"/>
+              </a:spcBef>
+              <a:buNone/>
+              <a:defRPr sz="4400" kern="1200">
+                <a:solidFill>
+                  <a:schemeClr val="tx1"/>
+                </a:solidFill>
+                <a:latin typeface="+mj-lt"/>
+                <a:ea typeface="+mj-ea"/>
+                <a:cs typeface="+mj-cs"/>
+              </a:defRPr>
+            </a:lvl1pPr>
+          </a:lstStyle>
+          <a:p>
+            <a:r>
+              <a:rPr lang="en-US" altLang="zh-TW" dirty="0"/>
+              <a:t>Sub. organization</a:t>
+            </a:r>
+            <a:endParaRPr lang="zh-TW" altLang="en-US" dirty="0"/>
           </a:p>
         </p:txBody>
       </p:sp>
     </p:spTree>
     <p:extLst>
       <p:ext uri="{BB962C8B-B14F-4D97-AF65-F5344CB8AC3E}">
-        <p14:creationId xmlns:p14="http://schemas.microsoft.com/office/powerpoint/2010/main" val="704609752"/>
+        <p14:creationId xmlns:p14="http://schemas.microsoft.com/office/powerpoint/2010/main" val="2733291024"/>
       </p:ext>
     </p:extLst>
   </p:cSld>
@@ -4934,2535 +4164,6 @@
 </file>
 
 <file path=ppt/slides/slide11.xml><?xml version="1.0" encoding="utf-8"?>
-<p:sld xmlns:a="http://schemas.openxmlformats.org/drawingml/2006/main" xmlns:r="http://schemas.openxmlformats.org/officeDocument/2006/relationships" xmlns:p="http://schemas.openxmlformats.org/presentationml/2006/main">
-  <p:cSld>
-    <p:spTree>
-      <p:nvGrpSpPr>
-        <p:cNvPr id="1" name=""/>
-        <p:cNvGrpSpPr/>
-        <p:nvPr/>
-      </p:nvGrpSpPr>
-      <p:grpSpPr>
-        <a:xfrm>
-          <a:off x="0" y="0"/>
-          <a:ext cx="0" cy="0"/>
-          <a:chOff x="0" y="0"/>
-          <a:chExt cx="0" cy="0"/>
-        </a:xfrm>
-      </p:grpSpPr>
-      <p:sp>
-        <p:nvSpPr>
-          <p:cNvPr id="2" name="標題 1"/>
-          <p:cNvSpPr>
-            <a:spLocks noGrp="1"/>
-          </p:cNvSpPr>
-          <p:nvPr>
-            <p:ph type="title"/>
-          </p:nvPr>
-        </p:nvSpPr>
-        <p:spPr/>
-        <p:txBody>
-          <a:bodyPr/>
-          <a:lstStyle/>
-          <a:p>
-            <a:r>
-              <a:rPr lang="zh-TW" altLang="en-US" dirty="0" smtClean="0"/>
-              <a:t>新增及查詢人員組織</a:t>
-            </a:r>
-            <a:r>
-              <a:rPr lang="en-US" altLang="zh-TW" dirty="0" smtClean="0"/>
-              <a:t/>
-            </a:r>
-            <a:br>
-              <a:rPr lang="en-US" altLang="zh-TW" dirty="0" smtClean="0"/>
-            </a:br>
-            <a:r>
-              <a:rPr lang="zh-TW" altLang="en-US" dirty="0" smtClean="0"/>
-              <a:t>應用情</a:t>
-            </a:r>
-            <a:r>
-              <a:rPr lang="zh-TW" altLang="en-US" dirty="0"/>
-              <a:t>境</a:t>
-            </a:r>
-          </a:p>
-        </p:txBody>
-      </p:sp>
-      <p:sp>
-        <p:nvSpPr>
-          <p:cNvPr id="3" name="內容版面配置區 2"/>
-          <p:cNvSpPr>
-            <a:spLocks noGrp="1"/>
-          </p:cNvSpPr>
-          <p:nvPr>
-            <p:ph idx="1"/>
-          </p:nvPr>
-        </p:nvSpPr>
-        <p:spPr>
-          <a:xfrm>
-            <a:off x="457200" y="1967948"/>
-            <a:ext cx="8229600" cy="4158215"/>
-          </a:xfrm>
-        </p:spPr>
-        <p:txBody>
-          <a:bodyPr/>
-          <a:lstStyle/>
-          <a:p>
-            <a:r>
-              <a:rPr lang="zh-TW" altLang="en-US" dirty="0" smtClean="0"/>
-              <a:t>新增組織</a:t>
-            </a:r>
-            <a:endParaRPr lang="en-US" altLang="zh-TW" dirty="0" smtClean="0"/>
-          </a:p>
-          <a:p>
-            <a:r>
-              <a:rPr lang="zh-TW" altLang="en-US" dirty="0" smtClean="0"/>
-              <a:t>新增組織所屬人員</a:t>
-            </a:r>
-            <a:endParaRPr lang="en-US" altLang="zh-TW" dirty="0" smtClean="0"/>
-          </a:p>
-          <a:p>
-            <a:r>
-              <a:rPr lang="zh-TW" altLang="en-US" dirty="0" smtClean="0"/>
-              <a:t>查詢組織所屬人員</a:t>
-            </a:r>
-            <a:endParaRPr lang="en-US" altLang="zh-TW" dirty="0" smtClean="0"/>
-          </a:p>
-          <a:p>
-            <a:endParaRPr lang="en-US" altLang="zh-TW" dirty="0"/>
-          </a:p>
-        </p:txBody>
-      </p:sp>
-    </p:spTree>
-    <p:extLst>
-      <p:ext uri="{BB962C8B-B14F-4D97-AF65-F5344CB8AC3E}">
-        <p14:creationId xmlns:p14="http://schemas.microsoft.com/office/powerpoint/2010/main" val="2642599945"/>
-      </p:ext>
-    </p:extLst>
-  </p:cSld>
-  <p:clrMapOvr>
-    <a:masterClrMapping/>
-  </p:clrMapOvr>
-</p:sld>
-</file>
-
-<file path=ppt/slides/slide12.xml><?xml version="1.0" encoding="utf-8"?>
-<p:sld xmlns:a="http://schemas.openxmlformats.org/drawingml/2006/main" xmlns:r="http://schemas.openxmlformats.org/officeDocument/2006/relationships" xmlns:p="http://schemas.openxmlformats.org/presentationml/2006/main">
-  <p:cSld>
-    <p:spTree>
-      <p:nvGrpSpPr>
-        <p:cNvPr id="1" name=""/>
-        <p:cNvGrpSpPr/>
-        <p:nvPr/>
-      </p:nvGrpSpPr>
-      <p:grpSpPr>
-        <a:xfrm>
-          <a:off x="0" y="0"/>
-          <a:ext cx="0" cy="0"/>
-          <a:chOff x="0" y="0"/>
-          <a:chExt cx="0" cy="0"/>
-        </a:xfrm>
-      </p:grpSpPr>
-      <p:sp>
-        <p:nvSpPr>
-          <p:cNvPr id="2" name="標題 1"/>
-          <p:cNvSpPr>
-            <a:spLocks noGrp="1"/>
-          </p:cNvSpPr>
-          <p:nvPr>
-            <p:ph type="title"/>
-          </p:nvPr>
-        </p:nvSpPr>
-        <p:spPr/>
-        <p:txBody>
-          <a:bodyPr/>
-          <a:lstStyle/>
-          <a:p>
-            <a:r>
-              <a:rPr lang="zh-TW" altLang="en-US" dirty="0" smtClean="0"/>
-              <a:t>新增及查詢人員組織</a:t>
-            </a:r>
-            <a:r>
-              <a:rPr lang="en-US" altLang="zh-TW" dirty="0" smtClean="0"/>
-              <a:t/>
-            </a:r>
-            <a:br>
-              <a:rPr lang="en-US" altLang="zh-TW" dirty="0" smtClean="0"/>
-            </a:br>
-            <a:r>
-              <a:rPr lang="zh-TW" altLang="en-US" dirty="0" smtClean="0"/>
-              <a:t>應用情</a:t>
-            </a:r>
-            <a:r>
-              <a:rPr lang="zh-TW" altLang="en-US" dirty="0"/>
-              <a:t>境</a:t>
-            </a:r>
-          </a:p>
-        </p:txBody>
-      </p:sp>
-      <p:sp>
-        <p:nvSpPr>
-          <p:cNvPr id="3" name="內容版面配置區 2"/>
-          <p:cNvSpPr>
-            <a:spLocks noGrp="1"/>
-          </p:cNvSpPr>
-          <p:nvPr>
-            <p:ph idx="1"/>
-          </p:nvPr>
-        </p:nvSpPr>
-        <p:spPr/>
-        <p:txBody>
-          <a:bodyPr/>
-          <a:lstStyle/>
-          <a:p>
-            <a:r>
-              <a:rPr lang="en-US" altLang="zh-TW" sz="2400" dirty="0" smtClean="0"/>
-              <a:t>FHIR</a:t>
-            </a:r>
-            <a:r>
-              <a:rPr lang="zh-TW" altLang="en-US" sz="2400" dirty="0" smtClean="0"/>
-              <a:t> 表單新增與查詢，步驟說明</a:t>
-            </a:r>
-            <a:r>
-              <a:rPr lang="en-US" altLang="zh-TW" sz="2400" dirty="0" smtClean="0"/>
-              <a:t>:</a:t>
-            </a:r>
-          </a:p>
-          <a:p>
-            <a:pPr lvl="1"/>
-            <a:r>
-              <a:rPr lang="en-US" altLang="zh-TW" sz="2400" dirty="0"/>
-              <a:t>https://</a:t>
-            </a:r>
-            <a:r>
-              <a:rPr lang="en-US" altLang="zh-TW" sz="2400" dirty="0" smtClean="0"/>
-              <a:t>mos2718.github.io/JS-FHIR2020/formStep.html</a:t>
-            </a:r>
-          </a:p>
-          <a:p>
-            <a:r>
-              <a:rPr lang="zh-TW" altLang="en-US" sz="2400" dirty="0" smtClean="0"/>
-              <a:t>範例程式</a:t>
-            </a:r>
-            <a:r>
-              <a:rPr lang="en-US" altLang="zh-TW" sz="2400" dirty="0" smtClean="0"/>
-              <a:t>:</a:t>
-            </a:r>
-          </a:p>
-          <a:p>
-            <a:pPr lvl="1"/>
-            <a:r>
-              <a:rPr lang="en-US" altLang="zh-TW" sz="2000" dirty="0"/>
-              <a:t>Repository URL</a:t>
-            </a:r>
-          </a:p>
-          <a:p>
-            <a:pPr lvl="2"/>
-            <a:r>
-              <a:rPr lang="en-US" altLang="zh-TW" sz="2000" dirty="0"/>
-              <a:t>https://github.com/mos2718/JS-FHIR2020</a:t>
-            </a:r>
-          </a:p>
-          <a:p>
-            <a:pPr lvl="1"/>
-            <a:r>
-              <a:rPr lang="en-US" altLang="zh-TW" sz="2000" dirty="0" smtClean="0"/>
-              <a:t>Post </a:t>
-            </a:r>
-            <a:r>
-              <a:rPr lang="en-US" altLang="zh-TW" sz="2000" dirty="0"/>
-              <a:t>resource URL</a:t>
-            </a:r>
-          </a:p>
-          <a:p>
-            <a:pPr lvl="2"/>
-            <a:r>
-              <a:rPr lang="en-US" altLang="zh-TW" sz="2000" dirty="0"/>
-              <a:t>https://mos2718.github.io/JS-FHIR2020/postResorce.html</a:t>
-            </a:r>
-          </a:p>
-          <a:p>
-            <a:pPr lvl="1"/>
-            <a:r>
-              <a:rPr lang="en-US" altLang="zh-TW" sz="2000" dirty="0" smtClean="0"/>
-              <a:t>Patient </a:t>
-            </a:r>
-            <a:r>
-              <a:rPr lang="en-US" altLang="zh-TW" sz="2000" dirty="0"/>
-              <a:t>list URL</a:t>
-            </a:r>
-          </a:p>
-          <a:p>
-            <a:pPr lvl="2"/>
-            <a:r>
-              <a:rPr lang="en-US" altLang="zh-TW" sz="2000" dirty="0"/>
-              <a:t>https://mos2718.github.io/JS-FHIR2020/FHIRdata2Table.html</a:t>
-            </a:r>
-          </a:p>
-          <a:p>
-            <a:endParaRPr lang="zh-TW" altLang="en-US" dirty="0"/>
-          </a:p>
-        </p:txBody>
-      </p:sp>
-    </p:spTree>
-    <p:extLst>
-      <p:ext uri="{BB962C8B-B14F-4D97-AF65-F5344CB8AC3E}">
-        <p14:creationId xmlns:p14="http://schemas.microsoft.com/office/powerpoint/2010/main" val="2651796005"/>
-      </p:ext>
-    </p:extLst>
-  </p:cSld>
-  <p:clrMapOvr>
-    <a:masterClrMapping/>
-  </p:clrMapOvr>
-</p:sld>
-</file>
-
-<file path=ppt/slides/slide13.xml><?xml version="1.0" encoding="utf-8"?>
-<p:sld xmlns:a="http://schemas.openxmlformats.org/drawingml/2006/main" xmlns:r="http://schemas.openxmlformats.org/officeDocument/2006/relationships" xmlns:p="http://schemas.openxmlformats.org/presentationml/2006/main">
-  <p:cSld>
-    <p:spTree>
-      <p:nvGrpSpPr>
-        <p:cNvPr id="1" name=""/>
-        <p:cNvGrpSpPr/>
-        <p:nvPr/>
-      </p:nvGrpSpPr>
-      <p:grpSpPr>
-        <a:xfrm>
-          <a:off x="0" y="0"/>
-          <a:ext cx="0" cy="0"/>
-          <a:chOff x="0" y="0"/>
-          <a:chExt cx="0" cy="0"/>
-        </a:xfrm>
-      </p:grpSpPr>
-      <p:sp>
-        <p:nvSpPr>
-          <p:cNvPr id="2" name="標題 1"/>
-          <p:cNvSpPr>
-            <a:spLocks noGrp="1"/>
-          </p:cNvSpPr>
-          <p:nvPr>
-            <p:ph type="title"/>
-          </p:nvPr>
-        </p:nvSpPr>
-        <p:spPr>
-          <a:xfrm>
-            <a:off x="457200" y="182171"/>
-            <a:ext cx="8229600" cy="1143000"/>
-          </a:xfrm>
-        </p:spPr>
-        <p:txBody>
-          <a:bodyPr/>
-          <a:lstStyle/>
-          <a:p>
-            <a:r>
-              <a:rPr lang="zh-TW" altLang="en-US" dirty="0" smtClean="0"/>
-              <a:t>個人健康紀錄相關 </a:t>
-            </a:r>
-            <a:r>
-              <a:rPr lang="en-US" altLang="zh-TW" dirty="0" smtClean="0"/>
-              <a:t>Resources</a:t>
-            </a:r>
-            <a:endParaRPr lang="zh-TW" altLang="en-US" dirty="0"/>
-          </a:p>
-        </p:txBody>
-      </p:sp>
-      <p:sp>
-        <p:nvSpPr>
-          <p:cNvPr id="3" name="內容版面配置區 2"/>
-          <p:cNvSpPr>
-            <a:spLocks noGrp="1"/>
-          </p:cNvSpPr>
-          <p:nvPr>
-            <p:ph idx="1"/>
-          </p:nvPr>
-        </p:nvSpPr>
-        <p:spPr/>
-        <p:txBody>
-          <a:bodyPr>
-            <a:normAutofit fontScale="92500" lnSpcReduction="10000"/>
-          </a:bodyPr>
-          <a:lstStyle/>
-          <a:p>
-            <a:r>
-              <a:rPr lang="en-US" altLang="zh-TW" dirty="0" smtClean="0"/>
-              <a:t>Patient:</a:t>
-            </a:r>
-            <a:r>
-              <a:rPr lang="zh-TW" altLang="en-US" dirty="0" smtClean="0"/>
-              <a:t> 病人基本資料</a:t>
-            </a:r>
-            <a:endParaRPr lang="en-US" altLang="zh-TW" dirty="0" smtClean="0"/>
-          </a:p>
-          <a:p>
-            <a:endParaRPr lang="en-US" altLang="zh-TW" dirty="0"/>
-          </a:p>
-          <a:p>
-            <a:r>
-              <a:rPr lang="en-US" altLang="zh-TW" dirty="0" smtClean="0"/>
-              <a:t>Condition:</a:t>
-            </a:r>
-            <a:r>
-              <a:rPr lang="zh-TW" altLang="en-US" dirty="0" smtClean="0"/>
-              <a:t>身體、心理、或日常生活狀況</a:t>
-            </a:r>
-            <a:endParaRPr lang="en-US" altLang="zh-TW" dirty="0" smtClean="0"/>
-          </a:p>
-          <a:p>
-            <a:pPr lvl="1"/>
-            <a:r>
-              <a:rPr lang="en-US" altLang="zh-TW" dirty="0" smtClean="0"/>
-              <a:t> </a:t>
-            </a:r>
-            <a:r>
-              <a:rPr lang="zh-TW" altLang="en-US" dirty="0" smtClean="0"/>
-              <a:t>心臟有裝支架、工作壓力大、需安排到院交通</a:t>
-            </a:r>
-            <a:r>
-              <a:rPr lang="en-US" altLang="zh-TW" dirty="0" smtClean="0"/>
-              <a:t>…</a:t>
-            </a:r>
-          </a:p>
-          <a:p>
-            <a:endParaRPr lang="en-US" altLang="zh-TW" dirty="0"/>
-          </a:p>
-          <a:p>
-            <a:r>
-              <a:rPr lang="en-US" altLang="zh-TW" dirty="0" smtClean="0"/>
-              <a:t>Observation: </a:t>
-            </a:r>
-            <a:r>
-              <a:rPr lang="zh-TW" altLang="en-US" dirty="0" smtClean="0"/>
-              <a:t>檢查及觀察資訊</a:t>
-            </a:r>
-            <a:endParaRPr lang="en-US" altLang="zh-TW" dirty="0" smtClean="0"/>
-          </a:p>
-          <a:p>
-            <a:pPr lvl="1"/>
-            <a:r>
-              <a:rPr lang="zh-TW" altLang="en-US" dirty="0" smtClean="0"/>
-              <a:t>體重、血壓、心跳、</a:t>
-            </a:r>
-            <a:r>
-              <a:rPr lang="zh-TW" altLang="en-US" smtClean="0"/>
-              <a:t>檢驗值、影像發現等</a:t>
-            </a:r>
-            <a:endParaRPr lang="en-US" altLang="zh-TW" dirty="0" smtClean="0"/>
-          </a:p>
-          <a:p>
-            <a:pPr lvl="1"/>
-            <a:endParaRPr lang="en-US" altLang="zh-TW" dirty="0"/>
-          </a:p>
-          <a:p>
-            <a:r>
-              <a:rPr lang="en-US" altLang="zh-TW" dirty="0" smtClean="0"/>
-              <a:t>……</a:t>
-            </a:r>
-          </a:p>
-          <a:p>
-            <a:endParaRPr lang="zh-TW" altLang="en-US" dirty="0"/>
-          </a:p>
-        </p:txBody>
-      </p:sp>
-    </p:spTree>
-    <p:extLst>
-      <p:ext uri="{BB962C8B-B14F-4D97-AF65-F5344CB8AC3E}">
-        <p14:creationId xmlns:p14="http://schemas.microsoft.com/office/powerpoint/2010/main" val="402069830"/>
-      </p:ext>
-    </p:extLst>
-  </p:cSld>
-  <p:clrMapOvr>
-    <a:masterClrMapping/>
-  </p:clrMapOvr>
-  <p:timing>
-    <p:tnLst>
-      <p:par>
-        <p:cTn id="1" dur="indefinite" restart="never" nodeType="tmRoot"/>
-      </p:par>
-    </p:tnLst>
-  </p:timing>
-</p:sld>
-</file>
-
-<file path=ppt/slides/slide14.xml><?xml version="1.0" encoding="utf-8"?>
-<p:sld xmlns:a="http://schemas.openxmlformats.org/drawingml/2006/main" xmlns:r="http://schemas.openxmlformats.org/officeDocument/2006/relationships" xmlns:p="http://schemas.openxmlformats.org/presentationml/2006/main">
-  <p:cSld>
-    <p:spTree>
-      <p:nvGrpSpPr>
-        <p:cNvPr id="1" name=""/>
-        <p:cNvGrpSpPr/>
-        <p:nvPr/>
-      </p:nvGrpSpPr>
-      <p:grpSpPr>
-        <a:xfrm>
-          <a:off x="0" y="0"/>
-          <a:ext cx="0" cy="0"/>
-          <a:chOff x="0" y="0"/>
-          <a:chExt cx="0" cy="0"/>
-        </a:xfrm>
-      </p:grpSpPr>
-      <p:sp>
-        <p:nvSpPr>
-          <p:cNvPr id="2" name="標題 1">
-            <a:extLst>
-              <a:ext uri="{FF2B5EF4-FFF2-40B4-BE49-F238E27FC236}">
-                <a16:creationId xmlns:a16="http://schemas.microsoft.com/office/drawing/2014/main" id="{27991326-D1A3-42F3-944E-4C7369F636A1}"/>
-              </a:ext>
-            </a:extLst>
-          </p:cNvPr>
-          <p:cNvSpPr>
-            <a:spLocks noGrp="1"/>
-          </p:cNvSpPr>
-          <p:nvPr>
-            <p:ph type="title"/>
-          </p:nvPr>
-        </p:nvSpPr>
-        <p:spPr/>
-        <p:txBody>
-          <a:bodyPr>
-            <a:normAutofit fontScale="90000"/>
-          </a:bodyPr>
-          <a:lstStyle/>
-          <a:p>
-            <a:r>
-              <a:rPr lang="en-US" altLang="zh-TW" dirty="0" smtClean="0"/>
-              <a:t>Observation</a:t>
-            </a:r>
-            <a:r>
-              <a:rPr lang="zh-TW" altLang="en-US" dirty="0" smtClean="0"/>
-              <a:t>、</a:t>
-            </a:r>
-            <a:r>
-              <a:rPr lang="en-US" altLang="zh-TW" dirty="0" smtClean="0"/>
-              <a:t>Conduction</a:t>
-            </a:r>
-            <a:r>
-              <a:rPr lang="zh-TW" altLang="en-US" dirty="0" smtClean="0"/>
-              <a:t>、</a:t>
-            </a:r>
-            <a:r>
-              <a:rPr lang="en-US" altLang="zh-TW" dirty="0" smtClean="0"/>
-              <a:t>Patient Relation</a:t>
-            </a:r>
-            <a:endParaRPr lang="zh-TW" altLang="en-US" dirty="0"/>
-          </a:p>
-        </p:txBody>
-      </p:sp>
-      <p:sp>
-        <p:nvSpPr>
-          <p:cNvPr id="5" name="文字方塊 4">
-            <a:extLst>
-              <a:ext uri="{FF2B5EF4-FFF2-40B4-BE49-F238E27FC236}">
-                <a16:creationId xmlns:a16="http://schemas.microsoft.com/office/drawing/2014/main" id="{A8159D74-458B-4DC5-8667-50D16E47017C}"/>
-              </a:ext>
-            </a:extLst>
-          </p:cNvPr>
-          <p:cNvSpPr txBox="1"/>
-          <p:nvPr/>
-        </p:nvSpPr>
-        <p:spPr>
-          <a:xfrm>
-            <a:off x="69574" y="3198783"/>
-            <a:ext cx="1977887" cy="923330"/>
-          </a:xfrm>
-          <a:prstGeom prst="rect">
-            <a:avLst/>
-          </a:prstGeom>
-          <a:noFill/>
-        </p:spPr>
-        <p:txBody>
-          <a:bodyPr wrap="square" rtlCol="0">
-            <a:spAutoFit/>
-          </a:bodyPr>
-          <a:lstStyle/>
-          <a:p>
-            <a:pPr algn="ctr"/>
-            <a:r>
-              <a:rPr lang="en-US" altLang="zh-TW" sz="2700" dirty="0" smtClean="0"/>
-              <a:t>Observation</a:t>
-            </a:r>
-          </a:p>
-          <a:p>
-            <a:pPr algn="ctr"/>
-            <a:r>
-              <a:rPr lang="en-US" altLang="zh-TW" sz="2700" dirty="0" smtClean="0"/>
-              <a:t>Condition</a:t>
-            </a:r>
-            <a:endParaRPr lang="zh-TW" altLang="en-US" sz="2700" dirty="0"/>
-          </a:p>
-        </p:txBody>
-      </p:sp>
-      <p:sp>
-        <p:nvSpPr>
-          <p:cNvPr id="7" name="文字方塊 6">
-            <a:extLst>
-              <a:ext uri="{FF2B5EF4-FFF2-40B4-BE49-F238E27FC236}">
-                <a16:creationId xmlns:a16="http://schemas.microsoft.com/office/drawing/2014/main" id="{84B6E350-666E-47E2-BF46-5921C478A230}"/>
-              </a:ext>
-            </a:extLst>
-          </p:cNvPr>
-          <p:cNvSpPr txBox="1"/>
-          <p:nvPr/>
-        </p:nvSpPr>
-        <p:spPr>
-          <a:xfrm>
-            <a:off x="1753361" y="2883613"/>
-            <a:ext cx="5360157" cy="507831"/>
-          </a:xfrm>
-          <a:prstGeom prst="rect">
-            <a:avLst/>
-          </a:prstGeom>
-          <a:noFill/>
-        </p:spPr>
-        <p:txBody>
-          <a:bodyPr wrap="square" rtlCol="0">
-            <a:spAutoFit/>
-          </a:bodyPr>
-          <a:lstStyle/>
-          <a:p>
-            <a:pPr algn="ctr"/>
-            <a:r>
-              <a:rPr lang="en-US" altLang="zh-TW" sz="2700" dirty="0" smtClean="0"/>
-              <a:t>Subset </a:t>
-            </a:r>
-            <a:r>
-              <a:rPr lang="zh-TW" altLang="en-US" sz="2700" dirty="0" smtClean="0"/>
-              <a:t> </a:t>
-            </a:r>
-            <a:r>
-              <a:rPr lang="en-US" altLang="zh-TW" sz="2700" dirty="0" smtClean="0"/>
-              <a:t>reference to </a:t>
-            </a:r>
-            <a:endParaRPr lang="en-US" altLang="zh-TW" sz="2700" dirty="0"/>
-          </a:p>
-        </p:txBody>
-      </p:sp>
-      <p:sp>
-        <p:nvSpPr>
-          <p:cNvPr id="14" name="文字方塊 13">
-            <a:extLst>
-              <a:ext uri="{FF2B5EF4-FFF2-40B4-BE49-F238E27FC236}">
-                <a16:creationId xmlns:a16="http://schemas.microsoft.com/office/drawing/2014/main" id="{3948008A-F023-439D-A02A-9E6A49034CAC}"/>
-              </a:ext>
-            </a:extLst>
-          </p:cNvPr>
-          <p:cNvSpPr txBox="1"/>
-          <p:nvPr/>
-        </p:nvSpPr>
-        <p:spPr>
-          <a:xfrm>
-            <a:off x="3042776" y="2218974"/>
-            <a:ext cx="3269894" cy="369332"/>
-          </a:xfrm>
-          <a:prstGeom prst="rect">
-            <a:avLst/>
-          </a:prstGeom>
-          <a:noFill/>
-        </p:spPr>
-        <p:txBody>
-          <a:bodyPr wrap="square" rtlCol="0">
-            <a:spAutoFit/>
-          </a:bodyPr>
-          <a:lstStyle/>
-          <a:p>
-            <a:r>
-              <a:rPr lang="zh-TW" altLang="en-US" b="1" dirty="0" smtClean="0"/>
-              <a:t>病人資料保管組織</a:t>
-            </a:r>
-            <a:r>
-              <a:rPr lang="en-US" altLang="zh-TW" b="1" dirty="0" smtClean="0"/>
-              <a:t>(</a:t>
-            </a:r>
-            <a:r>
-              <a:rPr lang="zh-TW" altLang="en-US" b="1" dirty="0" smtClean="0"/>
-              <a:t>醫院</a:t>
-            </a:r>
-            <a:r>
-              <a:rPr lang="en-US" altLang="zh-TW" b="1" dirty="0" smtClean="0"/>
-              <a:t>)</a:t>
-            </a:r>
-            <a:endParaRPr lang="zh-TW" altLang="en-US" b="1" dirty="0"/>
-          </a:p>
-        </p:txBody>
-      </p:sp>
-      <p:sp>
-        <p:nvSpPr>
-          <p:cNvPr id="15" name="文字方塊 14">
-            <a:extLst>
-              <a:ext uri="{FF2B5EF4-FFF2-40B4-BE49-F238E27FC236}">
-                <a16:creationId xmlns:a16="http://schemas.microsoft.com/office/drawing/2014/main" id="{E67EADB5-471F-4EA3-B466-EA9EF6D142CF}"/>
-              </a:ext>
-            </a:extLst>
-          </p:cNvPr>
-          <p:cNvSpPr txBox="1"/>
-          <p:nvPr/>
-        </p:nvSpPr>
-        <p:spPr>
-          <a:xfrm>
-            <a:off x="1458245" y="4488339"/>
-            <a:ext cx="3113755" cy="646331"/>
-          </a:xfrm>
-          <a:prstGeom prst="rect">
-            <a:avLst/>
-          </a:prstGeom>
-          <a:noFill/>
-        </p:spPr>
-        <p:txBody>
-          <a:bodyPr wrap="square" rtlCol="0">
-            <a:spAutoFit/>
-          </a:bodyPr>
-          <a:lstStyle/>
-          <a:p>
-            <a:r>
-              <a:rPr lang="zh-TW" altLang="en-US" b="1" dirty="0" smtClean="0"/>
-              <a:t>先有病人</a:t>
-            </a:r>
-            <a:endParaRPr lang="en-US" altLang="zh-TW" b="1" dirty="0" smtClean="0"/>
-          </a:p>
-          <a:p>
-            <a:r>
-              <a:rPr lang="zh-TW" altLang="en-US" b="1" dirty="0" smtClean="0"/>
-              <a:t>再新增病人問題及量測資料</a:t>
-            </a:r>
-            <a:endParaRPr lang="zh-TW" altLang="en-US" b="1" dirty="0"/>
-          </a:p>
-        </p:txBody>
-      </p:sp>
-      <p:cxnSp>
-        <p:nvCxnSpPr>
-          <p:cNvPr id="17" name="直線單箭頭接點 16">
-            <a:extLst>
-              <a:ext uri="{FF2B5EF4-FFF2-40B4-BE49-F238E27FC236}">
-                <a16:creationId xmlns:a16="http://schemas.microsoft.com/office/drawing/2014/main" id="{2CA637E0-2FD1-40D2-AB10-E577A1B8F95F}"/>
-              </a:ext>
-            </a:extLst>
-          </p:cNvPr>
-          <p:cNvCxnSpPr/>
-          <p:nvPr/>
-        </p:nvCxnSpPr>
-        <p:spPr>
-          <a:xfrm flipV="1">
-            <a:off x="1918252" y="3528391"/>
-            <a:ext cx="5195266" cy="2"/>
-          </a:xfrm>
-          <a:prstGeom prst="straightConnector1">
-            <a:avLst/>
-          </a:prstGeom>
-          <a:ln>
-            <a:tailEnd type="triangle"/>
-          </a:ln>
-        </p:spPr>
-        <p:style>
-          <a:lnRef idx="1">
-            <a:schemeClr val="accent1"/>
-          </a:lnRef>
-          <a:fillRef idx="0">
-            <a:schemeClr val="accent1"/>
-          </a:fillRef>
-          <a:effectRef idx="0">
-            <a:schemeClr val="accent1"/>
-          </a:effectRef>
-          <a:fontRef idx="minor">
-            <a:schemeClr val="tx1"/>
-          </a:fontRef>
-        </p:style>
-      </p:cxnSp>
-      <p:sp>
-        <p:nvSpPr>
-          <p:cNvPr id="16" name="文字方塊 15">
-            <a:extLst>
-              <a:ext uri="{FF2B5EF4-FFF2-40B4-BE49-F238E27FC236}">
-                <a16:creationId xmlns:a16="http://schemas.microsoft.com/office/drawing/2014/main" id="{A8159D74-458B-4DC5-8667-50D16E47017C}"/>
-              </a:ext>
-            </a:extLst>
-          </p:cNvPr>
-          <p:cNvSpPr txBox="1"/>
-          <p:nvPr/>
-        </p:nvSpPr>
-        <p:spPr>
-          <a:xfrm>
-            <a:off x="6819417" y="3274475"/>
-            <a:ext cx="2229438" cy="507831"/>
-          </a:xfrm>
-          <a:prstGeom prst="rect">
-            <a:avLst/>
-          </a:prstGeom>
-          <a:noFill/>
-        </p:spPr>
-        <p:txBody>
-          <a:bodyPr wrap="square" rtlCol="0">
-            <a:spAutoFit/>
-          </a:bodyPr>
-          <a:lstStyle/>
-          <a:p>
-            <a:pPr algn="ctr"/>
-            <a:r>
-              <a:rPr lang="en-US" altLang="zh-TW" sz="2700" dirty="0" smtClean="0"/>
-              <a:t>Patient</a:t>
-            </a:r>
-            <a:endParaRPr lang="zh-TW" altLang="en-US" sz="2700" dirty="0"/>
-          </a:p>
-        </p:txBody>
-      </p:sp>
-    </p:spTree>
-    <p:extLst>
-      <p:ext uri="{BB962C8B-B14F-4D97-AF65-F5344CB8AC3E}">
-        <p14:creationId xmlns:p14="http://schemas.microsoft.com/office/powerpoint/2010/main" val="100070386"/>
-      </p:ext>
-    </p:extLst>
-  </p:cSld>
-  <p:clrMapOvr>
-    <a:masterClrMapping/>
-  </p:clrMapOvr>
-</p:sld>
-</file>
-
-<file path=ppt/slides/slide15.xml><?xml version="1.0" encoding="utf-8"?>
-<p:sld xmlns:a="http://schemas.openxmlformats.org/drawingml/2006/main" xmlns:r="http://schemas.openxmlformats.org/officeDocument/2006/relationships" xmlns:p="http://schemas.openxmlformats.org/presentationml/2006/main">
-  <p:cSld>
-    <p:spTree>
-      <p:nvGrpSpPr>
-        <p:cNvPr id="1" name=""/>
-        <p:cNvGrpSpPr/>
-        <p:nvPr/>
-      </p:nvGrpSpPr>
-      <p:grpSpPr>
-        <a:xfrm>
-          <a:off x="0" y="0"/>
-          <a:ext cx="0" cy="0"/>
-          <a:chOff x="0" y="0"/>
-          <a:chExt cx="0" cy="0"/>
-        </a:xfrm>
-      </p:grpSpPr>
-      <p:sp>
-        <p:nvSpPr>
-          <p:cNvPr id="2" name="標題 1"/>
-          <p:cNvSpPr>
-            <a:spLocks noGrp="1"/>
-          </p:cNvSpPr>
-          <p:nvPr>
-            <p:ph type="title"/>
-          </p:nvPr>
-        </p:nvSpPr>
-        <p:spPr/>
-        <p:txBody>
-          <a:bodyPr>
-            <a:normAutofit fontScale="90000"/>
-          </a:bodyPr>
-          <a:lstStyle/>
-          <a:p>
-            <a:r>
-              <a:rPr lang="en-US" altLang="zh-TW" dirty="0"/>
-              <a:t>FHIR </a:t>
-            </a:r>
-            <a:r>
-              <a:rPr lang="en-US" altLang="zh-TW" dirty="0" smtClean="0"/>
-              <a:t>resource id </a:t>
-            </a:r>
-            <a:r>
-              <a:rPr lang="en-US" altLang="zh-TW" dirty="0"/>
-              <a:t/>
-            </a:r>
-            <a:br>
-              <a:rPr lang="en-US" altLang="zh-TW" dirty="0"/>
-            </a:br>
-            <a:r>
-              <a:rPr lang="zh-TW" altLang="en-US" dirty="0" smtClean="0"/>
-              <a:t> </a:t>
-            </a:r>
-            <a:endParaRPr lang="zh-TW" altLang="en-US" dirty="0"/>
-          </a:p>
-        </p:txBody>
-      </p:sp>
-      <p:sp>
-        <p:nvSpPr>
-          <p:cNvPr id="3" name="內容版面配置區 2"/>
-          <p:cNvSpPr>
-            <a:spLocks noGrp="1"/>
-          </p:cNvSpPr>
-          <p:nvPr>
-            <p:ph idx="1"/>
-          </p:nvPr>
-        </p:nvSpPr>
-        <p:spPr>
-          <a:xfrm>
-            <a:off x="457200" y="1417638"/>
-            <a:ext cx="8229600" cy="4708525"/>
-          </a:xfrm>
-        </p:spPr>
-        <p:txBody>
-          <a:bodyPr>
-            <a:normAutofit/>
-          </a:bodyPr>
-          <a:lstStyle/>
-          <a:p>
-            <a:r>
-              <a:rPr lang="en-US" altLang="zh-TW" dirty="0" smtClean="0"/>
-              <a:t>Resource id: </a:t>
-            </a:r>
-          </a:p>
-          <a:p>
-            <a:pPr lvl="1"/>
-            <a:r>
-              <a:rPr lang="zh-TW" altLang="en-US" dirty="0" smtClean="0"/>
-              <a:t>資料上傳後 </a:t>
-            </a:r>
-            <a:r>
-              <a:rPr lang="en-US" altLang="zh-TW" dirty="0" smtClean="0">
-                <a:solidFill>
-                  <a:srgbClr val="FF0000"/>
-                </a:solidFill>
-              </a:rPr>
-              <a:t>FHIR server </a:t>
-            </a:r>
-            <a:r>
-              <a:rPr lang="zh-TW" altLang="en-US" dirty="0" smtClean="0">
-                <a:solidFill>
-                  <a:srgbClr val="FF0000"/>
-                </a:solidFill>
-              </a:rPr>
-              <a:t>統一產生</a:t>
-            </a:r>
-            <a:endParaRPr lang="en-US" altLang="zh-TW" dirty="0" smtClean="0">
-              <a:solidFill>
-                <a:srgbClr val="FF0000"/>
-              </a:solidFill>
-            </a:endParaRPr>
-          </a:p>
-          <a:p>
-            <a:pPr lvl="1"/>
-            <a:endParaRPr lang="en-US" altLang="zh-TW" dirty="0" smtClean="0"/>
-          </a:p>
-          <a:p>
-            <a:pPr lvl="1"/>
-            <a:r>
-              <a:rPr lang="zh-TW" altLang="en-US" dirty="0" smtClean="0"/>
-              <a:t>代表此筆資料</a:t>
-            </a:r>
-            <a:r>
-              <a:rPr lang="en-US" altLang="zh-TW" dirty="0" smtClean="0"/>
-              <a:t>(</a:t>
-            </a:r>
-            <a:r>
-              <a:rPr lang="zh-TW" altLang="en-US" dirty="0" smtClean="0"/>
-              <a:t>類似主健</a:t>
-            </a:r>
-            <a:r>
-              <a:rPr lang="en-US" altLang="zh-TW" dirty="0" smtClean="0"/>
-              <a:t>)</a:t>
-            </a:r>
-          </a:p>
-          <a:p>
-            <a:pPr lvl="1"/>
-            <a:endParaRPr lang="en-US" altLang="zh-TW" dirty="0" smtClean="0"/>
-          </a:p>
-          <a:p>
-            <a:pPr lvl="1"/>
-            <a:r>
-              <a:rPr lang="zh-TW" altLang="en-US" dirty="0" smtClean="0"/>
-              <a:t>利於其他資料參考</a:t>
-            </a:r>
-            <a:r>
-              <a:rPr lang="en-US" altLang="zh-TW" dirty="0" smtClean="0"/>
-              <a:t>(</a:t>
-            </a:r>
-            <a:r>
-              <a:rPr lang="zh-TW" altLang="en-US" dirty="0" smtClean="0"/>
-              <a:t>類似 </a:t>
-            </a:r>
-            <a:r>
-              <a:rPr lang="en-US" altLang="zh-TW" dirty="0" smtClean="0"/>
-              <a:t>foreign key)</a:t>
-            </a:r>
-            <a:r>
-              <a:rPr lang="zh-TW" altLang="en-US" dirty="0" smtClean="0"/>
-              <a:t>，例如</a:t>
-            </a:r>
-            <a:r>
-              <a:rPr lang="en-US" altLang="zh-TW" dirty="0" smtClean="0"/>
-              <a:t>:</a:t>
-            </a:r>
-          </a:p>
-          <a:p>
-            <a:pPr lvl="2"/>
-            <a:r>
-              <a:rPr lang="zh-TW" altLang="en-US" dirty="0" smtClean="0"/>
-              <a:t> </a:t>
-            </a:r>
-            <a:r>
-              <a:rPr lang="en-US" altLang="zh-TW" dirty="0" err="1" smtClean="0"/>
-              <a:t>patient.manageOrganization</a:t>
-            </a:r>
-            <a:r>
-              <a:rPr lang="en-US" altLang="zh-TW" dirty="0" smtClean="0"/>
-              <a:t> to Organization</a:t>
-            </a:r>
-          </a:p>
-          <a:p>
-            <a:pPr lvl="2"/>
-            <a:r>
-              <a:rPr lang="en-US" altLang="zh-TW" dirty="0" err="1" smtClean="0"/>
-              <a:t>Condiction.subject</a:t>
-            </a:r>
-            <a:r>
-              <a:rPr lang="en-US" altLang="zh-TW" dirty="0" smtClean="0"/>
-              <a:t> reference to Patient</a:t>
-            </a:r>
-            <a:endParaRPr lang="en-US" altLang="zh-TW" dirty="0"/>
-          </a:p>
-        </p:txBody>
-      </p:sp>
-    </p:spTree>
-    <p:extLst>
-      <p:ext uri="{BB962C8B-B14F-4D97-AF65-F5344CB8AC3E}">
-        <p14:creationId xmlns:p14="http://schemas.microsoft.com/office/powerpoint/2010/main" val="732151102"/>
-      </p:ext>
-    </p:extLst>
-  </p:cSld>
-  <p:clrMapOvr>
-    <a:masterClrMapping/>
-  </p:clrMapOvr>
-  <p:timing>
-    <p:tnLst>
-      <p:par>
-        <p:cTn id="1" dur="indefinite" restart="never" nodeType="tmRoot"/>
-      </p:par>
-    </p:tnLst>
-  </p:timing>
-</p:sld>
-</file>
-
-<file path=ppt/slides/slide16.xml><?xml version="1.0" encoding="utf-8"?>
-<p:sld xmlns:a="http://schemas.openxmlformats.org/drawingml/2006/main" xmlns:r="http://schemas.openxmlformats.org/officeDocument/2006/relationships" xmlns:p="http://schemas.openxmlformats.org/presentationml/2006/main">
-  <p:cSld>
-    <p:spTree>
-      <p:nvGrpSpPr>
-        <p:cNvPr id="1" name=""/>
-        <p:cNvGrpSpPr/>
-        <p:nvPr/>
-      </p:nvGrpSpPr>
-      <p:grpSpPr>
-        <a:xfrm>
-          <a:off x="0" y="0"/>
-          <a:ext cx="0" cy="0"/>
-          <a:chOff x="0" y="0"/>
-          <a:chExt cx="0" cy="0"/>
-        </a:xfrm>
-      </p:grpSpPr>
-      <p:sp>
-        <p:nvSpPr>
-          <p:cNvPr id="2" name="標題 1"/>
-          <p:cNvSpPr>
-            <a:spLocks noGrp="1"/>
-          </p:cNvSpPr>
-          <p:nvPr>
-            <p:ph type="title"/>
-          </p:nvPr>
-        </p:nvSpPr>
-        <p:spPr/>
-        <p:txBody>
-          <a:bodyPr>
-            <a:normAutofit/>
-          </a:bodyPr>
-          <a:lstStyle/>
-          <a:p>
-            <a:r>
-              <a:rPr lang="zh-TW" altLang="en-US" dirty="0" smtClean="0"/>
-              <a:t>查詢 </a:t>
-            </a:r>
-            <a:r>
-              <a:rPr lang="en-US" altLang="zh-TW" dirty="0" smtClean="0"/>
-              <a:t>FHIR</a:t>
-            </a:r>
-            <a:r>
-              <a:rPr lang="zh-TW" altLang="en-US" dirty="0" smtClean="0"/>
-              <a:t> </a:t>
-            </a:r>
-            <a:r>
-              <a:rPr lang="en-US" altLang="zh-TW" dirty="0" smtClean="0"/>
-              <a:t>resources </a:t>
-            </a:r>
-            <a:r>
-              <a:rPr lang="zh-TW" altLang="en-US" dirty="0" smtClean="0"/>
-              <a:t>方式</a:t>
-            </a:r>
-            <a:endParaRPr lang="zh-TW" altLang="en-US" dirty="0"/>
-          </a:p>
-        </p:txBody>
-      </p:sp>
-      <p:sp>
-        <p:nvSpPr>
-          <p:cNvPr id="3" name="內容版面配置區 2"/>
-          <p:cNvSpPr>
-            <a:spLocks noGrp="1"/>
-          </p:cNvSpPr>
-          <p:nvPr>
-            <p:ph idx="1"/>
-          </p:nvPr>
-        </p:nvSpPr>
-        <p:spPr/>
-        <p:txBody>
-          <a:bodyPr>
-            <a:normAutofit/>
-          </a:bodyPr>
-          <a:lstStyle/>
-          <a:p>
-            <a:r>
-              <a:rPr lang="zh-TW" altLang="en-US" dirty="0" smtClean="0"/>
-              <a:t>如何</a:t>
-            </a:r>
-            <a:r>
-              <a:rPr lang="zh-TW" altLang="en-US" dirty="0" smtClean="0"/>
-              <a:t>設定查詢參數</a:t>
-            </a:r>
-            <a:endParaRPr lang="en-US" altLang="zh-TW" dirty="0" smtClean="0"/>
-          </a:p>
-          <a:p>
-            <a:pPr lvl="1"/>
-            <a:r>
-              <a:rPr lang="zh-TW" altLang="en-US" dirty="0"/>
-              <a:t>參考 </a:t>
-            </a:r>
-            <a:r>
-              <a:rPr lang="en-US" altLang="zh-TW" dirty="0"/>
-              <a:t>resources Search Parameters </a:t>
-            </a:r>
-            <a:r>
-              <a:rPr lang="zh-TW" altLang="en-US" dirty="0"/>
-              <a:t>說明</a:t>
-            </a:r>
-            <a:endParaRPr lang="en-US" altLang="zh-TW" dirty="0"/>
-          </a:p>
-          <a:p>
-            <a:pPr lvl="1"/>
-            <a:r>
-              <a:rPr lang="zh-TW" altLang="en-US" dirty="0" smtClean="0"/>
-              <a:t>參考 </a:t>
-            </a:r>
-            <a:r>
-              <a:rPr lang="en-US" altLang="zh-TW" dirty="0" smtClean="0"/>
-              <a:t>FHIR</a:t>
-            </a:r>
-            <a:r>
-              <a:rPr lang="zh-TW" altLang="en-US" dirty="0" smtClean="0"/>
-              <a:t> </a:t>
-            </a:r>
-            <a:r>
-              <a:rPr lang="en-US" altLang="zh-TW" dirty="0" smtClean="0"/>
-              <a:t>search </a:t>
-            </a:r>
-            <a:r>
-              <a:rPr lang="zh-TW" altLang="en-US" dirty="0" smtClean="0"/>
-              <a:t>說明</a:t>
-            </a:r>
-            <a:endParaRPr lang="en-US" altLang="zh-TW" dirty="0" smtClean="0"/>
-          </a:p>
-          <a:p>
-            <a:pPr lvl="2"/>
-            <a:r>
-              <a:rPr lang="en-US" altLang="zh-TW" dirty="0" smtClean="0">
-                <a:hlinkClick r:id="rId2"/>
-              </a:rPr>
-              <a:t>https</a:t>
-            </a:r>
-            <a:r>
-              <a:rPr lang="en-US" altLang="zh-TW" dirty="0">
-                <a:hlinkClick r:id="rId2"/>
-              </a:rPr>
-              <a:t>://</a:t>
-            </a:r>
-            <a:r>
-              <a:rPr lang="en-US" altLang="zh-TW" dirty="0" smtClean="0">
-                <a:hlinkClick r:id="rId2"/>
-              </a:rPr>
-              <a:t>www.hl7.org/fhir/search.html</a:t>
-            </a:r>
-            <a:endParaRPr lang="en-US" altLang="zh-TW" dirty="0" smtClean="0"/>
-          </a:p>
-          <a:p>
-            <a:pPr lvl="1"/>
-            <a:r>
-              <a:rPr lang="zh-TW" altLang="en-US" dirty="0" smtClean="0"/>
-              <a:t>參數有誤時，測試網站會回應查詢</a:t>
-            </a:r>
-            <a:r>
-              <a:rPr lang="zh-TW" altLang="en-US" dirty="0" smtClean="0"/>
-              <a:t>參數</a:t>
-            </a:r>
-            <a:endParaRPr lang="en-US" altLang="zh-TW" dirty="0" smtClean="0"/>
-          </a:p>
-          <a:p>
-            <a:r>
-              <a:rPr lang="zh-TW" altLang="en-US" dirty="0" smtClean="0"/>
-              <a:t>範例，查詢組織所屬病人</a:t>
-            </a:r>
-            <a:endParaRPr lang="en-US" altLang="zh-TW" dirty="0" smtClean="0"/>
-          </a:p>
-          <a:p>
-            <a:pPr lvl="1"/>
-            <a:r>
-              <a:rPr lang="en-US" altLang="zh-TW" dirty="0" err="1" smtClean="0">
-                <a:solidFill>
-                  <a:srgbClr val="FF0000"/>
-                </a:solidFill>
-              </a:rPr>
-              <a:t>serviceRoot</a:t>
-            </a:r>
-            <a:r>
-              <a:rPr lang="en-US" altLang="zh-TW" dirty="0" smtClean="0"/>
-              <a:t>/</a:t>
-            </a:r>
-            <a:r>
-              <a:rPr lang="en-US" altLang="zh-TW" dirty="0" err="1" smtClean="0">
-                <a:solidFill>
-                  <a:srgbClr val="00B050"/>
-                </a:solidFill>
-              </a:rPr>
-              <a:t>Patient</a:t>
-            </a:r>
-            <a:r>
-              <a:rPr lang="en-US" altLang="zh-TW" dirty="0" err="1" smtClean="0"/>
-              <a:t>?</a:t>
-            </a:r>
-            <a:r>
-              <a:rPr lang="en-US" altLang="zh-TW" dirty="0" err="1" smtClean="0">
-                <a:solidFill>
-                  <a:srgbClr val="002060"/>
-                </a:solidFill>
-              </a:rPr>
-              <a:t>organization</a:t>
-            </a:r>
-            <a:r>
-              <a:rPr lang="en-US" altLang="zh-TW" dirty="0" smtClean="0"/>
-              <a:t>=***</a:t>
-            </a:r>
-          </a:p>
-          <a:p>
-            <a:endParaRPr lang="en-US" altLang="zh-TW" dirty="0" smtClean="0"/>
-          </a:p>
-          <a:p>
-            <a:endParaRPr lang="en-US" altLang="zh-TW" dirty="0"/>
-          </a:p>
-          <a:p>
-            <a:endParaRPr lang="en-US" altLang="zh-TW" dirty="0" smtClean="0"/>
-          </a:p>
-          <a:p>
-            <a:endParaRPr lang="en-US" altLang="zh-TW" dirty="0" smtClean="0"/>
-          </a:p>
-        </p:txBody>
-      </p:sp>
-    </p:spTree>
-    <p:extLst>
-      <p:ext uri="{BB962C8B-B14F-4D97-AF65-F5344CB8AC3E}">
-        <p14:creationId xmlns:p14="http://schemas.microsoft.com/office/powerpoint/2010/main" val="162998139"/>
-      </p:ext>
-    </p:extLst>
-  </p:cSld>
-  <p:clrMapOvr>
-    <a:masterClrMapping/>
-  </p:clrMapOvr>
-  <p:timing>
-    <p:tnLst>
-      <p:par>
-        <p:cTn id="1" dur="indefinite" restart="never" nodeType="tmRoot"/>
-      </p:par>
-    </p:tnLst>
-  </p:timing>
-</p:sld>
-</file>
-
-<file path=ppt/slides/slide2.xml><?xml version="1.0" encoding="utf-8"?>
-<p:sld xmlns:a="http://schemas.openxmlformats.org/drawingml/2006/main" xmlns:r="http://schemas.openxmlformats.org/officeDocument/2006/relationships" xmlns:p="http://schemas.openxmlformats.org/presentationml/2006/main">
-  <p:cSld>
-    <p:spTree>
-      <p:nvGrpSpPr>
-        <p:cNvPr id="1" name=""/>
-        <p:cNvGrpSpPr/>
-        <p:nvPr/>
-      </p:nvGrpSpPr>
-      <p:grpSpPr>
-        <a:xfrm>
-          <a:off x="0" y="0"/>
-          <a:ext cx="0" cy="0"/>
-          <a:chOff x="0" y="0"/>
-          <a:chExt cx="0" cy="0"/>
-        </a:xfrm>
-      </p:grpSpPr>
-      <p:sp>
-        <p:nvSpPr>
-          <p:cNvPr id="4" name="矩形 3"/>
-          <p:cNvSpPr/>
-          <p:nvPr/>
-        </p:nvSpPr>
-        <p:spPr>
-          <a:xfrm>
-            <a:off x="700876" y="1341411"/>
-            <a:ext cx="8192513" cy="5493812"/>
-          </a:xfrm>
-          <a:prstGeom prst="rect">
-            <a:avLst/>
-          </a:prstGeom>
-        </p:spPr>
-        <p:txBody>
-          <a:bodyPr wrap="square">
-            <a:spAutoFit/>
-          </a:bodyPr>
-          <a:lstStyle/>
-          <a:p>
-            <a:pPr marL="214313" indent="-214313">
-              <a:buFont typeface="Wingdings" panose="05000000000000000000" pitchFamily="2" charset="2"/>
-              <a:buChar char="Ø"/>
-            </a:pPr>
-            <a:r>
-              <a:rPr lang="zh-TW" altLang="en-US" sz="2100" dirty="0">
-                <a:latin typeface="verdana" panose="020B0604030504040204" pitchFamily="34" charset="0"/>
-              </a:rPr>
-              <a:t> </a:t>
-            </a:r>
-            <a:r>
-              <a:rPr lang="en-US" altLang="zh-TW" sz="2700" dirty="0">
-                <a:solidFill>
-                  <a:srgbClr val="FF0000"/>
-                </a:solidFill>
-                <a:latin typeface="verdana" panose="020B0604030504040204" pitchFamily="34" charset="0"/>
-              </a:rPr>
-              <a:t>F</a:t>
-            </a:r>
-            <a:r>
-              <a:rPr lang="en-US" altLang="zh-TW" sz="2700" dirty="0">
-                <a:solidFill>
-                  <a:srgbClr val="333333"/>
-                </a:solidFill>
-                <a:latin typeface="verdana" panose="020B0604030504040204" pitchFamily="34" charset="0"/>
-              </a:rPr>
-              <a:t>ast </a:t>
-            </a:r>
-            <a:r>
-              <a:rPr lang="en-US" altLang="zh-TW" sz="2700" dirty="0">
-                <a:solidFill>
-                  <a:srgbClr val="FF0000"/>
-                </a:solidFill>
-                <a:latin typeface="verdana" panose="020B0604030504040204" pitchFamily="34" charset="0"/>
-              </a:rPr>
-              <a:t>H</a:t>
-            </a:r>
-            <a:r>
-              <a:rPr lang="en-US" altLang="zh-TW" sz="2700" dirty="0">
-                <a:solidFill>
-                  <a:srgbClr val="333333"/>
-                </a:solidFill>
-                <a:latin typeface="verdana" panose="020B0604030504040204" pitchFamily="34" charset="0"/>
-              </a:rPr>
-              <a:t>ealthcare </a:t>
-            </a:r>
-            <a:r>
-              <a:rPr lang="en-US" altLang="zh-TW" sz="2700" dirty="0">
-                <a:solidFill>
-                  <a:srgbClr val="FF0000"/>
-                </a:solidFill>
-                <a:latin typeface="verdana" panose="020B0604030504040204" pitchFamily="34" charset="0"/>
-              </a:rPr>
-              <a:t>I</a:t>
-            </a:r>
-            <a:r>
-              <a:rPr lang="en-US" altLang="zh-TW" sz="2700" dirty="0">
-                <a:solidFill>
-                  <a:srgbClr val="333333"/>
-                </a:solidFill>
-                <a:latin typeface="verdana" panose="020B0604030504040204" pitchFamily="34" charset="0"/>
-              </a:rPr>
-              <a:t>nteroperability </a:t>
-            </a:r>
-            <a:r>
-              <a:rPr lang="en-US" altLang="zh-TW" sz="2700" dirty="0">
-                <a:solidFill>
-                  <a:srgbClr val="FF0000"/>
-                </a:solidFill>
-                <a:latin typeface="verdana" panose="020B0604030504040204" pitchFamily="34" charset="0"/>
-              </a:rPr>
-              <a:t>R</a:t>
-            </a:r>
-            <a:r>
-              <a:rPr lang="en-US" altLang="zh-TW" sz="2700" dirty="0">
-                <a:solidFill>
-                  <a:srgbClr val="333333"/>
-                </a:solidFill>
-                <a:latin typeface="verdana" panose="020B0604030504040204" pitchFamily="34" charset="0"/>
-              </a:rPr>
-              <a:t>esources</a:t>
-            </a:r>
-            <a:endParaRPr lang="en-US" altLang="zh-TW" sz="2700" dirty="0"/>
-          </a:p>
-          <a:p>
-            <a:endParaRPr lang="en-US" altLang="zh-TW" sz="2700" dirty="0"/>
-          </a:p>
-          <a:p>
-            <a:pPr marL="214313" indent="-214313">
-              <a:buFont typeface="Wingdings" panose="05000000000000000000" pitchFamily="2" charset="2"/>
-              <a:buChar char="Ø"/>
-            </a:pPr>
-            <a:r>
-              <a:rPr lang="en-US" altLang="zh-TW" sz="2700" dirty="0" err="1">
-                <a:latin typeface="+mn-ea"/>
-              </a:rPr>
-              <a:t>HL7</a:t>
-            </a:r>
-            <a:r>
-              <a:rPr lang="zh-TW" altLang="en-US" sz="2700" dirty="0">
-                <a:latin typeface="+mn-ea"/>
-              </a:rPr>
-              <a:t> 定義新一代的標準協定</a:t>
-            </a:r>
-            <a:endParaRPr lang="en-US" altLang="zh-TW" sz="2700" dirty="0">
-              <a:latin typeface="+mn-ea"/>
-            </a:endParaRPr>
-          </a:p>
-          <a:p>
-            <a:pPr marL="214313" indent="-214313">
-              <a:buFont typeface="Wingdings" panose="05000000000000000000" pitchFamily="2" charset="2"/>
-              <a:buChar char="Ø"/>
-            </a:pPr>
-            <a:endParaRPr lang="en-US" altLang="zh-TW" sz="2700" dirty="0">
-              <a:latin typeface="+mn-ea"/>
-            </a:endParaRPr>
-          </a:p>
-          <a:p>
-            <a:pPr marL="214313" indent="-214313">
-              <a:buFont typeface="Wingdings" panose="05000000000000000000" pitchFamily="2" charset="2"/>
-              <a:buChar char="Ø"/>
-            </a:pPr>
-            <a:r>
-              <a:rPr lang="zh-TW" altLang="en-US" sz="2700" b="1" dirty="0">
-                <a:solidFill>
-                  <a:srgbClr val="FF0000"/>
-                </a:solidFill>
-                <a:latin typeface="+mn-ea"/>
-              </a:rPr>
-              <a:t>使用 </a:t>
-            </a:r>
-            <a:r>
-              <a:rPr lang="en-US" altLang="zh-TW" sz="2700" b="1" dirty="0">
-                <a:solidFill>
-                  <a:srgbClr val="FF0000"/>
-                </a:solidFill>
-                <a:latin typeface="+mn-ea"/>
-              </a:rPr>
-              <a:t>HTTP</a:t>
-            </a:r>
-            <a:r>
-              <a:rPr lang="zh-TW" altLang="en-US" sz="2700" b="1" dirty="0">
-                <a:solidFill>
-                  <a:srgbClr val="FF0000"/>
-                </a:solidFill>
-                <a:latin typeface="+mn-ea"/>
-              </a:rPr>
-              <a:t> 傳輸 </a:t>
-            </a:r>
-            <a:r>
-              <a:rPr lang="en-US" altLang="zh-TW" sz="2700" b="1" dirty="0" err="1">
-                <a:solidFill>
-                  <a:srgbClr val="FF0000"/>
-                </a:solidFill>
-                <a:latin typeface="+mn-ea"/>
-              </a:rPr>
-              <a:t>JSON</a:t>
-            </a:r>
-            <a:r>
-              <a:rPr lang="en-US" altLang="zh-TW" sz="2700" b="1" dirty="0">
-                <a:solidFill>
-                  <a:srgbClr val="FF0000"/>
-                </a:solidFill>
-                <a:latin typeface="+mn-ea"/>
-              </a:rPr>
-              <a:t> or XML </a:t>
-            </a:r>
-            <a:r>
-              <a:rPr lang="zh-TW" altLang="en-US" sz="2700" b="1" dirty="0">
-                <a:solidFill>
-                  <a:srgbClr val="FF0000"/>
-                </a:solidFill>
-                <a:latin typeface="+mn-ea"/>
-              </a:rPr>
-              <a:t>資料</a:t>
-            </a:r>
-            <a:endParaRPr lang="en-US" altLang="zh-TW" sz="2700" b="1" dirty="0">
-              <a:solidFill>
-                <a:srgbClr val="FF0000"/>
-              </a:solidFill>
-              <a:latin typeface="+mn-ea"/>
-            </a:endParaRPr>
-          </a:p>
-          <a:p>
-            <a:pPr marL="214313" indent="-214313">
-              <a:buFont typeface="Wingdings" panose="05000000000000000000" pitchFamily="2" charset="2"/>
-              <a:buChar char="Ø"/>
-            </a:pPr>
-            <a:endParaRPr lang="en-US" altLang="zh-TW" sz="2700" dirty="0">
-              <a:latin typeface="+mn-ea"/>
-            </a:endParaRPr>
-          </a:p>
-          <a:p>
-            <a:pPr marL="214313" indent="-214313">
-              <a:buFont typeface="Wingdings" panose="05000000000000000000" pitchFamily="2" charset="2"/>
-              <a:buChar char="Ø"/>
-            </a:pPr>
-            <a:r>
-              <a:rPr lang="zh-TW" altLang="en-US" sz="2700" dirty="0">
-                <a:latin typeface="+mn-ea"/>
-              </a:rPr>
-              <a:t>使用</a:t>
-            </a:r>
-            <a:r>
-              <a:rPr lang="en-US" altLang="zh-TW" sz="2700" dirty="0">
-                <a:solidFill>
-                  <a:srgbClr val="333333"/>
-                </a:solidFill>
-                <a:latin typeface="verdana" panose="020B0604030504040204" pitchFamily="34" charset="0"/>
-                <a:hlinkClick r:id="" action="ppaction://noaction"/>
-              </a:rPr>
-              <a:t>REST</a:t>
-            </a:r>
-            <a:r>
-              <a:rPr lang="zh-TW" altLang="en-US" sz="2700" dirty="0" smtClean="0">
-                <a:latin typeface="+mn-ea"/>
-              </a:rPr>
-              <a:t>風格</a:t>
-            </a:r>
-            <a:endParaRPr lang="en-US" altLang="zh-TW" sz="2700" dirty="0" smtClean="0">
-              <a:latin typeface="+mn-ea"/>
-            </a:endParaRPr>
-          </a:p>
-          <a:p>
-            <a:pPr marL="214313" indent="-214313">
-              <a:buFont typeface="Wingdings" panose="05000000000000000000" pitchFamily="2" charset="2"/>
-              <a:buChar char="Ø"/>
-            </a:pPr>
-            <a:endParaRPr lang="en-US" altLang="zh-TW" sz="2700" dirty="0">
-              <a:latin typeface="+mn-ea"/>
-            </a:endParaRPr>
-          </a:p>
-          <a:p>
-            <a:pPr marL="214313" indent="-214313">
-              <a:buFont typeface="Wingdings" panose="05000000000000000000" pitchFamily="2" charset="2"/>
-              <a:buChar char="Ø"/>
-            </a:pPr>
-            <a:r>
-              <a:rPr lang="zh-TW" altLang="en-US" sz="2700" dirty="0" smtClean="0">
-                <a:latin typeface="+mn-ea"/>
-              </a:rPr>
-              <a:t>定義一百多類資料規格</a:t>
-            </a:r>
-            <a:r>
-              <a:rPr lang="en-US" altLang="zh-TW" sz="2700" dirty="0" smtClean="0">
-                <a:latin typeface="+mn-ea"/>
-              </a:rPr>
-              <a:t>(resources)</a:t>
-            </a:r>
-          </a:p>
-          <a:p>
-            <a:pPr marL="671513" lvl="1" indent="-214313">
-              <a:buFont typeface="Wingdings" panose="05000000000000000000" pitchFamily="2" charset="2"/>
-              <a:buChar char="Ø"/>
-            </a:pPr>
-            <a:r>
-              <a:rPr lang="zh-TW" altLang="en-US" sz="2700" dirty="0" smtClean="0">
-                <a:latin typeface="+mn-ea"/>
-              </a:rPr>
-              <a:t>各式健康醫療系統之資訊互通規格</a:t>
-            </a:r>
-            <a:endParaRPr lang="en-US" altLang="zh-TW" sz="2700" dirty="0" smtClean="0">
-              <a:latin typeface="+mn-ea"/>
-            </a:endParaRPr>
-          </a:p>
-          <a:p>
-            <a:pPr marL="1128713" lvl="2" indent="-214313">
-              <a:buFont typeface="Wingdings" panose="05000000000000000000" pitchFamily="2" charset="2"/>
-              <a:buChar char="Ø"/>
-            </a:pPr>
-            <a:r>
-              <a:rPr lang="zh-TW" altLang="en-US" sz="2700" dirty="0" smtClean="0">
-                <a:latin typeface="+mn-ea"/>
-              </a:rPr>
-              <a:t>穿戴式生理監測</a:t>
-            </a:r>
-            <a:r>
-              <a:rPr lang="en-US" altLang="zh-TW" sz="2700" dirty="0" smtClean="0">
-                <a:latin typeface="+mn-ea"/>
-              </a:rPr>
-              <a:t>(</a:t>
-            </a:r>
-            <a:r>
-              <a:rPr lang="en-US" altLang="zh-TW" sz="2700" dirty="0" err="1" smtClean="0">
-                <a:latin typeface="+mn-ea"/>
-              </a:rPr>
-              <a:t>IoT</a:t>
-            </a:r>
-            <a:r>
-              <a:rPr lang="en-US" altLang="zh-TW" sz="2700" dirty="0" smtClean="0">
-                <a:latin typeface="+mn-ea"/>
-              </a:rPr>
-              <a:t>)</a:t>
-            </a:r>
-            <a:r>
-              <a:rPr lang="zh-TW" altLang="en-US" sz="2700" dirty="0" smtClean="0">
-                <a:latin typeface="+mn-ea"/>
-              </a:rPr>
-              <a:t>、智慧醫療、基因序列精準醫療</a:t>
-            </a:r>
-            <a:endParaRPr lang="en-US" altLang="zh-TW" sz="2700" dirty="0" smtClean="0">
-              <a:latin typeface="+mn-ea"/>
-            </a:endParaRPr>
-          </a:p>
-          <a:p>
-            <a:pPr marL="214313" indent="-214313">
-              <a:buFont typeface="Wingdings" panose="05000000000000000000" pitchFamily="2" charset="2"/>
-              <a:buChar char="Ø"/>
-            </a:pPr>
-            <a:endParaRPr lang="zh-TW" altLang="en-US" sz="2700" dirty="0">
-              <a:latin typeface="+mn-ea"/>
-            </a:endParaRPr>
-          </a:p>
-        </p:txBody>
-      </p:sp>
-      <p:sp>
-        <p:nvSpPr>
-          <p:cNvPr id="3" name="文字方塊 2"/>
-          <p:cNvSpPr txBox="1"/>
-          <p:nvPr/>
-        </p:nvSpPr>
-        <p:spPr>
-          <a:xfrm>
-            <a:off x="2186820" y="0"/>
-            <a:ext cx="4432945" cy="1200329"/>
-          </a:xfrm>
-          <a:prstGeom prst="rect">
-            <a:avLst/>
-          </a:prstGeom>
-          <a:noFill/>
-        </p:spPr>
-        <p:txBody>
-          <a:bodyPr wrap="square" rtlCol="0">
-            <a:spAutoFit/>
-          </a:bodyPr>
-          <a:lstStyle/>
-          <a:p>
-            <a:r>
-              <a:rPr lang="en-US" altLang="zh-TW" sz="7200" b="1" dirty="0">
-                <a:ln w="9525">
-                  <a:solidFill>
-                    <a:schemeClr val="bg1"/>
-                  </a:solidFill>
-                  <a:prstDash val="solid"/>
-                </a:ln>
-                <a:effectLst>
-                  <a:outerShdw blurRad="12700" dist="38100" dir="2700000" algn="tl" rotWithShape="0">
-                    <a:schemeClr val="bg1">
-                      <a:lumMod val="50000"/>
-                    </a:schemeClr>
-                  </a:outerShdw>
-                </a:effectLst>
-                <a:latin typeface="Cambria Math" panose="02040503050406030204" pitchFamily="18" charset="0"/>
-                <a:ea typeface="Cambria Math" panose="02040503050406030204" pitchFamily="18" charset="0"/>
-              </a:rPr>
-              <a:t>F</a:t>
-            </a:r>
-            <a:r>
-              <a:rPr lang="zh-TW" altLang="en-US" sz="7200" b="1" dirty="0">
-                <a:ln w="9525">
-                  <a:solidFill>
-                    <a:schemeClr val="bg1"/>
-                  </a:solidFill>
-                  <a:prstDash val="solid"/>
-                </a:ln>
-                <a:effectLst>
-                  <a:outerShdw blurRad="12700" dist="38100" dir="2700000" algn="tl" rotWithShape="0">
-                    <a:schemeClr val="bg1">
-                      <a:lumMod val="50000"/>
-                    </a:schemeClr>
-                  </a:outerShdw>
-                </a:effectLst>
-                <a:latin typeface="Cambria Math" panose="02040503050406030204" pitchFamily="18" charset="0"/>
-                <a:ea typeface="Cambria Math" panose="02040503050406030204" pitchFamily="18" charset="0"/>
-              </a:rPr>
-              <a:t> </a:t>
-            </a:r>
-            <a:r>
-              <a:rPr lang="en-US" altLang="zh-TW" sz="7200" b="1" dirty="0">
-                <a:ln w="9525">
-                  <a:solidFill>
-                    <a:schemeClr val="bg1"/>
-                  </a:solidFill>
-                  <a:prstDash val="solid"/>
-                </a:ln>
-                <a:effectLst>
-                  <a:outerShdw blurRad="12700" dist="38100" dir="2700000" algn="tl" rotWithShape="0">
-                    <a:schemeClr val="bg1">
-                      <a:lumMod val="50000"/>
-                    </a:schemeClr>
-                  </a:outerShdw>
-                </a:effectLst>
-                <a:latin typeface="Cambria Math" panose="02040503050406030204" pitchFamily="18" charset="0"/>
-                <a:ea typeface="Cambria Math" panose="02040503050406030204" pitchFamily="18" charset="0"/>
-              </a:rPr>
-              <a:t>H</a:t>
-            </a:r>
-            <a:r>
-              <a:rPr lang="zh-TW" altLang="en-US" sz="7200" b="1" dirty="0">
-                <a:ln w="9525">
-                  <a:solidFill>
-                    <a:schemeClr val="bg1"/>
-                  </a:solidFill>
-                  <a:prstDash val="solid"/>
-                </a:ln>
-                <a:effectLst>
-                  <a:outerShdw blurRad="12700" dist="38100" dir="2700000" algn="tl" rotWithShape="0">
-                    <a:schemeClr val="bg1">
-                      <a:lumMod val="50000"/>
-                    </a:schemeClr>
-                  </a:outerShdw>
-                </a:effectLst>
-                <a:latin typeface="Cambria Math" panose="02040503050406030204" pitchFamily="18" charset="0"/>
-                <a:ea typeface="Cambria Math" panose="02040503050406030204" pitchFamily="18" charset="0"/>
-              </a:rPr>
-              <a:t> </a:t>
-            </a:r>
-            <a:r>
-              <a:rPr lang="en-US" altLang="zh-TW" sz="7200" b="1" dirty="0">
-                <a:ln w="9525">
-                  <a:solidFill>
-                    <a:schemeClr val="bg1"/>
-                  </a:solidFill>
-                  <a:prstDash val="solid"/>
-                </a:ln>
-                <a:effectLst>
-                  <a:outerShdw blurRad="12700" dist="38100" dir="2700000" algn="tl" rotWithShape="0">
-                    <a:schemeClr val="bg1">
-                      <a:lumMod val="50000"/>
-                    </a:schemeClr>
-                  </a:outerShdw>
-                </a:effectLst>
-                <a:latin typeface="Cambria Math" panose="02040503050406030204" pitchFamily="18" charset="0"/>
-                <a:ea typeface="Cambria Math" panose="02040503050406030204" pitchFamily="18" charset="0"/>
-              </a:rPr>
-              <a:t>I</a:t>
-            </a:r>
-            <a:r>
-              <a:rPr lang="zh-TW" altLang="en-US" sz="7200" b="1" dirty="0">
-                <a:ln w="9525">
-                  <a:solidFill>
-                    <a:schemeClr val="bg1"/>
-                  </a:solidFill>
-                  <a:prstDash val="solid"/>
-                </a:ln>
-                <a:effectLst>
-                  <a:outerShdw blurRad="12700" dist="38100" dir="2700000" algn="tl" rotWithShape="0">
-                    <a:schemeClr val="bg1">
-                      <a:lumMod val="50000"/>
-                    </a:schemeClr>
-                  </a:outerShdw>
-                </a:effectLst>
-                <a:latin typeface="Cambria Math" panose="02040503050406030204" pitchFamily="18" charset="0"/>
-                <a:ea typeface="Cambria Math" panose="02040503050406030204" pitchFamily="18" charset="0"/>
-              </a:rPr>
-              <a:t> </a:t>
-            </a:r>
-            <a:r>
-              <a:rPr lang="en-US" altLang="zh-TW" sz="7200" b="1" dirty="0">
-                <a:ln w="9525">
-                  <a:solidFill>
-                    <a:schemeClr val="bg1"/>
-                  </a:solidFill>
-                  <a:prstDash val="solid"/>
-                </a:ln>
-                <a:effectLst>
-                  <a:outerShdw blurRad="12700" dist="38100" dir="2700000" algn="tl" rotWithShape="0">
-                    <a:schemeClr val="bg1">
-                      <a:lumMod val="50000"/>
-                    </a:schemeClr>
-                  </a:outerShdw>
-                </a:effectLst>
-                <a:latin typeface="Cambria Math" panose="02040503050406030204" pitchFamily="18" charset="0"/>
-                <a:ea typeface="Cambria Math" panose="02040503050406030204" pitchFamily="18" charset="0"/>
-              </a:rPr>
-              <a:t>R</a:t>
-            </a:r>
-            <a:endParaRPr lang="zh-TW" altLang="en-US" sz="7200" b="1" dirty="0">
-              <a:ln w="9525">
-                <a:solidFill>
-                  <a:schemeClr val="bg1"/>
-                </a:solidFill>
-                <a:prstDash val="solid"/>
-              </a:ln>
-              <a:effectLst>
-                <a:outerShdw blurRad="12700" dist="38100" dir="2700000" algn="tl" rotWithShape="0">
-                  <a:schemeClr val="bg1">
-                    <a:lumMod val="50000"/>
-                  </a:schemeClr>
-                </a:outerShdw>
-              </a:effectLst>
-              <a:latin typeface="Cambria Math" panose="02040503050406030204" pitchFamily="18" charset="0"/>
-            </a:endParaRPr>
-          </a:p>
-        </p:txBody>
-      </p:sp>
-    </p:spTree>
-    <p:extLst>
-      <p:ext uri="{BB962C8B-B14F-4D97-AF65-F5344CB8AC3E}">
-        <p14:creationId xmlns:p14="http://schemas.microsoft.com/office/powerpoint/2010/main" val="1357758175"/>
-      </p:ext>
-    </p:extLst>
-  </p:cSld>
-  <p:clrMapOvr>
-    <a:masterClrMapping/>
-  </p:clrMapOvr>
-  <p:timing>
-    <p:tnLst>
-      <p:par>
-        <p:cTn id="1" dur="indefinite" restart="never" nodeType="tmRoot">
-          <p:childTnLst>
-            <p:seq concurrent="1" nextAc="seek">
-              <p:cTn id="2" dur="indefinite" nodeType="mainSeq">
-                <p:childTnLst>
-                  <p:par>
-                    <p:cTn id="3" fill="hold">
-                      <p:stCondLst>
-                        <p:cond delay="indefinite"/>
-                      </p:stCondLst>
-                      <p:childTnLst>
-                        <p:par>
-                          <p:cTn id="4" fill="hold">
-                            <p:stCondLst>
-                              <p:cond delay="0"/>
-                            </p:stCondLst>
-                            <p:childTnLst>
-                              <p:par>
-                                <p:cTn id="5" presetID="10" presetClass="entr" presetSubtype="0" fill="hold" nodeType="clickEffect">
-                                  <p:stCondLst>
-                                    <p:cond delay="0"/>
-                                  </p:stCondLst>
-                                  <p:childTnLst>
-                                    <p:set>
-                                      <p:cBhvr>
-                                        <p:cTn id="6" dur="1" fill="hold">
-                                          <p:stCondLst>
-                                            <p:cond delay="0"/>
-                                          </p:stCondLst>
-                                        </p:cTn>
-                                        <p:tgtEl>
-                                          <p:spTgt spid="4">
-                                            <p:txEl>
-                                              <p:pRg st="2" end="2"/>
-                                            </p:txEl>
-                                          </p:spTgt>
-                                        </p:tgtEl>
-                                        <p:attrNameLst>
-                                          <p:attrName>style.visibility</p:attrName>
-                                        </p:attrNameLst>
-                                      </p:cBhvr>
-                                      <p:to>
-                                        <p:strVal val="visible"/>
-                                      </p:to>
-                                    </p:set>
-                                    <p:animEffect transition="in" filter="fade">
-                                      <p:cBhvr>
-                                        <p:cTn id="7" dur="500"/>
-                                        <p:tgtEl>
-                                          <p:spTgt spid="4">
-                                            <p:txEl>
-                                              <p:pRg st="2" end="2"/>
-                                            </p:txEl>
-                                          </p:spTgt>
-                                        </p:tgtEl>
-                                      </p:cBhvr>
-                                    </p:animEffect>
-                                  </p:childTnLst>
-                                </p:cTn>
-                              </p:par>
-                            </p:childTnLst>
-                          </p:cTn>
-                        </p:par>
-                      </p:childTnLst>
-                    </p:cTn>
-                  </p:par>
-                  <p:par>
-                    <p:cTn id="8" fill="hold">
-                      <p:stCondLst>
-                        <p:cond delay="indefinite"/>
-                      </p:stCondLst>
-                      <p:childTnLst>
-                        <p:par>
-                          <p:cTn id="9" fill="hold">
-                            <p:stCondLst>
-                              <p:cond delay="0"/>
-                            </p:stCondLst>
-                            <p:childTnLst>
-                              <p:par>
-                                <p:cTn id="10" presetID="10" presetClass="entr" presetSubtype="0" fill="hold" nodeType="clickEffect">
-                                  <p:stCondLst>
-                                    <p:cond delay="0"/>
-                                  </p:stCondLst>
-                                  <p:childTnLst>
-                                    <p:set>
-                                      <p:cBhvr>
-                                        <p:cTn id="11" dur="1" fill="hold">
-                                          <p:stCondLst>
-                                            <p:cond delay="0"/>
-                                          </p:stCondLst>
-                                        </p:cTn>
-                                        <p:tgtEl>
-                                          <p:spTgt spid="4">
-                                            <p:txEl>
-                                              <p:pRg st="4" end="4"/>
-                                            </p:txEl>
-                                          </p:spTgt>
-                                        </p:tgtEl>
-                                        <p:attrNameLst>
-                                          <p:attrName>style.visibility</p:attrName>
-                                        </p:attrNameLst>
-                                      </p:cBhvr>
-                                      <p:to>
-                                        <p:strVal val="visible"/>
-                                      </p:to>
-                                    </p:set>
-                                    <p:animEffect transition="in" filter="fade">
-                                      <p:cBhvr>
-                                        <p:cTn id="12" dur="500"/>
-                                        <p:tgtEl>
-                                          <p:spTgt spid="4">
-                                            <p:txEl>
-                                              <p:pRg st="4" end="4"/>
-                                            </p:txEl>
-                                          </p:spTgt>
-                                        </p:tgtEl>
-                                      </p:cBhvr>
-                                    </p:animEffect>
-                                  </p:childTnLst>
-                                </p:cTn>
-                              </p:par>
-                            </p:childTnLst>
-                          </p:cTn>
-                        </p:par>
-                        <p:par>
-                          <p:cTn id="13" fill="hold">
-                            <p:stCondLst>
-                              <p:cond delay="500"/>
-                            </p:stCondLst>
-                            <p:childTnLst>
-                              <p:par>
-                                <p:cTn id="14" presetID="10" presetClass="entr" presetSubtype="0" fill="hold" nodeType="afterEffect">
-                                  <p:stCondLst>
-                                    <p:cond delay="0"/>
-                                  </p:stCondLst>
-                                  <p:childTnLst>
-                                    <p:set>
-                                      <p:cBhvr>
-                                        <p:cTn id="15" dur="1" fill="hold">
-                                          <p:stCondLst>
-                                            <p:cond delay="0"/>
-                                          </p:stCondLst>
-                                        </p:cTn>
-                                        <p:tgtEl>
-                                          <p:spTgt spid="4">
-                                            <p:txEl>
-                                              <p:pRg st="6" end="6"/>
-                                            </p:txEl>
-                                          </p:spTgt>
-                                        </p:tgtEl>
-                                        <p:attrNameLst>
-                                          <p:attrName>style.visibility</p:attrName>
-                                        </p:attrNameLst>
-                                      </p:cBhvr>
-                                      <p:to>
-                                        <p:strVal val="visible"/>
-                                      </p:to>
-                                    </p:set>
-                                    <p:animEffect transition="in" filter="fade">
-                                      <p:cBhvr>
-                                        <p:cTn id="16" dur="500"/>
-                                        <p:tgtEl>
-                                          <p:spTgt spid="4">
-                                            <p:txEl>
-                                              <p:pRg st="6" end="6"/>
-                                            </p:txEl>
-                                          </p:spTgt>
-                                        </p:tgtEl>
-                                      </p:cBhvr>
-                                    </p:animEffect>
-                                  </p:childTnLst>
-                                </p:cTn>
-                              </p:par>
-                            </p:childTnLst>
-                          </p:cTn>
-                        </p:par>
-                        <p:par>
-                          <p:cTn id="17" fill="hold">
-                            <p:stCondLst>
-                              <p:cond delay="1000"/>
-                            </p:stCondLst>
-                            <p:childTnLst>
-                              <p:par>
-                                <p:cTn id="18" presetID="10" presetClass="entr" presetSubtype="0" fill="hold" nodeType="afterEffect">
-                                  <p:stCondLst>
-                                    <p:cond delay="0"/>
-                                  </p:stCondLst>
-                                  <p:childTnLst>
-                                    <p:set>
-                                      <p:cBhvr>
-                                        <p:cTn id="19" dur="1" fill="hold">
-                                          <p:stCondLst>
-                                            <p:cond delay="0"/>
-                                          </p:stCondLst>
-                                        </p:cTn>
-                                        <p:tgtEl>
-                                          <p:spTgt spid="4">
-                                            <p:txEl>
-                                              <p:pRg st="8" end="8"/>
-                                            </p:txEl>
-                                          </p:spTgt>
-                                        </p:tgtEl>
-                                        <p:attrNameLst>
-                                          <p:attrName>style.visibility</p:attrName>
-                                        </p:attrNameLst>
-                                      </p:cBhvr>
-                                      <p:to>
-                                        <p:strVal val="visible"/>
-                                      </p:to>
-                                    </p:set>
-                                    <p:animEffect transition="in" filter="fade">
-                                      <p:cBhvr>
-                                        <p:cTn id="20" dur="500"/>
-                                        <p:tgtEl>
-                                          <p:spTgt spid="4">
-                                            <p:txEl>
-                                              <p:pRg st="8" end="8"/>
-                                            </p:txEl>
-                                          </p:spTgt>
-                                        </p:tgtEl>
-                                      </p:cBhvr>
-                                    </p:animEffect>
-                                  </p:childTnLst>
-                                </p:cTn>
-                              </p:par>
-                            </p:childTnLst>
-                          </p:cTn>
-                        </p:par>
-                        <p:par>
-                          <p:cTn id="21" fill="hold">
-                            <p:stCondLst>
-                              <p:cond delay="1500"/>
-                            </p:stCondLst>
-                            <p:childTnLst>
-                              <p:par>
-                                <p:cTn id="22" presetID="10" presetClass="entr" presetSubtype="0" fill="hold" nodeType="afterEffect">
-                                  <p:stCondLst>
-                                    <p:cond delay="0"/>
-                                  </p:stCondLst>
-                                  <p:childTnLst>
-                                    <p:set>
-                                      <p:cBhvr>
-                                        <p:cTn id="23" dur="1" fill="hold">
-                                          <p:stCondLst>
-                                            <p:cond delay="0"/>
-                                          </p:stCondLst>
-                                        </p:cTn>
-                                        <p:tgtEl>
-                                          <p:spTgt spid="4">
-                                            <p:txEl>
-                                              <p:pRg st="9" end="9"/>
-                                            </p:txEl>
-                                          </p:spTgt>
-                                        </p:tgtEl>
-                                        <p:attrNameLst>
-                                          <p:attrName>style.visibility</p:attrName>
-                                        </p:attrNameLst>
-                                      </p:cBhvr>
-                                      <p:to>
-                                        <p:strVal val="visible"/>
-                                      </p:to>
-                                    </p:set>
-                                    <p:animEffect transition="in" filter="fade">
-                                      <p:cBhvr>
-                                        <p:cTn id="24" dur="500"/>
-                                        <p:tgtEl>
-                                          <p:spTgt spid="4">
-                                            <p:txEl>
-                                              <p:pRg st="9" end="9"/>
-                                            </p:txEl>
-                                          </p:spTgt>
-                                        </p:tgtEl>
-                                      </p:cBhvr>
-                                    </p:animEffect>
-                                  </p:childTnLst>
-                                </p:cTn>
-                              </p:par>
-                            </p:childTnLst>
-                          </p:cTn>
-                        </p:par>
-                        <p:par>
-                          <p:cTn id="25" fill="hold">
-                            <p:stCondLst>
-                              <p:cond delay="2000"/>
-                            </p:stCondLst>
-                            <p:childTnLst>
-                              <p:par>
-                                <p:cTn id="26" presetID="10" presetClass="entr" presetSubtype="0" fill="hold" nodeType="afterEffect">
-                                  <p:stCondLst>
-                                    <p:cond delay="0"/>
-                                  </p:stCondLst>
-                                  <p:childTnLst>
-                                    <p:set>
-                                      <p:cBhvr>
-                                        <p:cTn id="27" dur="1" fill="hold">
-                                          <p:stCondLst>
-                                            <p:cond delay="0"/>
-                                          </p:stCondLst>
-                                        </p:cTn>
-                                        <p:tgtEl>
-                                          <p:spTgt spid="4">
-                                            <p:txEl>
-                                              <p:pRg st="10" end="10"/>
-                                            </p:txEl>
-                                          </p:spTgt>
-                                        </p:tgtEl>
-                                        <p:attrNameLst>
-                                          <p:attrName>style.visibility</p:attrName>
-                                        </p:attrNameLst>
-                                      </p:cBhvr>
-                                      <p:to>
-                                        <p:strVal val="visible"/>
-                                      </p:to>
-                                    </p:set>
-                                    <p:animEffect transition="in" filter="fade">
-                                      <p:cBhvr>
-                                        <p:cTn id="28" dur="500"/>
-                                        <p:tgtEl>
-                                          <p:spTgt spid="4">
-                                            <p:txEl>
-                                              <p:pRg st="10" end="10"/>
-                                            </p:txEl>
-                                          </p:spTgt>
-                                        </p:tgtEl>
-                                      </p:cBhvr>
-                                    </p:animEffect>
-                                  </p:childTnLst>
-                                </p:cTn>
-                              </p:par>
-                            </p:childTnLst>
-                          </p:cTn>
-                        </p:par>
-                      </p:childTnLst>
-                    </p:cTn>
-                  </p:par>
-                </p:childTnLst>
-              </p:cTn>
-              <p:prevCondLst>
-                <p:cond evt="onPrev" delay="0">
-                  <p:tgtEl>
-                    <p:sldTgt/>
-                  </p:tgtEl>
-                </p:cond>
-              </p:prevCondLst>
-              <p:nextCondLst>
-                <p:cond evt="onNext" delay="0">
-                  <p:tgtEl>
-                    <p:sldTgt/>
-                  </p:tgtEl>
-                </p:cond>
-              </p:nextCondLst>
-            </p:seq>
-          </p:childTnLst>
-        </p:cTn>
-      </p:par>
-    </p:tnLst>
-  </p:timing>
-</p:sld>
-</file>
-
-<file path=ppt/slides/slide3.xml><?xml version="1.0" encoding="utf-8"?>
-<p:sld xmlns:a="http://schemas.openxmlformats.org/drawingml/2006/main" xmlns:r="http://schemas.openxmlformats.org/officeDocument/2006/relationships" xmlns:p="http://schemas.openxmlformats.org/presentationml/2006/main">
-  <p:cSld>
-    <p:spTree>
-      <p:nvGrpSpPr>
-        <p:cNvPr id="1" name=""/>
-        <p:cNvGrpSpPr/>
-        <p:nvPr/>
-      </p:nvGrpSpPr>
-      <p:grpSpPr>
-        <a:xfrm>
-          <a:off x="0" y="0"/>
-          <a:ext cx="0" cy="0"/>
-          <a:chOff x="0" y="0"/>
-          <a:chExt cx="0" cy="0"/>
-        </a:xfrm>
-      </p:grpSpPr>
-      <p:sp>
-        <p:nvSpPr>
-          <p:cNvPr id="2" name="標題 1"/>
-          <p:cNvSpPr>
-            <a:spLocks noGrp="1"/>
-          </p:cNvSpPr>
-          <p:nvPr>
-            <p:ph type="title"/>
-          </p:nvPr>
-        </p:nvSpPr>
-        <p:spPr/>
-        <p:txBody>
-          <a:bodyPr>
-            <a:normAutofit/>
-          </a:bodyPr>
-          <a:lstStyle/>
-          <a:p>
-            <a:r>
-              <a:rPr lang="zh-TW" altLang="en-US" dirty="0" smtClean="0"/>
-              <a:t>發展各式健康醫療</a:t>
-            </a:r>
-            <a:r>
-              <a:rPr lang="zh-TW" altLang="en-US" b="1" dirty="0" smtClean="0">
-                <a:solidFill>
-                  <a:srgbClr val="FF0000"/>
-                </a:solidFill>
-              </a:rPr>
-              <a:t>前端</a:t>
-            </a:r>
-            <a:r>
-              <a:rPr lang="zh-TW" altLang="en-US" dirty="0" smtClean="0"/>
-              <a:t>應用</a:t>
-            </a:r>
-            <a:endParaRPr lang="zh-TW" altLang="en-US" dirty="0"/>
-          </a:p>
-        </p:txBody>
-      </p:sp>
-      <p:sp>
-        <p:nvSpPr>
-          <p:cNvPr id="3" name="內容版面配置區 2"/>
-          <p:cNvSpPr>
-            <a:spLocks noGrp="1"/>
-          </p:cNvSpPr>
-          <p:nvPr>
-            <p:ph idx="1"/>
-          </p:nvPr>
-        </p:nvSpPr>
-        <p:spPr>
-          <a:xfrm>
-            <a:off x="457200" y="1417638"/>
-            <a:ext cx="8229600" cy="4708525"/>
-          </a:xfrm>
-        </p:spPr>
-        <p:txBody>
-          <a:bodyPr>
-            <a:normAutofit/>
-          </a:bodyPr>
-          <a:lstStyle/>
-          <a:p>
-            <a:r>
-              <a:rPr lang="zh-TW" altLang="en-US" dirty="0" smtClean="0"/>
-              <a:t>與標準化 </a:t>
-            </a:r>
-            <a:r>
-              <a:rPr lang="en-US" altLang="zh-TW" dirty="0" smtClean="0"/>
-              <a:t>FHIR</a:t>
-            </a:r>
-            <a:r>
-              <a:rPr lang="zh-TW" altLang="en-US" dirty="0" smtClean="0"/>
-              <a:t> 伺服器整合應用</a:t>
-            </a:r>
-            <a:endParaRPr lang="en-US" altLang="zh-TW" dirty="0" smtClean="0"/>
-          </a:p>
-          <a:p>
-            <a:pPr lvl="1"/>
-            <a:r>
-              <a:rPr lang="zh-TW" altLang="en-US" dirty="0"/>
-              <a:t> </a:t>
-            </a:r>
-            <a:r>
-              <a:rPr lang="en-US" altLang="zh-TW" dirty="0" smtClean="0"/>
-              <a:t>FHIR</a:t>
-            </a:r>
-            <a:r>
-              <a:rPr lang="zh-TW" altLang="en-US" dirty="0" smtClean="0"/>
-              <a:t> </a:t>
-            </a:r>
-            <a:r>
-              <a:rPr lang="en-US" altLang="zh-TW" dirty="0" smtClean="0"/>
-              <a:t>API</a:t>
-            </a:r>
-            <a:r>
-              <a:rPr lang="zh-TW" altLang="en-US" dirty="0" smtClean="0"/>
-              <a:t> </a:t>
-            </a:r>
-            <a:r>
-              <a:rPr lang="en-US" altLang="zh-TW" dirty="0" smtClean="0"/>
-              <a:t>root :</a:t>
-            </a:r>
-            <a:r>
-              <a:rPr lang="en-US" altLang="zh-TW" dirty="0" smtClean="0">
-                <a:hlinkClick r:id="rId2"/>
-              </a:rPr>
-              <a:t>http</a:t>
-            </a:r>
-            <a:r>
-              <a:rPr lang="en-US" altLang="zh-TW" dirty="0">
-                <a:hlinkClick r:id="rId2"/>
-              </a:rPr>
-              <a:t>://</a:t>
-            </a:r>
-            <a:r>
-              <a:rPr lang="en-US" altLang="zh-TW" dirty="0" smtClean="0">
-                <a:hlinkClick r:id="rId2"/>
-              </a:rPr>
-              <a:t>hapi.fhir.org/baseR4</a:t>
-            </a:r>
-            <a:endParaRPr lang="en-US" altLang="zh-TW" dirty="0" smtClean="0"/>
-          </a:p>
-          <a:p>
-            <a:endParaRPr lang="en-US" altLang="zh-TW" dirty="0" smtClean="0"/>
-          </a:p>
-          <a:p>
-            <a:r>
-              <a:rPr lang="zh-TW" altLang="en-US" dirty="0" smtClean="0"/>
-              <a:t>發展前端網頁及 </a:t>
-            </a:r>
-            <a:r>
-              <a:rPr lang="en-US" altLang="zh-TW" dirty="0" smtClean="0"/>
-              <a:t>APP</a:t>
-            </a:r>
-            <a:r>
-              <a:rPr lang="zh-TW" altLang="en-US" dirty="0" smtClean="0"/>
-              <a:t> 應用程式</a:t>
-            </a:r>
-            <a:endParaRPr lang="en-US" altLang="zh-TW" dirty="0" smtClean="0"/>
-          </a:p>
-          <a:p>
-            <a:pPr lvl="1"/>
-            <a:r>
-              <a:rPr lang="zh-TW" altLang="en-US" dirty="0" smtClean="0"/>
-              <a:t>可用各種程式撰寫 </a:t>
-            </a:r>
-            <a:r>
-              <a:rPr lang="en-US" altLang="zh-TW" dirty="0" smtClean="0"/>
-              <a:t>HTTP</a:t>
-            </a:r>
-            <a:r>
-              <a:rPr lang="zh-TW" altLang="en-US" dirty="0" smtClean="0"/>
-              <a:t> </a:t>
-            </a:r>
-            <a:r>
-              <a:rPr lang="en-US" altLang="zh-TW" dirty="0" smtClean="0"/>
-              <a:t>client </a:t>
-            </a:r>
-          </a:p>
-          <a:p>
-            <a:pPr lvl="1"/>
-            <a:r>
-              <a:rPr lang="zh-TW" altLang="en-US" dirty="0" smtClean="0"/>
-              <a:t>以此連結 </a:t>
-            </a:r>
-            <a:r>
-              <a:rPr lang="en-US" altLang="zh-TW" dirty="0" smtClean="0"/>
-              <a:t>FHIR</a:t>
-            </a:r>
-            <a:r>
-              <a:rPr lang="zh-TW" altLang="en-US" dirty="0" smtClean="0"/>
-              <a:t>  </a:t>
-            </a:r>
-            <a:r>
-              <a:rPr lang="en-US" altLang="zh-TW" dirty="0" smtClean="0"/>
-              <a:t>server</a:t>
-            </a:r>
-            <a:r>
-              <a:rPr lang="zh-TW" altLang="en-US" dirty="0" smtClean="0"/>
-              <a:t>，曾修改查資料</a:t>
-            </a:r>
-            <a:endParaRPr lang="en-US" altLang="zh-TW" dirty="0" smtClean="0"/>
-          </a:p>
-        </p:txBody>
-      </p:sp>
-    </p:spTree>
-    <p:extLst>
-      <p:ext uri="{BB962C8B-B14F-4D97-AF65-F5344CB8AC3E}">
-        <p14:creationId xmlns:p14="http://schemas.microsoft.com/office/powerpoint/2010/main" val="3901825515"/>
-      </p:ext>
-    </p:extLst>
-  </p:cSld>
-  <p:clrMapOvr>
-    <a:masterClrMapping/>
-  </p:clrMapOvr>
-  <p:timing>
-    <p:tnLst>
-      <p:par>
-        <p:cTn id="1" dur="indefinite" restart="never" nodeType="tmRoot"/>
-      </p:par>
-    </p:tnLst>
-  </p:timing>
-</p:sld>
-</file>
-
-<file path=ppt/slides/slide4.xml><?xml version="1.0" encoding="utf-8"?>
-<p:sld xmlns:a="http://schemas.openxmlformats.org/drawingml/2006/main" xmlns:r="http://schemas.openxmlformats.org/officeDocument/2006/relationships" xmlns:p="http://schemas.openxmlformats.org/presentationml/2006/main">
-  <p:cSld>
-    <p:spTree>
-      <p:nvGrpSpPr>
-        <p:cNvPr id="1" name=""/>
-        <p:cNvGrpSpPr/>
-        <p:nvPr/>
-      </p:nvGrpSpPr>
-      <p:grpSpPr>
-        <a:xfrm>
-          <a:off x="0" y="0"/>
-          <a:ext cx="0" cy="0"/>
-          <a:chOff x="0" y="0"/>
-          <a:chExt cx="0" cy="0"/>
-        </a:xfrm>
-      </p:grpSpPr>
-      <p:sp>
-        <p:nvSpPr>
-          <p:cNvPr id="2" name="標題 1"/>
-          <p:cNvSpPr>
-            <a:spLocks noGrp="1"/>
-          </p:cNvSpPr>
-          <p:nvPr>
-            <p:ph type="title"/>
-          </p:nvPr>
-        </p:nvSpPr>
-        <p:spPr/>
-        <p:txBody>
-          <a:bodyPr>
-            <a:normAutofit/>
-          </a:bodyPr>
-          <a:lstStyle/>
-          <a:p>
-            <a:r>
-              <a:rPr lang="en-US" altLang="zh-TW" dirty="0"/>
-              <a:t>FHIR resource </a:t>
-            </a:r>
-            <a:r>
-              <a:rPr lang="zh-TW" altLang="en-US" dirty="0" smtClean="0"/>
-              <a:t>定義連結</a:t>
-            </a:r>
-            <a:endParaRPr lang="zh-TW" altLang="en-US" dirty="0"/>
-          </a:p>
-        </p:txBody>
-      </p:sp>
-      <p:sp>
-        <p:nvSpPr>
-          <p:cNvPr id="3" name="內容版面配置區 2"/>
-          <p:cNvSpPr>
-            <a:spLocks noGrp="1"/>
-          </p:cNvSpPr>
-          <p:nvPr>
-            <p:ph idx="1"/>
-          </p:nvPr>
-        </p:nvSpPr>
-        <p:spPr/>
-        <p:txBody>
-          <a:bodyPr>
-            <a:normAutofit fontScale="92500" lnSpcReduction="10000"/>
-          </a:bodyPr>
-          <a:lstStyle/>
-          <a:p>
-            <a:r>
-              <a:rPr lang="en-US" altLang="zh-TW" dirty="0" smtClean="0"/>
-              <a:t>FHIR</a:t>
-            </a:r>
-            <a:r>
-              <a:rPr lang="zh-TW" altLang="en-US" dirty="0" smtClean="0"/>
-              <a:t> 官網</a:t>
-            </a:r>
-            <a:endParaRPr lang="en-US" altLang="zh-TW" dirty="0" smtClean="0"/>
-          </a:p>
-          <a:p>
-            <a:pPr lvl="1"/>
-            <a:r>
-              <a:rPr lang="en-US" altLang="zh-TW" dirty="0"/>
-              <a:t>https://www.hl7.org/fhir/</a:t>
-            </a:r>
-          </a:p>
-          <a:p>
-            <a:endParaRPr lang="en-US" altLang="zh-TW" dirty="0" smtClean="0"/>
-          </a:p>
-          <a:p>
-            <a:r>
-              <a:rPr lang="en-US" altLang="zh-TW" dirty="0" smtClean="0"/>
-              <a:t>FHIR </a:t>
-            </a:r>
-            <a:r>
-              <a:rPr lang="en-US" altLang="zh-TW" dirty="0"/>
-              <a:t>Resources </a:t>
-            </a:r>
-            <a:r>
-              <a:rPr lang="zh-TW" altLang="en-US" dirty="0" smtClean="0"/>
-              <a:t>分類</a:t>
-            </a:r>
-            <a:endParaRPr lang="en-US" altLang="zh-TW" dirty="0" smtClean="0"/>
-          </a:p>
-          <a:p>
-            <a:pPr lvl="1"/>
-            <a:r>
-              <a:rPr lang="en-US" altLang="zh-TW" dirty="0"/>
-              <a:t>https://www.hl7.org/fhir/resourcelist.html</a:t>
-            </a:r>
-            <a:endParaRPr lang="en-US" altLang="zh-TW" dirty="0" smtClean="0"/>
-          </a:p>
-          <a:p>
-            <a:endParaRPr lang="en-US" altLang="zh-TW" dirty="0" smtClean="0"/>
-          </a:p>
-          <a:p>
-            <a:r>
-              <a:rPr lang="en-US" altLang="zh-TW" dirty="0" smtClean="0"/>
-              <a:t>FHIR</a:t>
-            </a:r>
-            <a:r>
-              <a:rPr lang="zh-TW" altLang="en-US" dirty="0" smtClean="0"/>
-              <a:t> </a:t>
-            </a:r>
-            <a:r>
-              <a:rPr lang="en-US" altLang="zh-TW" dirty="0" smtClean="0"/>
-              <a:t>Resources </a:t>
-            </a:r>
-            <a:r>
-              <a:rPr lang="zh-TW" altLang="en-US" dirty="0" smtClean="0"/>
-              <a:t>範例連結</a:t>
-            </a:r>
-            <a:endParaRPr lang="en-US" altLang="zh-TW" dirty="0" smtClean="0"/>
-          </a:p>
-          <a:p>
-            <a:pPr lvl="1"/>
-            <a:r>
-              <a:rPr lang="en-US" altLang="zh-TW" dirty="0">
-                <a:hlinkClick r:id="rId2"/>
-              </a:rPr>
-              <a:t>https://</a:t>
-            </a:r>
-            <a:r>
-              <a:rPr lang="en-US" altLang="zh-TW" dirty="0" smtClean="0">
-                <a:hlinkClick r:id="rId2"/>
-              </a:rPr>
-              <a:t>www.hl7.org/fhir/patient.html</a:t>
-            </a:r>
-            <a:endParaRPr lang="en-US" altLang="zh-TW" dirty="0" smtClean="0"/>
-          </a:p>
-          <a:p>
-            <a:pPr lvl="1"/>
-            <a:r>
-              <a:rPr lang="en-US" altLang="zh-TW" dirty="0"/>
-              <a:t>https://www.hl7.org/fhir/organization.html</a:t>
-            </a:r>
-            <a:endParaRPr lang="zh-TW" altLang="en-US" dirty="0"/>
-          </a:p>
-        </p:txBody>
-      </p:sp>
-    </p:spTree>
-    <p:extLst>
-      <p:ext uri="{BB962C8B-B14F-4D97-AF65-F5344CB8AC3E}">
-        <p14:creationId xmlns:p14="http://schemas.microsoft.com/office/powerpoint/2010/main" val="1254974096"/>
-      </p:ext>
-    </p:extLst>
-  </p:cSld>
-  <p:clrMapOvr>
-    <a:masterClrMapping/>
-  </p:clrMapOvr>
-</p:sld>
-</file>
-
-<file path=ppt/slides/slide5.xml><?xml version="1.0" encoding="utf-8"?>
 <p:sld xmlns:a="http://schemas.openxmlformats.org/drawingml/2006/main" xmlns:r="http://schemas.openxmlformats.org/officeDocument/2006/relationships" xmlns:p="http://schemas.openxmlformats.org/presentationml/2006/main">
   <p:cSld>
     <p:spTree>
@@ -7868,7 +4569,7 @@
                 <a:buFontTx/>
                 <a:buNone/>
               </a:pPr>
-              <a:t>5</a:t>
+              <a:t>11</a:t>
             </a:fld>
             <a:endParaRPr lang="zh-TW" altLang="en-US" sz="900">
               <a:solidFill>
@@ -8210,21 +4911,3588 @@
   <p:clrMapOvr>
     <a:masterClrMapping/>
   </p:clrMapOvr>
-  <mc:AlternateContent xmlns:mc="http://schemas.openxmlformats.org/markup-compatibility/2006" xmlns:p14="http://schemas.microsoft.com/office/powerpoint/2010/main">
-    <mc:Choice Requires="p14">
-      <p:transition spd="slow" p14:dur="2000"/>
-    </mc:Choice>
-    <mc:Fallback xmlns="">
-      <p:transition spd="slow"/>
-    </mc:Fallback>
-  </mc:AlternateContent>
-  <p:timing>
-    <p:tnLst>
-      <p:par>
-        <p:cTn id="1" dur="indefinite" restart="never" nodeType="tmRoot"/>
-      </p:par>
-    </p:tnLst>
-  </p:timing>
+</p:sld>
+</file>
+
+<file path=ppt/slides/slide12.xml><?xml version="1.0" encoding="utf-8"?>
+<p:sld xmlns:a="http://schemas.openxmlformats.org/drawingml/2006/main" xmlns:r="http://schemas.openxmlformats.org/officeDocument/2006/relationships" xmlns:p="http://schemas.openxmlformats.org/presentationml/2006/main">
+  <p:cSld>
+    <p:spTree>
+      <p:nvGrpSpPr>
+        <p:cNvPr id="1" name=""/>
+        <p:cNvGrpSpPr/>
+        <p:nvPr/>
+      </p:nvGrpSpPr>
+      <p:grpSpPr>
+        <a:xfrm>
+          <a:off x="0" y="0"/>
+          <a:ext cx="0" cy="0"/>
+          <a:chOff x="0" y="0"/>
+          <a:chExt cx="0" cy="0"/>
+        </a:xfrm>
+      </p:grpSpPr>
+      <p:sp>
+        <p:nvSpPr>
+          <p:cNvPr id="2" name="標題 1"/>
+          <p:cNvSpPr>
+            <a:spLocks noGrp="1"/>
+          </p:cNvSpPr>
+          <p:nvPr>
+            <p:ph type="title"/>
+          </p:nvPr>
+        </p:nvSpPr>
+        <p:spPr/>
+        <p:txBody>
+          <a:bodyPr/>
+          <a:lstStyle/>
+          <a:p>
+            <a:r>
+              <a:rPr lang="en-US" altLang="zh-TW" dirty="0"/>
+              <a:t>FHIR</a:t>
+            </a:r>
+            <a:r>
+              <a:rPr lang="zh-TW" altLang="en-US" dirty="0"/>
+              <a:t> </a:t>
+            </a:r>
+            <a:r>
+              <a:rPr lang="en-US" altLang="zh-TW" dirty="0"/>
+              <a:t>patient</a:t>
+            </a:r>
+            <a:endParaRPr lang="zh-TW" altLang="en-US" dirty="0"/>
+          </a:p>
+        </p:txBody>
+      </p:sp>
+      <p:sp>
+        <p:nvSpPr>
+          <p:cNvPr id="3" name="內容版面配置區 2"/>
+          <p:cNvSpPr>
+            <a:spLocks noGrp="1"/>
+          </p:cNvSpPr>
+          <p:nvPr>
+            <p:ph idx="1"/>
+          </p:nvPr>
+        </p:nvSpPr>
+        <p:spPr/>
+        <p:txBody>
+          <a:bodyPr>
+            <a:normAutofit/>
+          </a:bodyPr>
+          <a:lstStyle/>
+          <a:p>
+            <a:r>
+              <a:rPr lang="zh-TW" altLang="en-US" dirty="0"/>
+              <a:t>國際標準</a:t>
+            </a:r>
+            <a:endParaRPr lang="en-US" altLang="zh-TW" dirty="0"/>
+          </a:p>
+          <a:p>
+            <a:pPr lvl="1"/>
+            <a:r>
+              <a:rPr lang="en-US" altLang="zh-TW" dirty="0"/>
+              <a:t>https://www.hl7.org/fhir/patient.html</a:t>
+            </a:r>
+          </a:p>
+          <a:p>
+            <a:r>
+              <a:rPr lang="zh-TW" altLang="en-US" dirty="0"/>
+              <a:t>台灣自訂</a:t>
+            </a:r>
+            <a:endParaRPr lang="en-US" altLang="zh-TW" dirty="0"/>
+          </a:p>
+          <a:p>
+            <a:pPr lvl="1"/>
+            <a:r>
+              <a:rPr lang="en-US" altLang="zh-TW" dirty="0"/>
+              <a:t>https://mos2718.github.io/FHIRspec/Spec/Patient/patient.html</a:t>
+            </a:r>
+          </a:p>
+          <a:p>
+            <a:pPr lvl="1"/>
+            <a:r>
+              <a:rPr lang="zh-TW" altLang="en-US" dirty="0"/>
+              <a:t>進一步確認我們需要的細部欄位規格，如</a:t>
+            </a:r>
+            <a:r>
+              <a:rPr lang="en-US" altLang="zh-TW" dirty="0"/>
+              <a:t>:</a:t>
+            </a:r>
+          </a:p>
+          <a:p>
+            <a:pPr lvl="2"/>
+            <a:r>
+              <a:rPr lang="zh-TW" altLang="en-US" dirty="0"/>
+              <a:t>是否放身分證號，放哪裡</a:t>
+            </a:r>
+          </a:p>
+          <a:p>
+            <a:pPr lvl="2"/>
+            <a:r>
+              <a:rPr lang="zh-TW" altLang="en-US" dirty="0"/>
+              <a:t>中文姓名、電話之基本格式</a:t>
+            </a:r>
+          </a:p>
+          <a:p>
+            <a:endParaRPr lang="zh-TW" altLang="en-US" dirty="0"/>
+          </a:p>
+        </p:txBody>
+      </p:sp>
+    </p:spTree>
+    <p:extLst>
+      <p:ext uri="{BB962C8B-B14F-4D97-AF65-F5344CB8AC3E}">
+        <p14:creationId xmlns:p14="http://schemas.microsoft.com/office/powerpoint/2010/main" val="664346050"/>
+      </p:ext>
+    </p:extLst>
+  </p:cSld>
+  <p:clrMapOvr>
+    <a:masterClrMapping/>
+  </p:clrMapOvr>
+</p:sld>
+</file>
+
+<file path=ppt/slides/slide13.xml><?xml version="1.0" encoding="utf-8"?>
+<p:sld xmlns:a="http://schemas.openxmlformats.org/drawingml/2006/main" xmlns:r="http://schemas.openxmlformats.org/officeDocument/2006/relationships" xmlns:p="http://schemas.openxmlformats.org/presentationml/2006/main">
+  <p:cSld>
+    <p:spTree>
+      <p:nvGrpSpPr>
+        <p:cNvPr id="1" name=""/>
+        <p:cNvGrpSpPr/>
+        <p:nvPr/>
+      </p:nvGrpSpPr>
+      <p:grpSpPr>
+        <a:xfrm>
+          <a:off x="0" y="0"/>
+          <a:ext cx="0" cy="0"/>
+          <a:chOff x="0" y="0"/>
+          <a:chExt cx="0" cy="0"/>
+        </a:xfrm>
+      </p:grpSpPr>
+      <p:sp>
+        <p:nvSpPr>
+          <p:cNvPr id="2" name="標題 1"/>
+          <p:cNvSpPr>
+            <a:spLocks noGrp="1"/>
+          </p:cNvSpPr>
+          <p:nvPr>
+            <p:ph type="title"/>
+          </p:nvPr>
+        </p:nvSpPr>
+        <p:spPr>
+          <a:xfrm>
+            <a:off x="556591" y="0"/>
+            <a:ext cx="8229600" cy="1143000"/>
+          </a:xfrm>
+        </p:spPr>
+        <p:txBody>
+          <a:bodyPr>
+            <a:normAutofit/>
+          </a:bodyPr>
+          <a:lstStyle/>
+          <a:p>
+            <a:r>
+              <a:rPr lang="en-US" altLang="zh-TW" dirty="0"/>
+              <a:t>FHIR resource </a:t>
+            </a:r>
+            <a:r>
+              <a:rPr lang="zh-TW" altLang="en-US" dirty="0"/>
+              <a:t>範例</a:t>
+            </a:r>
+            <a:r>
+              <a:rPr lang="en-US" altLang="zh-TW" dirty="0"/>
+              <a:t>(</a:t>
+            </a:r>
+            <a:r>
+              <a:rPr lang="zh-TW" altLang="en-US" dirty="0"/>
+              <a:t>使用者端產生</a:t>
+            </a:r>
+            <a:r>
+              <a:rPr lang="en-US" altLang="zh-TW" dirty="0"/>
+              <a:t>)</a:t>
+            </a:r>
+            <a:endParaRPr lang="zh-TW" altLang="en-US" dirty="0"/>
+          </a:p>
+        </p:txBody>
+      </p:sp>
+      <p:sp>
+        <p:nvSpPr>
+          <p:cNvPr id="3" name="內容版面配置區 2"/>
+          <p:cNvSpPr>
+            <a:spLocks noGrp="1"/>
+          </p:cNvSpPr>
+          <p:nvPr>
+            <p:ph idx="1"/>
+          </p:nvPr>
+        </p:nvSpPr>
+        <p:spPr>
+          <a:xfrm>
+            <a:off x="775252" y="1143000"/>
+            <a:ext cx="8229600" cy="5814390"/>
+          </a:xfrm>
+        </p:spPr>
+        <p:txBody>
+          <a:bodyPr>
+            <a:normAutofit fontScale="55000" lnSpcReduction="20000"/>
+          </a:bodyPr>
+          <a:lstStyle/>
+          <a:p>
+            <a:pPr marL="0" indent="0">
+              <a:buNone/>
+            </a:pPr>
+            <a:r>
+              <a:rPr lang="en-US" altLang="zh-TW" dirty="0"/>
+              <a:t>{       "</a:t>
+            </a:r>
+            <a:r>
+              <a:rPr lang="en-US" altLang="zh-TW" dirty="0" err="1"/>
+              <a:t>resourceType</a:t>
+            </a:r>
+            <a:r>
+              <a:rPr lang="en-US" altLang="zh-TW" dirty="0"/>
+              <a:t>": "Patient",     </a:t>
+            </a:r>
+          </a:p>
+          <a:p>
+            <a:pPr marL="0" indent="0">
+              <a:buNone/>
+            </a:pPr>
+            <a:r>
+              <a:rPr lang="en-US" altLang="zh-TW" dirty="0"/>
+              <a:t>        "identifier": [</a:t>
+            </a:r>
+          </a:p>
+          <a:p>
+            <a:pPr marL="0" indent="0">
+              <a:buNone/>
+            </a:pPr>
+            <a:r>
+              <a:rPr lang="en-US" altLang="zh-TW" dirty="0"/>
+              <a:t>          {</a:t>
+            </a:r>
+          </a:p>
+          <a:p>
+            <a:pPr marL="0" indent="0">
+              <a:buNone/>
+            </a:pPr>
+            <a:r>
+              <a:rPr lang="en-US" altLang="zh-TW" dirty="0"/>
+              <a:t>           "system": "</a:t>
+            </a:r>
+            <a:r>
+              <a:rPr lang="zh-TW" altLang="en-US" dirty="0"/>
+              <a:t>身分證字號</a:t>
+            </a:r>
+            <a:r>
+              <a:rPr lang="en-US" altLang="zh-TW" dirty="0"/>
+              <a:t>",</a:t>
+            </a:r>
+          </a:p>
+          <a:p>
+            <a:pPr marL="0" indent="0">
+              <a:buNone/>
+            </a:pPr>
+            <a:r>
+              <a:rPr lang="en-US" altLang="zh-TW" dirty="0"/>
+              <a:t>            "value": "U12341111111111"</a:t>
+            </a:r>
+          </a:p>
+          <a:p>
+            <a:pPr marL="0" indent="0">
+              <a:buNone/>
+            </a:pPr>
+            <a:r>
+              <a:rPr lang="en-US" altLang="zh-TW" dirty="0"/>
+              <a:t>          }</a:t>
+            </a:r>
+          </a:p>
+          <a:p>
+            <a:pPr marL="0" indent="0">
+              <a:buNone/>
+            </a:pPr>
+            <a:r>
+              <a:rPr lang="en-US" altLang="zh-TW" dirty="0"/>
+              <a:t>        ],</a:t>
+            </a:r>
+          </a:p>
+          <a:p>
+            <a:pPr marL="0" indent="0">
+              <a:buNone/>
+            </a:pPr>
+            <a:r>
+              <a:rPr lang="en-US" altLang="zh-TW" dirty="0"/>
+              <a:t>        "name": [</a:t>
+            </a:r>
+          </a:p>
+          <a:p>
+            <a:pPr marL="0" indent="0">
+              <a:buNone/>
+            </a:pPr>
+            <a:r>
+              <a:rPr lang="en-US" altLang="zh-TW" dirty="0"/>
+              <a:t>          {</a:t>
+            </a:r>
+          </a:p>
+          <a:p>
+            <a:pPr marL="0" indent="0">
+              <a:buNone/>
+            </a:pPr>
+            <a:r>
+              <a:rPr lang="en-US" altLang="zh-TW" dirty="0"/>
+              <a:t>            "text": "</a:t>
+            </a:r>
+            <a:r>
+              <a:rPr lang="zh-TW" altLang="en-US" dirty="0"/>
+              <a:t>林小妹</a:t>
+            </a:r>
+            <a:r>
+              <a:rPr lang="en-US" altLang="zh-TW" dirty="0"/>
+              <a:t>",</a:t>
+            </a:r>
+          </a:p>
+          <a:p>
+            <a:pPr marL="0" indent="0">
+              <a:buNone/>
+            </a:pPr>
+            <a:r>
+              <a:rPr lang="en-US" altLang="zh-TW" dirty="0"/>
+              <a:t>            "family": "</a:t>
+            </a:r>
+            <a:r>
+              <a:rPr lang="zh-TW" altLang="en-US" dirty="0"/>
+              <a:t>林</a:t>
+            </a:r>
+            <a:r>
+              <a:rPr lang="en-US" altLang="zh-TW" dirty="0"/>
+              <a:t>",</a:t>
+            </a:r>
+          </a:p>
+          <a:p>
+            <a:pPr marL="0" indent="0">
+              <a:buNone/>
+            </a:pPr>
+            <a:r>
+              <a:rPr lang="en-US" altLang="zh-TW" dirty="0"/>
+              <a:t>            "given": ["</a:t>
+            </a:r>
+            <a:r>
+              <a:rPr lang="zh-TW" altLang="en-US" dirty="0"/>
+              <a:t>林小妹</a:t>
+            </a:r>
+            <a:r>
+              <a:rPr lang="en-US" altLang="zh-TW" dirty="0"/>
+              <a:t>"]</a:t>
+            </a:r>
+          </a:p>
+          <a:p>
+            <a:pPr marL="0" indent="0">
+              <a:buNone/>
+            </a:pPr>
+            <a:r>
+              <a:rPr lang="en-US" altLang="zh-TW" dirty="0"/>
+              <a:t>          }</a:t>
+            </a:r>
+          </a:p>
+          <a:p>
+            <a:pPr marL="0" indent="0">
+              <a:buNone/>
+            </a:pPr>
+            <a:r>
+              <a:rPr lang="en-US" altLang="zh-TW" dirty="0"/>
+              <a:t>        ],</a:t>
+            </a:r>
+          </a:p>
+          <a:p>
+            <a:pPr marL="0" indent="0">
+              <a:buNone/>
+            </a:pPr>
+            <a:r>
+              <a:rPr lang="en-US" altLang="zh-TW" dirty="0"/>
+              <a:t>        "gender": "female",</a:t>
+            </a:r>
+          </a:p>
+          <a:p>
+            <a:pPr marL="0" indent="0">
+              <a:buNone/>
+            </a:pPr>
+            <a:r>
+              <a:rPr lang="en-US" altLang="zh-TW" dirty="0"/>
+              <a:t>        "</a:t>
+            </a:r>
+            <a:r>
+              <a:rPr lang="en-US" altLang="zh-TW" dirty="0" err="1"/>
+              <a:t>birthDate</a:t>
+            </a:r>
+            <a:r>
+              <a:rPr lang="en-US" altLang="zh-TW" dirty="0"/>
+              <a:t>": "1973-01-21",</a:t>
+            </a:r>
+          </a:p>
+          <a:p>
+            <a:pPr marL="0" indent="0">
+              <a:buNone/>
+            </a:pPr>
+            <a:r>
+              <a:rPr lang="en-US" altLang="zh-TW" dirty="0"/>
+              <a:t>        "</a:t>
+            </a:r>
+            <a:r>
+              <a:rPr lang="en-US" altLang="zh-TW" dirty="0" err="1"/>
+              <a:t>managingOrganization</a:t>
+            </a:r>
+            <a:r>
+              <a:rPr lang="en-US" altLang="zh-TW" dirty="0"/>
+              <a:t>": {</a:t>
+            </a:r>
+          </a:p>
+          <a:p>
+            <a:pPr marL="0" indent="0">
+              <a:buNone/>
+            </a:pPr>
+            <a:r>
+              <a:rPr lang="en-US" altLang="zh-TW" dirty="0"/>
+              <a:t>          "reference": "Organization/4"</a:t>
+            </a:r>
+          </a:p>
+          <a:p>
+            <a:pPr marL="0" indent="0">
+              <a:buNone/>
+            </a:pPr>
+            <a:r>
+              <a:rPr lang="en-US" altLang="zh-TW" dirty="0"/>
+              <a:t>        }</a:t>
+            </a:r>
+          </a:p>
+          <a:p>
+            <a:pPr marL="0" indent="0">
+              <a:buNone/>
+            </a:pPr>
+            <a:r>
+              <a:rPr lang="en-US" altLang="zh-TW" dirty="0"/>
+              <a:t>  }</a:t>
+            </a:r>
+            <a:endParaRPr lang="zh-TW" altLang="en-US" dirty="0"/>
+          </a:p>
+        </p:txBody>
+      </p:sp>
+    </p:spTree>
+    <p:extLst>
+      <p:ext uri="{BB962C8B-B14F-4D97-AF65-F5344CB8AC3E}">
+        <p14:creationId xmlns:p14="http://schemas.microsoft.com/office/powerpoint/2010/main" val="2064323741"/>
+      </p:ext>
+    </p:extLst>
+  </p:cSld>
+  <p:clrMapOvr>
+    <a:masterClrMapping/>
+  </p:clrMapOvr>
+</p:sld>
+</file>
+
+<file path=ppt/slides/slide14.xml><?xml version="1.0" encoding="utf-8"?>
+<p:sld xmlns:a="http://schemas.openxmlformats.org/drawingml/2006/main" xmlns:r="http://schemas.openxmlformats.org/officeDocument/2006/relationships" xmlns:p="http://schemas.openxmlformats.org/presentationml/2006/main">
+  <p:cSld>
+    <p:spTree>
+      <p:nvGrpSpPr>
+        <p:cNvPr id="1" name=""/>
+        <p:cNvGrpSpPr/>
+        <p:nvPr/>
+      </p:nvGrpSpPr>
+      <p:grpSpPr>
+        <a:xfrm>
+          <a:off x="0" y="0"/>
+          <a:ext cx="0" cy="0"/>
+          <a:chOff x="0" y="0"/>
+          <a:chExt cx="0" cy="0"/>
+        </a:xfrm>
+      </p:grpSpPr>
+      <p:sp>
+        <p:nvSpPr>
+          <p:cNvPr id="2" name="標題 1"/>
+          <p:cNvSpPr>
+            <a:spLocks noGrp="1"/>
+          </p:cNvSpPr>
+          <p:nvPr>
+            <p:ph type="title"/>
+          </p:nvPr>
+        </p:nvSpPr>
+        <p:spPr>
+          <a:xfrm>
+            <a:off x="556591" y="0"/>
+            <a:ext cx="8229600" cy="1143000"/>
+          </a:xfrm>
+        </p:spPr>
+        <p:txBody>
+          <a:bodyPr>
+            <a:normAutofit/>
+          </a:bodyPr>
+          <a:lstStyle/>
+          <a:p>
+            <a:r>
+              <a:rPr lang="en-US" altLang="zh-TW" sz="3600" dirty="0"/>
+              <a:t>FHIR resource </a:t>
+            </a:r>
+            <a:r>
+              <a:rPr lang="zh-TW" altLang="en-US" sz="3600" dirty="0"/>
+              <a:t>範例</a:t>
+            </a:r>
+            <a:r>
+              <a:rPr lang="en-US" altLang="zh-TW" sz="3600" dirty="0"/>
+              <a:t>(</a:t>
+            </a:r>
+            <a:r>
+              <a:rPr lang="zh-TW" altLang="en-US" sz="3600" dirty="0"/>
+              <a:t>伺服器端添加資訊</a:t>
+            </a:r>
+            <a:r>
+              <a:rPr lang="en-US" altLang="zh-TW" sz="3600" dirty="0"/>
+              <a:t>)</a:t>
+            </a:r>
+            <a:endParaRPr lang="zh-TW" altLang="en-US" sz="3600" dirty="0"/>
+          </a:p>
+        </p:txBody>
+      </p:sp>
+      <p:sp>
+        <p:nvSpPr>
+          <p:cNvPr id="3" name="內容版面配置區 2"/>
+          <p:cNvSpPr>
+            <a:spLocks noGrp="1"/>
+          </p:cNvSpPr>
+          <p:nvPr>
+            <p:ph idx="1"/>
+          </p:nvPr>
+        </p:nvSpPr>
+        <p:spPr>
+          <a:xfrm>
+            <a:off x="714845" y="1589103"/>
+            <a:ext cx="8229600" cy="3679794"/>
+          </a:xfrm>
+        </p:spPr>
+        <p:txBody>
+          <a:bodyPr>
+            <a:noAutofit/>
+          </a:bodyPr>
+          <a:lstStyle/>
+          <a:p>
+            <a:pPr marL="0" indent="0">
+              <a:buNone/>
+            </a:pPr>
+            <a:r>
+              <a:rPr lang="en-US" altLang="zh-TW" sz="1400" dirty="0"/>
+              <a:t>{  "</a:t>
+            </a:r>
+            <a:r>
+              <a:rPr lang="en-US" altLang="zh-TW" sz="1400" dirty="0" err="1"/>
+              <a:t>resourceType</a:t>
+            </a:r>
+            <a:r>
+              <a:rPr lang="en-US" altLang="zh-TW" sz="1400" dirty="0"/>
+              <a:t>": "Patient",</a:t>
+            </a:r>
+          </a:p>
+          <a:p>
+            <a:pPr marL="0" indent="0">
+              <a:buNone/>
+            </a:pPr>
+            <a:r>
+              <a:rPr lang="en-US" altLang="zh-TW" sz="1400" dirty="0">
+                <a:solidFill>
+                  <a:srgbClr val="FF0000"/>
+                </a:solidFill>
+              </a:rPr>
+              <a:t>  "id": "4987",</a:t>
+            </a:r>
+          </a:p>
+          <a:p>
+            <a:pPr marL="0" indent="0">
+              <a:buNone/>
+            </a:pPr>
+            <a:r>
+              <a:rPr lang="en-US" altLang="zh-TW" sz="1400" dirty="0">
+                <a:solidFill>
+                  <a:srgbClr val="FF0000"/>
+                </a:solidFill>
+              </a:rPr>
+              <a:t>  "meta": {</a:t>
+            </a:r>
+          </a:p>
+          <a:p>
+            <a:pPr marL="0" indent="0">
+              <a:buNone/>
+            </a:pPr>
+            <a:r>
+              <a:rPr lang="en-US" altLang="zh-TW" sz="1400" dirty="0">
+                <a:solidFill>
+                  <a:srgbClr val="FF0000"/>
+                </a:solidFill>
+              </a:rPr>
+              <a:t>    "</a:t>
+            </a:r>
+            <a:r>
+              <a:rPr lang="en-US" altLang="zh-TW" sz="1400" dirty="0" err="1">
+                <a:solidFill>
+                  <a:srgbClr val="FF0000"/>
+                </a:solidFill>
+              </a:rPr>
+              <a:t>versionId</a:t>
+            </a:r>
+            <a:r>
+              <a:rPr lang="en-US" altLang="zh-TW" sz="1400" dirty="0">
+                <a:solidFill>
+                  <a:srgbClr val="FF0000"/>
+                </a:solidFill>
+              </a:rPr>
+              <a:t>": "1",</a:t>
+            </a:r>
+          </a:p>
+          <a:p>
+            <a:pPr marL="0" indent="0">
+              <a:buNone/>
+            </a:pPr>
+            <a:r>
+              <a:rPr lang="en-US" altLang="zh-TW" sz="1400" dirty="0">
+                <a:solidFill>
+                  <a:srgbClr val="FF0000"/>
+                </a:solidFill>
+              </a:rPr>
+              <a:t>    "</a:t>
+            </a:r>
+            <a:r>
+              <a:rPr lang="en-US" altLang="zh-TW" sz="1400" dirty="0" err="1">
+                <a:solidFill>
+                  <a:srgbClr val="FF0000"/>
+                </a:solidFill>
+              </a:rPr>
+              <a:t>lastUpdated</a:t>
+            </a:r>
+            <a:r>
+              <a:rPr lang="en-US" altLang="zh-TW" sz="1400" dirty="0">
+                <a:solidFill>
+                  <a:srgbClr val="FF0000"/>
+                </a:solidFill>
+              </a:rPr>
+              <a:t>": "2020-01-14T02:43:09.000+00:00"</a:t>
+            </a:r>
+          </a:p>
+          <a:p>
+            <a:pPr marL="0" indent="0">
+              <a:buNone/>
+            </a:pPr>
+            <a:r>
+              <a:rPr lang="en-US" altLang="zh-TW" sz="1400" dirty="0">
+                <a:solidFill>
+                  <a:srgbClr val="FF0000"/>
+                </a:solidFill>
+              </a:rPr>
+              <a:t>  },</a:t>
+            </a:r>
+          </a:p>
+          <a:p>
+            <a:pPr marL="0" indent="0">
+              <a:buNone/>
+            </a:pPr>
+            <a:r>
+              <a:rPr lang="en-US" altLang="zh-TW" sz="1400" dirty="0">
+                <a:solidFill>
+                  <a:srgbClr val="FF0000"/>
+                </a:solidFill>
+              </a:rPr>
+              <a:t>  "text": {</a:t>
+            </a:r>
+          </a:p>
+          <a:p>
+            <a:pPr marL="0" indent="0">
+              <a:buNone/>
+            </a:pPr>
+            <a:r>
+              <a:rPr lang="en-US" altLang="zh-TW" sz="1400" dirty="0">
+                <a:solidFill>
+                  <a:srgbClr val="FF0000"/>
+                </a:solidFill>
+              </a:rPr>
+              <a:t>    "status": "generated",</a:t>
+            </a:r>
+          </a:p>
+          <a:p>
+            <a:pPr marL="0" indent="0">
+              <a:buNone/>
+            </a:pPr>
+            <a:r>
+              <a:rPr lang="en-US" altLang="zh-TW" sz="1400" dirty="0">
+                <a:solidFill>
+                  <a:srgbClr val="FF0000"/>
+                </a:solidFill>
+              </a:rPr>
+              <a:t>    "div": "&lt;div </a:t>
+            </a:r>
+            <a:r>
+              <a:rPr lang="en-US" altLang="zh-TW" sz="1400" dirty="0" err="1">
+                <a:solidFill>
+                  <a:srgbClr val="FF0000"/>
+                </a:solidFill>
+              </a:rPr>
+              <a:t>xmlns</a:t>
+            </a:r>
+            <a:r>
+              <a:rPr lang="en-US" altLang="zh-TW" sz="1400" dirty="0">
+                <a:solidFill>
+                  <a:srgbClr val="FF0000"/>
+                </a:solidFill>
+              </a:rPr>
+              <a:t>=\"http://www.w3.org/1999/xhtml\"&gt;&lt;div class=\"</a:t>
+            </a:r>
+            <a:r>
+              <a:rPr lang="en-US" altLang="zh-TW" sz="1400" dirty="0" err="1">
+                <a:solidFill>
+                  <a:srgbClr val="FF0000"/>
+                </a:solidFill>
+              </a:rPr>
+              <a:t>hapiHeaderText</a:t>
+            </a:r>
+            <a:r>
+              <a:rPr lang="en-US" altLang="zh-TW" sz="1400" dirty="0">
+                <a:solidFill>
+                  <a:srgbClr val="FF0000"/>
+                </a:solidFill>
+              </a:rPr>
+              <a:t>\"&gt;</a:t>
+            </a:r>
+            <a:r>
+              <a:rPr lang="zh-TW" altLang="en-US" sz="1400" dirty="0">
+                <a:solidFill>
+                  <a:srgbClr val="FF0000"/>
+                </a:solidFill>
+              </a:rPr>
+              <a:t>林小妹 </a:t>
+            </a:r>
+            <a:r>
+              <a:rPr lang="en-US" altLang="zh-TW" sz="1400" dirty="0">
+                <a:solidFill>
+                  <a:srgbClr val="FF0000"/>
+                </a:solidFill>
+              </a:rPr>
+              <a:t>&lt;b&gt;</a:t>
+            </a:r>
+            <a:r>
+              <a:rPr lang="zh-TW" altLang="en-US" sz="1400" dirty="0">
+                <a:solidFill>
+                  <a:srgbClr val="FF0000"/>
+                </a:solidFill>
+              </a:rPr>
+              <a:t>林 </a:t>
+            </a:r>
+            <a:r>
+              <a:rPr lang="en-US" altLang="zh-TW" sz="1400" dirty="0">
+                <a:solidFill>
+                  <a:srgbClr val="FF0000"/>
+                </a:solidFill>
+              </a:rPr>
+              <a:t>&lt;/b&gt;&lt;/div&gt;&lt;table class=\"</a:t>
+            </a:r>
+            <a:r>
+              <a:rPr lang="en-US" altLang="zh-TW" sz="1400" dirty="0" err="1">
+                <a:solidFill>
+                  <a:srgbClr val="FF0000"/>
+                </a:solidFill>
+              </a:rPr>
+              <a:t>hapiPropertyTable</a:t>
+            </a:r>
+            <a:r>
+              <a:rPr lang="en-US" altLang="zh-TW" sz="1400" dirty="0">
+                <a:solidFill>
+                  <a:srgbClr val="FF0000"/>
+                </a:solidFill>
+              </a:rPr>
+              <a:t>\"&gt;&lt;</a:t>
+            </a:r>
+            <a:r>
+              <a:rPr lang="en-US" altLang="zh-TW" sz="1400" dirty="0" err="1">
+                <a:solidFill>
+                  <a:srgbClr val="FF0000"/>
+                </a:solidFill>
+              </a:rPr>
+              <a:t>tbody</a:t>
+            </a:r>
+            <a:r>
+              <a:rPr lang="en-US" altLang="zh-TW" sz="1400" dirty="0">
+                <a:solidFill>
+                  <a:srgbClr val="FF0000"/>
+                </a:solidFill>
+              </a:rPr>
+              <a:t>&gt;&lt;</a:t>
+            </a:r>
+            <a:r>
+              <a:rPr lang="en-US" altLang="zh-TW" sz="1400" dirty="0" err="1">
+                <a:solidFill>
+                  <a:srgbClr val="FF0000"/>
+                </a:solidFill>
+              </a:rPr>
+              <a:t>tr</a:t>
+            </a:r>
+            <a:r>
+              <a:rPr lang="en-US" altLang="zh-TW" sz="1400" dirty="0">
+                <a:solidFill>
+                  <a:srgbClr val="FF0000"/>
+                </a:solidFill>
+              </a:rPr>
+              <a:t>&gt;&lt;td&gt;Identifier&lt;/td&gt;&lt;td&gt;U12341111111111&lt;/td&gt;&lt;/</a:t>
+            </a:r>
+            <a:r>
+              <a:rPr lang="en-US" altLang="zh-TW" sz="1400" dirty="0" err="1">
+                <a:solidFill>
+                  <a:srgbClr val="FF0000"/>
+                </a:solidFill>
+              </a:rPr>
+              <a:t>tr</a:t>
+            </a:r>
+            <a:r>
+              <a:rPr lang="en-US" altLang="zh-TW" sz="1400" dirty="0">
+                <a:solidFill>
+                  <a:srgbClr val="FF0000"/>
+                </a:solidFill>
+              </a:rPr>
+              <a:t>&gt;&lt;</a:t>
+            </a:r>
+            <a:r>
+              <a:rPr lang="en-US" altLang="zh-TW" sz="1400" dirty="0" err="1">
+                <a:solidFill>
+                  <a:srgbClr val="FF0000"/>
+                </a:solidFill>
+              </a:rPr>
+              <a:t>tr</a:t>
+            </a:r>
+            <a:r>
+              <a:rPr lang="en-US" altLang="zh-TW" sz="1400" dirty="0">
+                <a:solidFill>
+                  <a:srgbClr val="FF0000"/>
+                </a:solidFill>
+              </a:rPr>
+              <a:t>&gt;&lt;td&gt;Date of birth&lt;/td&gt;&lt;td&gt;&lt;span&gt;21 January 1973&lt;/span&gt;&lt;/td&gt;&lt;/</a:t>
+            </a:r>
+            <a:r>
+              <a:rPr lang="en-US" altLang="zh-TW" sz="1400" dirty="0" err="1">
+                <a:solidFill>
+                  <a:srgbClr val="FF0000"/>
+                </a:solidFill>
+              </a:rPr>
+              <a:t>tr</a:t>
+            </a:r>
+            <a:r>
+              <a:rPr lang="en-US" altLang="zh-TW" sz="1400" dirty="0">
+                <a:solidFill>
+                  <a:srgbClr val="FF0000"/>
+                </a:solidFill>
+              </a:rPr>
+              <a:t>&gt;&lt;/</a:t>
+            </a:r>
+            <a:r>
+              <a:rPr lang="en-US" altLang="zh-TW" sz="1400" dirty="0" err="1">
+                <a:solidFill>
+                  <a:srgbClr val="FF0000"/>
+                </a:solidFill>
+              </a:rPr>
+              <a:t>tbody</a:t>
+            </a:r>
+            <a:r>
+              <a:rPr lang="en-US" altLang="zh-TW" sz="1400" dirty="0">
+                <a:solidFill>
+                  <a:srgbClr val="FF0000"/>
+                </a:solidFill>
+              </a:rPr>
+              <a:t>&gt;&lt;/table&gt;&lt;/div&gt;"</a:t>
+            </a:r>
+          </a:p>
+          <a:p>
+            <a:pPr marL="0" indent="0">
+              <a:buNone/>
+            </a:pPr>
+            <a:r>
+              <a:rPr lang="en-US" altLang="zh-TW" sz="1400" dirty="0">
+                <a:solidFill>
+                  <a:srgbClr val="FF0000"/>
+                </a:solidFill>
+              </a:rPr>
+              <a:t>  },</a:t>
+            </a:r>
+          </a:p>
+          <a:p>
+            <a:pPr marL="0" indent="0">
+              <a:buNone/>
+            </a:pPr>
+            <a:r>
+              <a:rPr lang="en-US" altLang="zh-TW" sz="1400" dirty="0"/>
+              <a:t>  "identifier": [</a:t>
+            </a:r>
+          </a:p>
+          <a:p>
+            <a:pPr marL="0" indent="0">
+              <a:buNone/>
+            </a:pPr>
+            <a:r>
+              <a:rPr lang="en-US" altLang="zh-TW" sz="1400" dirty="0"/>
+              <a:t>    {</a:t>
+            </a:r>
+          </a:p>
+          <a:p>
+            <a:pPr marL="0" indent="0">
+              <a:buNone/>
+            </a:pPr>
+            <a:r>
+              <a:rPr lang="en-US" altLang="zh-TW" sz="1400" dirty="0"/>
+              <a:t>      "system": "</a:t>
+            </a:r>
+            <a:r>
+              <a:rPr lang="zh-TW" altLang="en-US" sz="1400" dirty="0"/>
+              <a:t>身分證字號</a:t>
+            </a:r>
+            <a:r>
+              <a:rPr lang="en-US" altLang="zh-TW" sz="1400" dirty="0"/>
+              <a:t>",</a:t>
+            </a:r>
+          </a:p>
+          <a:p>
+            <a:pPr marL="0" indent="0">
+              <a:buNone/>
+            </a:pPr>
+            <a:r>
+              <a:rPr lang="en-US" altLang="zh-TW" sz="1400" dirty="0"/>
+              <a:t>      "value": "U12341111111111"</a:t>
+            </a:r>
+          </a:p>
+          <a:p>
+            <a:pPr marL="0" indent="0">
+              <a:buNone/>
+            </a:pPr>
+            <a:r>
+              <a:rPr lang="en-US" altLang="zh-TW" sz="1400" dirty="0"/>
+              <a:t>    }</a:t>
+            </a:r>
+          </a:p>
+          <a:p>
+            <a:pPr marL="0" indent="0">
+              <a:buNone/>
+            </a:pPr>
+            <a:r>
+              <a:rPr lang="en-US" altLang="zh-TW" sz="1400" dirty="0"/>
+              <a:t>  ],</a:t>
+            </a:r>
+          </a:p>
+          <a:p>
+            <a:pPr marL="0" indent="0">
+              <a:buNone/>
+            </a:pPr>
+            <a:r>
+              <a:rPr lang="en-US" altLang="zh-TW" sz="1400" dirty="0"/>
+              <a:t>  "name": [</a:t>
+            </a:r>
+          </a:p>
+          <a:p>
+            <a:pPr marL="0" indent="0">
+              <a:buNone/>
+            </a:pPr>
+            <a:r>
+              <a:rPr lang="en-US" altLang="zh-TW" sz="1400" dirty="0"/>
+              <a:t>    {</a:t>
+            </a:r>
+          </a:p>
+          <a:p>
+            <a:pPr marL="0" indent="0">
+              <a:buNone/>
+            </a:pPr>
+            <a:r>
+              <a:rPr lang="en-US" altLang="zh-TW" sz="1400" dirty="0"/>
+              <a:t>      "text": "</a:t>
+            </a:r>
+            <a:r>
+              <a:rPr lang="zh-TW" altLang="en-US" sz="1400" dirty="0"/>
+              <a:t>林小妹</a:t>
+            </a:r>
+            <a:r>
+              <a:rPr lang="en-US" altLang="zh-TW" sz="1400" dirty="0"/>
+              <a:t>",</a:t>
+            </a:r>
+          </a:p>
+          <a:p>
+            <a:pPr marL="0" indent="0">
+              <a:buNone/>
+            </a:pPr>
+            <a:r>
+              <a:rPr lang="en-US" altLang="zh-TW" sz="1400" dirty="0"/>
+              <a:t>      "family": "</a:t>
+            </a:r>
+            <a:r>
+              <a:rPr lang="zh-TW" altLang="en-US" sz="1400" dirty="0"/>
+              <a:t>林</a:t>
+            </a:r>
+            <a:r>
+              <a:rPr lang="en-US" altLang="zh-TW" sz="1400" dirty="0"/>
+              <a:t>",</a:t>
+            </a:r>
+          </a:p>
+          <a:p>
+            <a:pPr marL="0" indent="0">
+              <a:buNone/>
+            </a:pPr>
+            <a:r>
+              <a:rPr lang="en-US" altLang="zh-TW" sz="1400" dirty="0"/>
+              <a:t>      "given": [</a:t>
+            </a:r>
+          </a:p>
+          <a:p>
+            <a:pPr marL="0" indent="0">
+              <a:buNone/>
+            </a:pPr>
+            <a:r>
+              <a:rPr lang="en-US" altLang="zh-TW" sz="1400" dirty="0"/>
+              <a:t>        "</a:t>
+            </a:r>
+            <a:r>
+              <a:rPr lang="zh-TW" altLang="en-US" sz="1400" dirty="0"/>
+              <a:t>林小妹</a:t>
+            </a:r>
+            <a:r>
+              <a:rPr lang="en-US" altLang="zh-TW" sz="1400" dirty="0"/>
+              <a:t>"</a:t>
+            </a:r>
+          </a:p>
+          <a:p>
+            <a:pPr marL="0" indent="0">
+              <a:buNone/>
+            </a:pPr>
+            <a:r>
+              <a:rPr lang="en-US" altLang="zh-TW" sz="1400" dirty="0"/>
+              <a:t>      ]</a:t>
+            </a:r>
+          </a:p>
+          <a:p>
+            <a:pPr marL="0" indent="0">
+              <a:buNone/>
+            </a:pPr>
+            <a:r>
+              <a:rPr lang="en-US" altLang="zh-TW" sz="1400" dirty="0"/>
+              <a:t>    }</a:t>
+            </a:r>
+          </a:p>
+          <a:p>
+            <a:pPr marL="0" indent="0">
+              <a:buNone/>
+            </a:pPr>
+            <a:r>
+              <a:rPr lang="en-US" altLang="zh-TW" sz="1400" dirty="0"/>
+              <a:t>  ],</a:t>
+            </a:r>
+          </a:p>
+          <a:p>
+            <a:pPr marL="0" indent="0">
+              <a:buNone/>
+            </a:pPr>
+            <a:r>
+              <a:rPr lang="en-US" altLang="zh-TW" sz="1400" dirty="0"/>
+              <a:t>  "gender": "female",</a:t>
+            </a:r>
+          </a:p>
+          <a:p>
+            <a:pPr marL="0" indent="0">
+              <a:buNone/>
+            </a:pPr>
+            <a:r>
+              <a:rPr lang="en-US" altLang="zh-TW" sz="1400" dirty="0"/>
+              <a:t>  "</a:t>
+            </a:r>
+            <a:r>
+              <a:rPr lang="en-US" altLang="zh-TW" sz="1400" dirty="0" err="1"/>
+              <a:t>birthDate</a:t>
+            </a:r>
+            <a:r>
+              <a:rPr lang="en-US" altLang="zh-TW" sz="1400" dirty="0"/>
+              <a:t>": "1973-01-21",</a:t>
+            </a:r>
+          </a:p>
+          <a:p>
+            <a:pPr marL="0" indent="0">
+              <a:buNone/>
+            </a:pPr>
+            <a:r>
+              <a:rPr lang="en-US" altLang="zh-TW" sz="1400" dirty="0"/>
+              <a:t>  "</a:t>
+            </a:r>
+            <a:r>
+              <a:rPr lang="en-US" altLang="zh-TW" sz="1400" dirty="0" err="1"/>
+              <a:t>managingOrganization</a:t>
+            </a:r>
+            <a:r>
+              <a:rPr lang="en-US" altLang="zh-TW" sz="1400" dirty="0"/>
+              <a:t>": {</a:t>
+            </a:r>
+          </a:p>
+          <a:p>
+            <a:pPr marL="0" indent="0">
+              <a:buNone/>
+            </a:pPr>
+            <a:r>
+              <a:rPr lang="en-US" altLang="zh-TW" sz="1400" dirty="0"/>
+              <a:t>    "reference": "Organization/4"</a:t>
+            </a:r>
+          </a:p>
+          <a:p>
+            <a:pPr marL="0" indent="0">
+              <a:buNone/>
+            </a:pPr>
+            <a:r>
+              <a:rPr lang="en-US" altLang="zh-TW" sz="1400" dirty="0"/>
+              <a:t>  }</a:t>
+            </a:r>
+          </a:p>
+          <a:p>
+            <a:pPr marL="0" indent="0">
+              <a:buNone/>
+            </a:pPr>
+            <a:r>
+              <a:rPr lang="en-US" altLang="zh-TW" sz="1400" dirty="0"/>
+              <a:t>}</a:t>
+            </a:r>
+            <a:endParaRPr lang="zh-TW" altLang="en-US" sz="1400" dirty="0"/>
+          </a:p>
+        </p:txBody>
+      </p:sp>
+      <p:sp>
+        <p:nvSpPr>
+          <p:cNvPr id="4" name="文字方塊 3"/>
+          <p:cNvSpPr txBox="1"/>
+          <p:nvPr/>
+        </p:nvSpPr>
+        <p:spPr>
+          <a:xfrm>
+            <a:off x="675861" y="958334"/>
+            <a:ext cx="8637104" cy="369332"/>
+          </a:xfrm>
+          <a:prstGeom prst="rect">
+            <a:avLst/>
+          </a:prstGeom>
+          <a:noFill/>
+        </p:spPr>
+        <p:txBody>
+          <a:bodyPr wrap="square" rtlCol="0">
+            <a:spAutoFit/>
+          </a:bodyPr>
+          <a:lstStyle/>
+          <a:p>
+            <a:r>
+              <a:rPr lang="zh-TW" altLang="en-US" dirty="0"/>
+              <a:t>伺服器端連結</a:t>
+            </a:r>
+            <a:r>
+              <a:rPr lang="en-US" altLang="zh-TW" dirty="0"/>
+              <a:t>:</a:t>
+            </a:r>
+            <a:r>
+              <a:rPr lang="zh-TW" altLang="en-US" dirty="0"/>
+              <a:t>  </a:t>
+            </a:r>
+            <a:r>
+              <a:rPr lang="en-US" altLang="zh-TW" dirty="0"/>
+              <a:t>https://hapi.fhir.tw/fhir/Patient/4987</a:t>
+            </a:r>
+            <a:endParaRPr lang="zh-TW" altLang="en-US" dirty="0"/>
+          </a:p>
+        </p:txBody>
+      </p:sp>
+    </p:spTree>
+    <p:extLst>
+      <p:ext uri="{BB962C8B-B14F-4D97-AF65-F5344CB8AC3E}">
+        <p14:creationId xmlns:p14="http://schemas.microsoft.com/office/powerpoint/2010/main" val="4143885179"/>
+      </p:ext>
+    </p:extLst>
+  </p:cSld>
+  <p:clrMapOvr>
+    <a:masterClrMapping/>
+  </p:clrMapOvr>
+</p:sld>
+</file>
+
+<file path=ppt/slides/slide15.xml><?xml version="1.0" encoding="utf-8"?>
+<p:sld xmlns:a="http://schemas.openxmlformats.org/drawingml/2006/main" xmlns:r="http://schemas.openxmlformats.org/officeDocument/2006/relationships" xmlns:p="http://schemas.openxmlformats.org/presentationml/2006/main">
+  <p:cSld>
+    <p:spTree>
+      <p:nvGrpSpPr>
+        <p:cNvPr id="1" name=""/>
+        <p:cNvGrpSpPr/>
+        <p:nvPr/>
+      </p:nvGrpSpPr>
+      <p:grpSpPr>
+        <a:xfrm>
+          <a:off x="0" y="0"/>
+          <a:ext cx="0" cy="0"/>
+          <a:chOff x="0" y="0"/>
+          <a:chExt cx="0" cy="0"/>
+        </a:xfrm>
+      </p:grpSpPr>
+      <p:sp>
+        <p:nvSpPr>
+          <p:cNvPr id="2" name="標題 1"/>
+          <p:cNvSpPr>
+            <a:spLocks noGrp="1"/>
+          </p:cNvSpPr>
+          <p:nvPr>
+            <p:ph type="title"/>
+          </p:nvPr>
+        </p:nvSpPr>
+        <p:spPr>
+          <a:xfrm>
+            <a:off x="1004672" y="90178"/>
+            <a:ext cx="6826315" cy="857250"/>
+          </a:xfrm>
+        </p:spPr>
+        <p:txBody>
+          <a:bodyPr>
+            <a:noAutofit/>
+          </a:bodyPr>
+          <a:lstStyle/>
+          <a:p>
+            <a:pPr algn="ctr"/>
+            <a:r>
+              <a:rPr lang="zh-TW" altLang="en-US" sz="3600" b="1" dirty="0">
+                <a:latin typeface="+mn-ea"/>
+                <a:ea typeface="+mn-ea"/>
+              </a:rPr>
+              <a:t>人員組織 </a:t>
+            </a:r>
+            <a:r>
+              <a:rPr lang="en-US" altLang="zh-TW" sz="3600" b="1" dirty="0">
+                <a:latin typeface="+mn-ea"/>
+                <a:ea typeface="+mn-ea"/>
+              </a:rPr>
+              <a:t>resources</a:t>
+            </a:r>
+            <a:endParaRPr lang="zh-TW" altLang="en-US" sz="3600" b="1" dirty="0">
+              <a:latin typeface="+mn-ea"/>
+              <a:ea typeface="+mn-ea"/>
+            </a:endParaRPr>
+          </a:p>
+        </p:txBody>
+      </p:sp>
+      <p:sp>
+        <p:nvSpPr>
+          <p:cNvPr id="3" name="內容版面配置區 2"/>
+          <p:cNvSpPr>
+            <a:spLocks noGrp="1"/>
+          </p:cNvSpPr>
+          <p:nvPr>
+            <p:ph idx="1"/>
+          </p:nvPr>
+        </p:nvSpPr>
+        <p:spPr>
+          <a:xfrm>
+            <a:off x="533165" y="1483415"/>
+            <a:ext cx="8079092" cy="3246350"/>
+          </a:xfrm>
+        </p:spPr>
+        <p:txBody>
+          <a:bodyPr>
+            <a:noAutofit/>
+          </a:bodyPr>
+          <a:lstStyle/>
+          <a:p>
+            <a:r>
+              <a:rPr lang="en-US" altLang="zh-TW" sz="2500" b="1" dirty="0">
+                <a:latin typeface="+mn-ea"/>
+              </a:rPr>
+              <a:t>Organization </a:t>
+            </a:r>
+            <a:r>
+              <a:rPr lang="zh-TW" altLang="en-US" sz="2500" b="1" dirty="0">
+                <a:latin typeface="+mn-ea"/>
+              </a:rPr>
+              <a:t>組織</a:t>
+            </a:r>
+          </a:p>
+          <a:p>
+            <a:r>
+              <a:rPr lang="en-US" altLang="zh-TW" sz="2500" b="1" dirty="0">
+                <a:latin typeface="+mn-ea"/>
+              </a:rPr>
+              <a:t>Patient </a:t>
+            </a:r>
+            <a:r>
+              <a:rPr lang="zh-TW" altLang="en-US" sz="2500" b="1" dirty="0">
+                <a:latin typeface="+mn-ea"/>
+              </a:rPr>
+              <a:t>病人基本資料 </a:t>
+            </a:r>
+            <a:r>
+              <a:rPr lang="en-US" altLang="zh-TW" sz="2500" b="1" dirty="0">
+                <a:latin typeface="+mn-ea"/>
+              </a:rPr>
+              <a:t>(</a:t>
+            </a:r>
+            <a:r>
+              <a:rPr lang="zh-TW" altLang="en-US" sz="2500" b="1" dirty="0">
+                <a:latin typeface="+mn-ea"/>
+              </a:rPr>
+              <a:t>不含帳號</a:t>
+            </a:r>
+            <a:r>
+              <a:rPr lang="en-US" altLang="zh-TW" sz="2500" b="1" dirty="0">
+                <a:latin typeface="+mn-ea"/>
+              </a:rPr>
+              <a:t>)</a:t>
+            </a:r>
+            <a:endParaRPr lang="en-US" altLang="zh-TW" sz="2500" dirty="0">
+              <a:latin typeface="+mn-ea"/>
+            </a:endParaRPr>
+          </a:p>
+          <a:p>
+            <a:r>
+              <a:rPr lang="en-US" altLang="zh-TW" sz="2500" dirty="0">
+                <a:latin typeface="+mn-ea"/>
+              </a:rPr>
+              <a:t>Practitioner</a:t>
+            </a:r>
+            <a:r>
+              <a:rPr lang="zh-TW" altLang="en-US" sz="2500" dirty="0">
+                <a:latin typeface="+mn-ea"/>
+              </a:rPr>
+              <a:t> 醫護從業人員</a:t>
+            </a:r>
+            <a:endParaRPr lang="en-US" altLang="zh-TW" sz="2500" dirty="0">
+              <a:latin typeface="+mn-ea"/>
+            </a:endParaRPr>
+          </a:p>
+          <a:p>
+            <a:r>
+              <a:rPr lang="en-US" altLang="zh-TW" sz="2500" dirty="0" err="1">
+                <a:latin typeface="+mn-ea"/>
+              </a:rPr>
+              <a:t>PractitionerRole</a:t>
+            </a:r>
+            <a:r>
+              <a:rPr lang="en-US" altLang="zh-TW" sz="2500" dirty="0">
+                <a:latin typeface="+mn-ea"/>
+              </a:rPr>
+              <a:t>:</a:t>
+            </a:r>
+            <a:r>
+              <a:rPr lang="zh-TW" altLang="en-US" sz="2500" dirty="0">
+                <a:latin typeface="+mn-ea"/>
+              </a:rPr>
+              <a:t>某組織、某醫療情境之工作參與人員</a:t>
+            </a:r>
+            <a:endParaRPr lang="en-US" altLang="zh-TW" sz="2500" dirty="0">
+              <a:latin typeface="+mn-ea"/>
+            </a:endParaRPr>
+          </a:p>
+        </p:txBody>
+      </p:sp>
+    </p:spTree>
+    <p:extLst>
+      <p:ext uri="{BB962C8B-B14F-4D97-AF65-F5344CB8AC3E}">
+        <p14:creationId xmlns:p14="http://schemas.microsoft.com/office/powerpoint/2010/main" val="3231089330"/>
+      </p:ext>
+    </p:extLst>
+  </p:cSld>
+  <p:clrMapOvr>
+    <a:masterClrMapping/>
+  </p:clrMapOvr>
+</p:sld>
+</file>
+
+<file path=ppt/slides/slide16.xml><?xml version="1.0" encoding="utf-8"?>
+<p:sld xmlns:a="http://schemas.openxmlformats.org/drawingml/2006/main" xmlns:r="http://schemas.openxmlformats.org/officeDocument/2006/relationships" xmlns:p="http://schemas.openxmlformats.org/presentationml/2006/main">
+  <p:cSld>
+    <p:spTree>
+      <p:nvGrpSpPr>
+        <p:cNvPr id="1" name=""/>
+        <p:cNvGrpSpPr/>
+        <p:nvPr/>
+      </p:nvGrpSpPr>
+      <p:grpSpPr>
+        <a:xfrm>
+          <a:off x="0" y="0"/>
+          <a:ext cx="0" cy="0"/>
+          <a:chOff x="0" y="0"/>
+          <a:chExt cx="0" cy="0"/>
+        </a:xfrm>
+      </p:grpSpPr>
+      <p:sp>
+        <p:nvSpPr>
+          <p:cNvPr id="2" name="標題 1">
+            <a:extLst>
+              <a:ext uri="{FF2B5EF4-FFF2-40B4-BE49-F238E27FC236}">
+                <a16:creationId xmlns:a16="http://schemas.microsoft.com/office/drawing/2014/main" id="{27991326-D1A3-42F3-944E-4C7369F636A1}"/>
+              </a:ext>
+            </a:extLst>
+          </p:cNvPr>
+          <p:cNvSpPr>
+            <a:spLocks noGrp="1"/>
+          </p:cNvSpPr>
+          <p:nvPr>
+            <p:ph type="title"/>
+          </p:nvPr>
+        </p:nvSpPr>
+        <p:spPr/>
+        <p:txBody>
+          <a:bodyPr/>
+          <a:lstStyle/>
+          <a:p>
+            <a:r>
+              <a:rPr lang="en-US" altLang="zh-TW" dirty="0"/>
+              <a:t>Patient Organization Relation</a:t>
+            </a:r>
+            <a:endParaRPr lang="zh-TW" altLang="en-US" dirty="0"/>
+          </a:p>
+        </p:txBody>
+      </p:sp>
+      <p:sp>
+        <p:nvSpPr>
+          <p:cNvPr id="5" name="文字方塊 4">
+            <a:extLst>
+              <a:ext uri="{FF2B5EF4-FFF2-40B4-BE49-F238E27FC236}">
+                <a16:creationId xmlns:a16="http://schemas.microsoft.com/office/drawing/2014/main" id="{A8159D74-458B-4DC5-8667-50D16E47017C}"/>
+              </a:ext>
+            </a:extLst>
+          </p:cNvPr>
+          <p:cNvSpPr txBox="1"/>
+          <p:nvPr/>
+        </p:nvSpPr>
+        <p:spPr>
+          <a:xfrm>
+            <a:off x="355084" y="3198783"/>
+            <a:ext cx="1692377" cy="507831"/>
+          </a:xfrm>
+          <a:prstGeom prst="rect">
+            <a:avLst/>
+          </a:prstGeom>
+          <a:noFill/>
+        </p:spPr>
+        <p:txBody>
+          <a:bodyPr wrap="square" rtlCol="0">
+            <a:spAutoFit/>
+          </a:bodyPr>
+          <a:lstStyle/>
+          <a:p>
+            <a:pPr algn="ctr"/>
+            <a:r>
+              <a:rPr lang="en-US" altLang="zh-TW" sz="2700" dirty="0"/>
+              <a:t>Patient</a:t>
+            </a:r>
+            <a:endParaRPr lang="zh-TW" altLang="en-US" sz="2700" dirty="0"/>
+          </a:p>
+        </p:txBody>
+      </p:sp>
+      <p:sp>
+        <p:nvSpPr>
+          <p:cNvPr id="7" name="文字方塊 6">
+            <a:extLst>
+              <a:ext uri="{FF2B5EF4-FFF2-40B4-BE49-F238E27FC236}">
+                <a16:creationId xmlns:a16="http://schemas.microsoft.com/office/drawing/2014/main" id="{84B6E350-666E-47E2-BF46-5921C478A230}"/>
+              </a:ext>
+            </a:extLst>
+          </p:cNvPr>
+          <p:cNvSpPr txBox="1"/>
+          <p:nvPr/>
+        </p:nvSpPr>
+        <p:spPr>
+          <a:xfrm>
+            <a:off x="1753361" y="2883613"/>
+            <a:ext cx="5360157" cy="507831"/>
+          </a:xfrm>
+          <a:prstGeom prst="rect">
+            <a:avLst/>
+          </a:prstGeom>
+          <a:noFill/>
+        </p:spPr>
+        <p:txBody>
+          <a:bodyPr wrap="square" rtlCol="0">
+            <a:spAutoFit/>
+          </a:bodyPr>
+          <a:lstStyle/>
+          <a:p>
+            <a:pPr algn="ctr"/>
+            <a:r>
+              <a:rPr lang="en-US" altLang="zh-TW" sz="2700" b="1" dirty="0" err="1">
+                <a:solidFill>
+                  <a:srgbClr val="FF0000"/>
+                </a:solidFill>
+              </a:rPr>
+              <a:t>managingOrganization</a:t>
+            </a:r>
+            <a:r>
+              <a:rPr lang="zh-TW" altLang="en-US" sz="2700" b="1" dirty="0">
+                <a:solidFill>
+                  <a:srgbClr val="FF0000"/>
+                </a:solidFill>
+              </a:rPr>
+              <a:t> </a:t>
+            </a:r>
+            <a:r>
+              <a:rPr lang="en-US" altLang="zh-TW" sz="2700" b="1" dirty="0">
+                <a:solidFill>
+                  <a:srgbClr val="FF0000"/>
+                </a:solidFill>
+              </a:rPr>
+              <a:t>reference to </a:t>
+            </a:r>
+          </a:p>
+        </p:txBody>
+      </p:sp>
+      <p:sp>
+        <p:nvSpPr>
+          <p:cNvPr id="14" name="文字方塊 13">
+            <a:extLst>
+              <a:ext uri="{FF2B5EF4-FFF2-40B4-BE49-F238E27FC236}">
+                <a16:creationId xmlns:a16="http://schemas.microsoft.com/office/drawing/2014/main" id="{3948008A-F023-439D-A02A-9E6A49034CAC}"/>
+              </a:ext>
+            </a:extLst>
+          </p:cNvPr>
+          <p:cNvSpPr txBox="1"/>
+          <p:nvPr/>
+        </p:nvSpPr>
+        <p:spPr>
+          <a:xfrm>
+            <a:off x="3042776" y="2411863"/>
+            <a:ext cx="3269894" cy="369332"/>
+          </a:xfrm>
+          <a:prstGeom prst="rect">
+            <a:avLst/>
+          </a:prstGeom>
+          <a:noFill/>
+        </p:spPr>
+        <p:txBody>
+          <a:bodyPr wrap="square" rtlCol="0">
+            <a:spAutoFit/>
+          </a:bodyPr>
+          <a:lstStyle/>
+          <a:p>
+            <a:r>
+              <a:rPr lang="zh-TW" altLang="en-US" b="1" dirty="0"/>
+              <a:t>病人資料保管組織</a:t>
+            </a:r>
+            <a:r>
+              <a:rPr lang="en-US" altLang="zh-TW" b="1" dirty="0"/>
+              <a:t>(</a:t>
+            </a:r>
+            <a:r>
+              <a:rPr lang="zh-TW" altLang="en-US" b="1" dirty="0"/>
+              <a:t>醫院</a:t>
+            </a:r>
+            <a:r>
+              <a:rPr lang="en-US" altLang="zh-TW" b="1" dirty="0"/>
+              <a:t>)</a:t>
+            </a:r>
+            <a:endParaRPr lang="zh-TW" altLang="en-US" b="1" dirty="0"/>
+          </a:p>
+        </p:txBody>
+      </p:sp>
+      <p:sp>
+        <p:nvSpPr>
+          <p:cNvPr id="15" name="文字方塊 14">
+            <a:extLst>
+              <a:ext uri="{FF2B5EF4-FFF2-40B4-BE49-F238E27FC236}">
+                <a16:creationId xmlns:a16="http://schemas.microsoft.com/office/drawing/2014/main" id="{E67EADB5-471F-4EA3-B466-EA9EF6D142CF}"/>
+              </a:ext>
+            </a:extLst>
+          </p:cNvPr>
+          <p:cNvSpPr txBox="1"/>
+          <p:nvPr/>
+        </p:nvSpPr>
+        <p:spPr>
+          <a:xfrm>
+            <a:off x="1458245" y="4488339"/>
+            <a:ext cx="3113755" cy="646331"/>
+          </a:xfrm>
+          <a:prstGeom prst="rect">
+            <a:avLst/>
+          </a:prstGeom>
+          <a:noFill/>
+        </p:spPr>
+        <p:txBody>
+          <a:bodyPr wrap="square" rtlCol="0">
+            <a:spAutoFit/>
+          </a:bodyPr>
+          <a:lstStyle/>
+          <a:p>
+            <a:r>
+              <a:rPr lang="zh-TW" altLang="en-US" b="1" dirty="0"/>
+              <a:t>先有組織</a:t>
+            </a:r>
+            <a:endParaRPr lang="en-US" altLang="zh-TW" b="1" dirty="0"/>
+          </a:p>
+          <a:p>
+            <a:r>
+              <a:rPr lang="zh-TW" altLang="en-US" b="1" dirty="0"/>
+              <a:t>再新增病人</a:t>
+            </a:r>
+          </a:p>
+        </p:txBody>
+      </p:sp>
+      <p:cxnSp>
+        <p:nvCxnSpPr>
+          <p:cNvPr id="17" name="直線單箭頭接點 16">
+            <a:extLst>
+              <a:ext uri="{FF2B5EF4-FFF2-40B4-BE49-F238E27FC236}">
+                <a16:creationId xmlns:a16="http://schemas.microsoft.com/office/drawing/2014/main" id="{2CA637E0-2FD1-40D2-AB10-E577A1B8F95F}"/>
+              </a:ext>
+            </a:extLst>
+          </p:cNvPr>
+          <p:cNvCxnSpPr/>
+          <p:nvPr/>
+        </p:nvCxnSpPr>
+        <p:spPr>
+          <a:xfrm flipV="1">
+            <a:off x="1918252" y="3528391"/>
+            <a:ext cx="4800600" cy="1"/>
+          </a:xfrm>
+          <a:prstGeom prst="straightConnector1">
+            <a:avLst/>
+          </a:prstGeom>
+          <a:ln>
+            <a:tailEnd type="triangle"/>
+          </a:ln>
+        </p:spPr>
+        <p:style>
+          <a:lnRef idx="1">
+            <a:schemeClr val="accent1"/>
+          </a:lnRef>
+          <a:fillRef idx="0">
+            <a:schemeClr val="accent1"/>
+          </a:fillRef>
+          <a:effectRef idx="0">
+            <a:schemeClr val="accent1"/>
+          </a:effectRef>
+          <a:fontRef idx="minor">
+            <a:schemeClr val="tx1"/>
+          </a:fontRef>
+        </p:style>
+      </p:cxnSp>
+      <p:sp>
+        <p:nvSpPr>
+          <p:cNvPr id="16" name="文字方塊 15">
+            <a:extLst>
+              <a:ext uri="{FF2B5EF4-FFF2-40B4-BE49-F238E27FC236}">
+                <a16:creationId xmlns:a16="http://schemas.microsoft.com/office/drawing/2014/main" id="{A8159D74-458B-4DC5-8667-50D16E47017C}"/>
+              </a:ext>
+            </a:extLst>
+          </p:cNvPr>
+          <p:cNvSpPr txBox="1"/>
+          <p:nvPr/>
+        </p:nvSpPr>
+        <p:spPr>
+          <a:xfrm>
+            <a:off x="6819417" y="3274475"/>
+            <a:ext cx="2229438" cy="507831"/>
+          </a:xfrm>
+          <a:prstGeom prst="rect">
+            <a:avLst/>
+          </a:prstGeom>
+          <a:noFill/>
+        </p:spPr>
+        <p:txBody>
+          <a:bodyPr wrap="square" rtlCol="0">
+            <a:spAutoFit/>
+          </a:bodyPr>
+          <a:lstStyle/>
+          <a:p>
+            <a:pPr algn="ctr"/>
+            <a:r>
+              <a:rPr lang="en-US" altLang="zh-TW" sz="2700" dirty="0"/>
+              <a:t>Organization</a:t>
+            </a:r>
+            <a:endParaRPr lang="zh-TW" altLang="en-US" sz="2700" dirty="0"/>
+          </a:p>
+        </p:txBody>
+      </p:sp>
+    </p:spTree>
+    <p:extLst>
+      <p:ext uri="{BB962C8B-B14F-4D97-AF65-F5344CB8AC3E}">
+        <p14:creationId xmlns:p14="http://schemas.microsoft.com/office/powerpoint/2010/main" val="704609752"/>
+      </p:ext>
+    </p:extLst>
+  </p:cSld>
+  <p:clrMapOvr>
+    <a:masterClrMapping/>
+  </p:clrMapOvr>
+</p:sld>
+</file>
+
+<file path=ppt/slides/slide17.xml><?xml version="1.0" encoding="utf-8"?>
+<p:sld xmlns:a="http://schemas.openxmlformats.org/drawingml/2006/main" xmlns:r="http://schemas.openxmlformats.org/officeDocument/2006/relationships" xmlns:p="http://schemas.openxmlformats.org/presentationml/2006/main">
+  <p:cSld>
+    <p:spTree>
+      <p:nvGrpSpPr>
+        <p:cNvPr id="1" name=""/>
+        <p:cNvGrpSpPr/>
+        <p:nvPr/>
+      </p:nvGrpSpPr>
+      <p:grpSpPr>
+        <a:xfrm>
+          <a:off x="0" y="0"/>
+          <a:ext cx="0" cy="0"/>
+          <a:chOff x="0" y="0"/>
+          <a:chExt cx="0" cy="0"/>
+        </a:xfrm>
+      </p:grpSpPr>
+      <p:sp>
+        <p:nvSpPr>
+          <p:cNvPr id="2" name="標題 1"/>
+          <p:cNvSpPr>
+            <a:spLocks noGrp="1"/>
+          </p:cNvSpPr>
+          <p:nvPr>
+            <p:ph type="title"/>
+          </p:nvPr>
+        </p:nvSpPr>
+        <p:spPr/>
+        <p:txBody>
+          <a:bodyPr>
+            <a:normAutofit fontScale="90000"/>
+          </a:bodyPr>
+          <a:lstStyle/>
+          <a:p>
+            <a:r>
+              <a:rPr lang="zh-TW" altLang="en-US" dirty="0"/>
+              <a:t>新增及查詢人員組織</a:t>
+            </a:r>
+            <a:br>
+              <a:rPr lang="en-US" altLang="zh-TW" dirty="0"/>
+            </a:br>
+            <a:r>
+              <a:rPr lang="zh-TW" altLang="en-US" dirty="0"/>
+              <a:t>應用情境</a:t>
+            </a:r>
+          </a:p>
+        </p:txBody>
+      </p:sp>
+      <p:sp>
+        <p:nvSpPr>
+          <p:cNvPr id="3" name="內容版面配置區 2"/>
+          <p:cNvSpPr>
+            <a:spLocks noGrp="1"/>
+          </p:cNvSpPr>
+          <p:nvPr>
+            <p:ph idx="1"/>
+          </p:nvPr>
+        </p:nvSpPr>
+        <p:spPr>
+          <a:xfrm>
+            <a:off x="457200" y="1967948"/>
+            <a:ext cx="8229600" cy="4158215"/>
+          </a:xfrm>
+        </p:spPr>
+        <p:txBody>
+          <a:bodyPr/>
+          <a:lstStyle/>
+          <a:p>
+            <a:r>
+              <a:rPr lang="zh-TW" altLang="en-US" dirty="0"/>
+              <a:t>新增組織</a:t>
+            </a:r>
+            <a:endParaRPr lang="en-US" altLang="zh-TW" dirty="0"/>
+          </a:p>
+          <a:p>
+            <a:r>
+              <a:rPr lang="zh-TW" altLang="en-US" dirty="0"/>
+              <a:t>新增組織所屬人員</a:t>
+            </a:r>
+            <a:endParaRPr lang="en-US" altLang="zh-TW" dirty="0"/>
+          </a:p>
+          <a:p>
+            <a:r>
+              <a:rPr lang="zh-TW" altLang="en-US" dirty="0"/>
+              <a:t>查詢組織所屬人員</a:t>
+            </a:r>
+            <a:endParaRPr lang="en-US" altLang="zh-TW" dirty="0"/>
+          </a:p>
+          <a:p>
+            <a:endParaRPr lang="en-US" altLang="zh-TW" dirty="0"/>
+          </a:p>
+        </p:txBody>
+      </p:sp>
+    </p:spTree>
+    <p:extLst>
+      <p:ext uri="{BB962C8B-B14F-4D97-AF65-F5344CB8AC3E}">
+        <p14:creationId xmlns:p14="http://schemas.microsoft.com/office/powerpoint/2010/main" val="2642599945"/>
+      </p:ext>
+    </p:extLst>
+  </p:cSld>
+  <p:clrMapOvr>
+    <a:masterClrMapping/>
+  </p:clrMapOvr>
+</p:sld>
+</file>
+
+<file path=ppt/slides/slide18.xml><?xml version="1.0" encoding="utf-8"?>
+<p:sld xmlns:a="http://schemas.openxmlformats.org/drawingml/2006/main" xmlns:r="http://schemas.openxmlformats.org/officeDocument/2006/relationships" xmlns:p="http://schemas.openxmlformats.org/presentationml/2006/main">
+  <p:cSld>
+    <p:spTree>
+      <p:nvGrpSpPr>
+        <p:cNvPr id="1" name=""/>
+        <p:cNvGrpSpPr/>
+        <p:nvPr/>
+      </p:nvGrpSpPr>
+      <p:grpSpPr>
+        <a:xfrm>
+          <a:off x="0" y="0"/>
+          <a:ext cx="0" cy="0"/>
+          <a:chOff x="0" y="0"/>
+          <a:chExt cx="0" cy="0"/>
+        </a:xfrm>
+      </p:grpSpPr>
+      <p:sp>
+        <p:nvSpPr>
+          <p:cNvPr id="2" name="標題 1"/>
+          <p:cNvSpPr>
+            <a:spLocks noGrp="1"/>
+          </p:cNvSpPr>
+          <p:nvPr>
+            <p:ph type="title"/>
+          </p:nvPr>
+        </p:nvSpPr>
+        <p:spPr/>
+        <p:txBody>
+          <a:bodyPr>
+            <a:normAutofit fontScale="90000"/>
+          </a:bodyPr>
+          <a:lstStyle/>
+          <a:p>
+            <a:r>
+              <a:rPr lang="zh-TW" altLang="en-US" dirty="0"/>
+              <a:t>新增及查詢人員組織</a:t>
+            </a:r>
+            <a:br>
+              <a:rPr lang="en-US" altLang="zh-TW" dirty="0"/>
+            </a:br>
+            <a:r>
+              <a:rPr lang="zh-TW" altLang="en-US" dirty="0"/>
+              <a:t>應用情境</a:t>
+            </a:r>
+          </a:p>
+        </p:txBody>
+      </p:sp>
+      <p:sp>
+        <p:nvSpPr>
+          <p:cNvPr id="3" name="內容版面配置區 2"/>
+          <p:cNvSpPr>
+            <a:spLocks noGrp="1"/>
+          </p:cNvSpPr>
+          <p:nvPr>
+            <p:ph idx="1"/>
+          </p:nvPr>
+        </p:nvSpPr>
+        <p:spPr/>
+        <p:txBody>
+          <a:bodyPr/>
+          <a:lstStyle/>
+          <a:p>
+            <a:r>
+              <a:rPr lang="en-US" altLang="zh-TW" sz="2400" dirty="0"/>
+              <a:t>FHIR</a:t>
+            </a:r>
+            <a:r>
+              <a:rPr lang="zh-TW" altLang="en-US" sz="2400" dirty="0"/>
+              <a:t> 表單新增與查詢，步驟說明</a:t>
+            </a:r>
+            <a:r>
+              <a:rPr lang="en-US" altLang="zh-TW" sz="2400" dirty="0"/>
+              <a:t>:</a:t>
+            </a:r>
+          </a:p>
+          <a:p>
+            <a:pPr lvl="1"/>
+            <a:r>
+              <a:rPr lang="en-US" altLang="zh-TW" sz="2400" dirty="0"/>
+              <a:t>https://mos2718.github.io/JS-FHIR2020/formStep.html</a:t>
+            </a:r>
+          </a:p>
+          <a:p>
+            <a:r>
+              <a:rPr lang="zh-TW" altLang="en-US" sz="2400" dirty="0"/>
+              <a:t>範例程式</a:t>
+            </a:r>
+            <a:r>
+              <a:rPr lang="en-US" altLang="zh-TW" sz="2400" dirty="0"/>
+              <a:t>:</a:t>
+            </a:r>
+          </a:p>
+          <a:p>
+            <a:pPr lvl="1"/>
+            <a:r>
+              <a:rPr lang="en-US" altLang="zh-TW" sz="2000" dirty="0"/>
+              <a:t>Repository URL</a:t>
+            </a:r>
+          </a:p>
+          <a:p>
+            <a:pPr lvl="2"/>
+            <a:r>
+              <a:rPr lang="en-US" altLang="zh-TW" sz="2000" dirty="0"/>
+              <a:t>https://github.com/mos2718/JS-FHIR2020</a:t>
+            </a:r>
+          </a:p>
+          <a:p>
+            <a:pPr lvl="1"/>
+            <a:r>
+              <a:rPr lang="en-US" altLang="zh-TW" sz="2000" dirty="0"/>
+              <a:t>Post resource URL</a:t>
+            </a:r>
+          </a:p>
+          <a:p>
+            <a:pPr lvl="2"/>
+            <a:r>
+              <a:rPr lang="en-US" altLang="zh-TW" sz="2000" dirty="0"/>
+              <a:t>https://mos2718.github.io/JS-FHIR2020/postResorce.html</a:t>
+            </a:r>
+          </a:p>
+          <a:p>
+            <a:pPr lvl="1"/>
+            <a:r>
+              <a:rPr lang="en-US" altLang="zh-TW" sz="2000" dirty="0"/>
+              <a:t>Patient list URL</a:t>
+            </a:r>
+          </a:p>
+          <a:p>
+            <a:pPr lvl="2"/>
+            <a:r>
+              <a:rPr lang="en-US" altLang="zh-TW" sz="2000" dirty="0"/>
+              <a:t>https://mos2718.github.io/JS-FHIR2020/FHIRdata2Table.html</a:t>
+            </a:r>
+          </a:p>
+          <a:p>
+            <a:endParaRPr lang="zh-TW" altLang="en-US" dirty="0"/>
+          </a:p>
+        </p:txBody>
+      </p:sp>
+    </p:spTree>
+    <p:extLst>
+      <p:ext uri="{BB962C8B-B14F-4D97-AF65-F5344CB8AC3E}">
+        <p14:creationId xmlns:p14="http://schemas.microsoft.com/office/powerpoint/2010/main" val="2651796005"/>
+      </p:ext>
+    </p:extLst>
+  </p:cSld>
+  <p:clrMapOvr>
+    <a:masterClrMapping/>
+  </p:clrMapOvr>
+</p:sld>
+</file>
+
+<file path=ppt/slides/slide19.xml><?xml version="1.0" encoding="utf-8"?>
+<p:sld xmlns:a="http://schemas.openxmlformats.org/drawingml/2006/main" xmlns:r="http://schemas.openxmlformats.org/officeDocument/2006/relationships" xmlns:p="http://schemas.openxmlformats.org/presentationml/2006/main">
+  <p:cSld>
+    <p:spTree>
+      <p:nvGrpSpPr>
+        <p:cNvPr id="1" name=""/>
+        <p:cNvGrpSpPr/>
+        <p:nvPr/>
+      </p:nvGrpSpPr>
+      <p:grpSpPr>
+        <a:xfrm>
+          <a:off x="0" y="0"/>
+          <a:ext cx="0" cy="0"/>
+          <a:chOff x="0" y="0"/>
+          <a:chExt cx="0" cy="0"/>
+        </a:xfrm>
+      </p:grpSpPr>
+      <p:sp>
+        <p:nvSpPr>
+          <p:cNvPr id="2" name="標題 1"/>
+          <p:cNvSpPr>
+            <a:spLocks noGrp="1"/>
+          </p:cNvSpPr>
+          <p:nvPr>
+            <p:ph type="title"/>
+          </p:nvPr>
+        </p:nvSpPr>
+        <p:spPr>
+          <a:xfrm>
+            <a:off x="457200" y="182171"/>
+            <a:ext cx="8229600" cy="1143000"/>
+          </a:xfrm>
+        </p:spPr>
+        <p:txBody>
+          <a:bodyPr/>
+          <a:lstStyle/>
+          <a:p>
+            <a:r>
+              <a:rPr lang="zh-TW" altLang="en-US" dirty="0"/>
+              <a:t>個人健康紀錄相關 </a:t>
+            </a:r>
+            <a:r>
+              <a:rPr lang="en-US" altLang="zh-TW" dirty="0"/>
+              <a:t>Resources</a:t>
+            </a:r>
+            <a:endParaRPr lang="zh-TW" altLang="en-US" dirty="0"/>
+          </a:p>
+        </p:txBody>
+      </p:sp>
+      <p:sp>
+        <p:nvSpPr>
+          <p:cNvPr id="3" name="內容版面配置區 2"/>
+          <p:cNvSpPr>
+            <a:spLocks noGrp="1"/>
+          </p:cNvSpPr>
+          <p:nvPr>
+            <p:ph idx="1"/>
+          </p:nvPr>
+        </p:nvSpPr>
+        <p:spPr/>
+        <p:txBody>
+          <a:bodyPr>
+            <a:normAutofit fontScale="92500" lnSpcReduction="10000"/>
+          </a:bodyPr>
+          <a:lstStyle/>
+          <a:p>
+            <a:r>
+              <a:rPr lang="en-US" altLang="zh-TW" dirty="0"/>
+              <a:t>Patient:</a:t>
+            </a:r>
+            <a:r>
+              <a:rPr lang="zh-TW" altLang="en-US" dirty="0"/>
+              <a:t> 病人基本資料</a:t>
+            </a:r>
+            <a:endParaRPr lang="en-US" altLang="zh-TW" dirty="0"/>
+          </a:p>
+          <a:p>
+            <a:endParaRPr lang="en-US" altLang="zh-TW" dirty="0"/>
+          </a:p>
+          <a:p>
+            <a:r>
+              <a:rPr lang="en-US" altLang="zh-TW" dirty="0"/>
+              <a:t>Condition:</a:t>
+            </a:r>
+            <a:r>
+              <a:rPr lang="zh-TW" altLang="en-US" dirty="0"/>
+              <a:t>身體、心理、或日常生活狀況</a:t>
+            </a:r>
+            <a:endParaRPr lang="en-US" altLang="zh-TW" dirty="0"/>
+          </a:p>
+          <a:p>
+            <a:pPr lvl="1"/>
+            <a:r>
+              <a:rPr lang="en-US" altLang="zh-TW" dirty="0"/>
+              <a:t> </a:t>
+            </a:r>
+            <a:r>
+              <a:rPr lang="zh-TW" altLang="en-US" dirty="0"/>
+              <a:t>心臟有裝支架、工作壓力大、需安排到院交通</a:t>
+            </a:r>
+            <a:r>
+              <a:rPr lang="en-US" altLang="zh-TW" dirty="0"/>
+              <a:t>…</a:t>
+            </a:r>
+          </a:p>
+          <a:p>
+            <a:endParaRPr lang="en-US" altLang="zh-TW" dirty="0"/>
+          </a:p>
+          <a:p>
+            <a:r>
+              <a:rPr lang="en-US" altLang="zh-TW" dirty="0"/>
+              <a:t>Observation: </a:t>
+            </a:r>
+            <a:r>
+              <a:rPr lang="zh-TW" altLang="en-US" dirty="0"/>
+              <a:t>檢查及觀察資訊</a:t>
+            </a:r>
+            <a:endParaRPr lang="en-US" altLang="zh-TW" dirty="0"/>
+          </a:p>
+          <a:p>
+            <a:pPr lvl="1"/>
+            <a:r>
+              <a:rPr lang="zh-TW" altLang="en-US" dirty="0"/>
+              <a:t>體重、血壓、心跳、</a:t>
+            </a:r>
+            <a:r>
+              <a:rPr lang="zh-TW" altLang="en-US"/>
+              <a:t>檢驗值、影像發現等</a:t>
+            </a:r>
+            <a:endParaRPr lang="en-US" altLang="zh-TW" dirty="0"/>
+          </a:p>
+          <a:p>
+            <a:pPr lvl="1"/>
+            <a:endParaRPr lang="en-US" altLang="zh-TW" dirty="0"/>
+          </a:p>
+          <a:p>
+            <a:r>
+              <a:rPr lang="en-US" altLang="zh-TW" dirty="0"/>
+              <a:t>……</a:t>
+            </a:r>
+          </a:p>
+          <a:p>
+            <a:endParaRPr lang="zh-TW" altLang="en-US" dirty="0"/>
+          </a:p>
+        </p:txBody>
+      </p:sp>
+    </p:spTree>
+    <p:extLst>
+      <p:ext uri="{BB962C8B-B14F-4D97-AF65-F5344CB8AC3E}">
+        <p14:creationId xmlns:p14="http://schemas.microsoft.com/office/powerpoint/2010/main" val="402069830"/>
+      </p:ext>
+    </p:extLst>
+  </p:cSld>
+  <p:clrMapOvr>
+    <a:masterClrMapping/>
+  </p:clrMapOvr>
+</p:sld>
+</file>
+
+<file path=ppt/slides/slide2.xml><?xml version="1.0" encoding="utf-8"?>
+<p:sld xmlns:a="http://schemas.openxmlformats.org/drawingml/2006/main" xmlns:r="http://schemas.openxmlformats.org/officeDocument/2006/relationships" xmlns:p="http://schemas.openxmlformats.org/presentationml/2006/main">
+  <p:cSld>
+    <p:spTree>
+      <p:nvGrpSpPr>
+        <p:cNvPr id="1" name=""/>
+        <p:cNvGrpSpPr/>
+        <p:nvPr/>
+      </p:nvGrpSpPr>
+      <p:grpSpPr>
+        <a:xfrm>
+          <a:off x="0" y="0"/>
+          <a:ext cx="0" cy="0"/>
+          <a:chOff x="0" y="0"/>
+          <a:chExt cx="0" cy="0"/>
+        </a:xfrm>
+      </p:grpSpPr>
+      <p:sp>
+        <p:nvSpPr>
+          <p:cNvPr id="2" name="標題 1"/>
+          <p:cNvSpPr>
+            <a:spLocks noGrp="1"/>
+          </p:cNvSpPr>
+          <p:nvPr>
+            <p:ph type="title"/>
+          </p:nvPr>
+        </p:nvSpPr>
+        <p:spPr/>
+        <p:txBody>
+          <a:bodyPr>
+            <a:normAutofit/>
+          </a:bodyPr>
+          <a:lstStyle/>
+          <a:p>
+            <a:r>
+              <a:rPr lang="zh-TW" altLang="en-US" dirty="0"/>
+              <a:t>發展各式健康醫療</a:t>
+            </a:r>
+            <a:r>
+              <a:rPr lang="zh-TW" altLang="en-US" b="1" dirty="0">
+                <a:solidFill>
+                  <a:srgbClr val="FF0000"/>
+                </a:solidFill>
+              </a:rPr>
+              <a:t>前端</a:t>
+            </a:r>
+            <a:r>
+              <a:rPr lang="zh-TW" altLang="en-US" dirty="0"/>
+              <a:t>應用</a:t>
+            </a:r>
+          </a:p>
+        </p:txBody>
+      </p:sp>
+      <p:sp>
+        <p:nvSpPr>
+          <p:cNvPr id="3" name="內容版面配置區 2"/>
+          <p:cNvSpPr>
+            <a:spLocks noGrp="1"/>
+          </p:cNvSpPr>
+          <p:nvPr>
+            <p:ph idx="1"/>
+          </p:nvPr>
+        </p:nvSpPr>
+        <p:spPr>
+          <a:xfrm>
+            <a:off x="457200" y="1417638"/>
+            <a:ext cx="8229600" cy="4708525"/>
+          </a:xfrm>
+        </p:spPr>
+        <p:txBody>
+          <a:bodyPr>
+            <a:normAutofit/>
+          </a:bodyPr>
+          <a:lstStyle/>
+          <a:p>
+            <a:r>
+              <a:rPr lang="zh-TW" altLang="en-US" dirty="0"/>
+              <a:t>與標準化 </a:t>
+            </a:r>
+            <a:r>
+              <a:rPr lang="en-US" altLang="zh-TW" dirty="0"/>
+              <a:t>FHIR</a:t>
+            </a:r>
+            <a:r>
+              <a:rPr lang="zh-TW" altLang="en-US" dirty="0"/>
+              <a:t> 伺服器整合應用</a:t>
+            </a:r>
+            <a:endParaRPr lang="en-US" altLang="zh-TW" dirty="0"/>
+          </a:p>
+          <a:p>
+            <a:pPr lvl="1"/>
+            <a:r>
+              <a:rPr lang="zh-TW" altLang="en-US" dirty="0"/>
+              <a:t> </a:t>
+            </a:r>
+            <a:r>
+              <a:rPr lang="en-US" altLang="zh-TW" dirty="0"/>
+              <a:t>FHIR</a:t>
+            </a:r>
+            <a:r>
+              <a:rPr lang="zh-TW" altLang="en-US" dirty="0"/>
+              <a:t> </a:t>
+            </a:r>
+            <a:r>
+              <a:rPr lang="en-US" altLang="zh-TW" dirty="0"/>
+              <a:t>API</a:t>
+            </a:r>
+            <a:r>
+              <a:rPr lang="zh-TW" altLang="en-US" dirty="0"/>
+              <a:t> </a:t>
+            </a:r>
+            <a:r>
+              <a:rPr lang="en-US" altLang="zh-TW" dirty="0"/>
+              <a:t>root :</a:t>
+            </a:r>
+            <a:r>
+              <a:rPr lang="en-US" altLang="zh-TW" dirty="0">
+                <a:hlinkClick r:id="rId2"/>
+              </a:rPr>
+              <a:t>http://hapi.fhir.org/baseR4</a:t>
+            </a:r>
+            <a:endParaRPr lang="en-US" altLang="zh-TW" dirty="0"/>
+          </a:p>
+          <a:p>
+            <a:endParaRPr lang="en-US" altLang="zh-TW" dirty="0"/>
+          </a:p>
+          <a:p>
+            <a:r>
+              <a:rPr lang="zh-TW" altLang="en-US" dirty="0"/>
+              <a:t>發展前端網頁及 </a:t>
+            </a:r>
+            <a:r>
+              <a:rPr lang="en-US" altLang="zh-TW" dirty="0"/>
+              <a:t>APP</a:t>
+            </a:r>
+            <a:r>
+              <a:rPr lang="zh-TW" altLang="en-US" dirty="0"/>
+              <a:t> 應用程式</a:t>
+            </a:r>
+            <a:endParaRPr lang="en-US" altLang="zh-TW" dirty="0"/>
+          </a:p>
+          <a:p>
+            <a:pPr lvl="1"/>
+            <a:r>
+              <a:rPr lang="zh-TW" altLang="en-US" dirty="0"/>
+              <a:t>可用各種程式撰寫 </a:t>
+            </a:r>
+            <a:r>
+              <a:rPr lang="en-US" altLang="zh-TW" dirty="0"/>
+              <a:t>HTTP</a:t>
+            </a:r>
+            <a:r>
+              <a:rPr lang="zh-TW" altLang="en-US" dirty="0"/>
+              <a:t> </a:t>
+            </a:r>
+            <a:r>
+              <a:rPr lang="en-US" altLang="zh-TW" dirty="0"/>
+              <a:t>client </a:t>
+            </a:r>
+          </a:p>
+          <a:p>
+            <a:pPr lvl="1"/>
+            <a:r>
+              <a:rPr lang="zh-TW" altLang="en-US" dirty="0"/>
+              <a:t>以此連結 </a:t>
+            </a:r>
+            <a:r>
+              <a:rPr lang="en-US" altLang="zh-TW" dirty="0"/>
+              <a:t>FHIR</a:t>
+            </a:r>
+            <a:r>
+              <a:rPr lang="zh-TW" altLang="en-US" dirty="0"/>
+              <a:t>  </a:t>
+            </a:r>
+            <a:r>
+              <a:rPr lang="en-US" altLang="zh-TW" dirty="0"/>
+              <a:t>server</a:t>
+            </a:r>
+            <a:r>
+              <a:rPr lang="zh-TW" altLang="en-US" dirty="0"/>
+              <a:t>，增修改查資料</a:t>
+            </a:r>
+            <a:endParaRPr lang="en-US" altLang="zh-TW" dirty="0"/>
+          </a:p>
+        </p:txBody>
+      </p:sp>
+    </p:spTree>
+    <p:extLst>
+      <p:ext uri="{BB962C8B-B14F-4D97-AF65-F5344CB8AC3E}">
+        <p14:creationId xmlns:p14="http://schemas.microsoft.com/office/powerpoint/2010/main" val="3901825515"/>
+      </p:ext>
+    </p:extLst>
+  </p:cSld>
+  <p:clrMapOvr>
+    <a:masterClrMapping/>
+  </p:clrMapOvr>
+</p:sld>
+</file>
+
+<file path=ppt/slides/slide20.xml><?xml version="1.0" encoding="utf-8"?>
+<p:sld xmlns:a="http://schemas.openxmlformats.org/drawingml/2006/main" xmlns:r="http://schemas.openxmlformats.org/officeDocument/2006/relationships" xmlns:p="http://schemas.openxmlformats.org/presentationml/2006/main">
+  <p:cSld>
+    <p:spTree>
+      <p:nvGrpSpPr>
+        <p:cNvPr id="1" name=""/>
+        <p:cNvGrpSpPr/>
+        <p:nvPr/>
+      </p:nvGrpSpPr>
+      <p:grpSpPr>
+        <a:xfrm>
+          <a:off x="0" y="0"/>
+          <a:ext cx="0" cy="0"/>
+          <a:chOff x="0" y="0"/>
+          <a:chExt cx="0" cy="0"/>
+        </a:xfrm>
+      </p:grpSpPr>
+      <p:sp>
+        <p:nvSpPr>
+          <p:cNvPr id="2" name="標題 1">
+            <a:extLst>
+              <a:ext uri="{FF2B5EF4-FFF2-40B4-BE49-F238E27FC236}">
+                <a16:creationId xmlns:a16="http://schemas.microsoft.com/office/drawing/2014/main" id="{27991326-D1A3-42F3-944E-4C7369F636A1}"/>
+              </a:ext>
+            </a:extLst>
+          </p:cNvPr>
+          <p:cNvSpPr>
+            <a:spLocks noGrp="1"/>
+          </p:cNvSpPr>
+          <p:nvPr>
+            <p:ph type="title"/>
+          </p:nvPr>
+        </p:nvSpPr>
+        <p:spPr/>
+        <p:txBody>
+          <a:bodyPr>
+            <a:normAutofit fontScale="90000"/>
+          </a:bodyPr>
+          <a:lstStyle/>
+          <a:p>
+            <a:r>
+              <a:rPr lang="en-US" altLang="zh-TW" dirty="0"/>
+              <a:t>Observation</a:t>
+            </a:r>
+            <a:r>
+              <a:rPr lang="zh-TW" altLang="en-US" dirty="0"/>
+              <a:t>、</a:t>
+            </a:r>
+            <a:r>
+              <a:rPr lang="en-US" altLang="zh-TW" dirty="0"/>
+              <a:t>Conduction</a:t>
+            </a:r>
+            <a:r>
+              <a:rPr lang="zh-TW" altLang="en-US" dirty="0"/>
+              <a:t>、</a:t>
+            </a:r>
+            <a:r>
+              <a:rPr lang="en-US" altLang="zh-TW" dirty="0"/>
+              <a:t>Patient Relation</a:t>
+            </a:r>
+            <a:endParaRPr lang="zh-TW" altLang="en-US" dirty="0"/>
+          </a:p>
+        </p:txBody>
+      </p:sp>
+      <p:sp>
+        <p:nvSpPr>
+          <p:cNvPr id="5" name="文字方塊 4">
+            <a:extLst>
+              <a:ext uri="{FF2B5EF4-FFF2-40B4-BE49-F238E27FC236}">
+                <a16:creationId xmlns:a16="http://schemas.microsoft.com/office/drawing/2014/main" id="{A8159D74-458B-4DC5-8667-50D16E47017C}"/>
+              </a:ext>
+            </a:extLst>
+          </p:cNvPr>
+          <p:cNvSpPr txBox="1"/>
+          <p:nvPr/>
+        </p:nvSpPr>
+        <p:spPr>
+          <a:xfrm>
+            <a:off x="69574" y="3198783"/>
+            <a:ext cx="1977887" cy="923330"/>
+          </a:xfrm>
+          <a:prstGeom prst="rect">
+            <a:avLst/>
+          </a:prstGeom>
+          <a:noFill/>
+        </p:spPr>
+        <p:txBody>
+          <a:bodyPr wrap="square" rtlCol="0">
+            <a:spAutoFit/>
+          </a:bodyPr>
+          <a:lstStyle/>
+          <a:p>
+            <a:pPr algn="ctr"/>
+            <a:r>
+              <a:rPr lang="en-US" altLang="zh-TW" sz="2700" dirty="0"/>
+              <a:t>Observation</a:t>
+            </a:r>
+          </a:p>
+          <a:p>
+            <a:pPr algn="ctr"/>
+            <a:r>
+              <a:rPr lang="en-US" altLang="zh-TW" sz="2700" dirty="0"/>
+              <a:t>Or Condition</a:t>
+            </a:r>
+            <a:endParaRPr lang="zh-TW" altLang="en-US" sz="2700" dirty="0"/>
+          </a:p>
+        </p:txBody>
+      </p:sp>
+      <p:sp>
+        <p:nvSpPr>
+          <p:cNvPr id="7" name="文字方塊 6">
+            <a:extLst>
+              <a:ext uri="{FF2B5EF4-FFF2-40B4-BE49-F238E27FC236}">
+                <a16:creationId xmlns:a16="http://schemas.microsoft.com/office/drawing/2014/main" id="{84B6E350-666E-47E2-BF46-5921C478A230}"/>
+              </a:ext>
+            </a:extLst>
+          </p:cNvPr>
+          <p:cNvSpPr txBox="1"/>
+          <p:nvPr/>
+        </p:nvSpPr>
+        <p:spPr>
+          <a:xfrm>
+            <a:off x="1753361" y="2883613"/>
+            <a:ext cx="5360157" cy="507831"/>
+          </a:xfrm>
+          <a:prstGeom prst="rect">
+            <a:avLst/>
+          </a:prstGeom>
+          <a:noFill/>
+        </p:spPr>
+        <p:txBody>
+          <a:bodyPr wrap="square" rtlCol="0">
+            <a:spAutoFit/>
+          </a:bodyPr>
+          <a:lstStyle/>
+          <a:p>
+            <a:pPr algn="ctr"/>
+            <a:r>
+              <a:rPr lang="en-US" altLang="zh-TW" sz="2700" dirty="0"/>
+              <a:t>Subset </a:t>
+            </a:r>
+            <a:r>
+              <a:rPr lang="zh-TW" altLang="en-US" sz="2700" dirty="0"/>
+              <a:t> </a:t>
+            </a:r>
+            <a:r>
+              <a:rPr lang="en-US" altLang="zh-TW" sz="2700" dirty="0"/>
+              <a:t>reference to </a:t>
+            </a:r>
+          </a:p>
+        </p:txBody>
+      </p:sp>
+      <p:sp>
+        <p:nvSpPr>
+          <p:cNvPr id="14" name="文字方塊 13">
+            <a:extLst>
+              <a:ext uri="{FF2B5EF4-FFF2-40B4-BE49-F238E27FC236}">
+                <a16:creationId xmlns:a16="http://schemas.microsoft.com/office/drawing/2014/main" id="{3948008A-F023-439D-A02A-9E6A49034CAC}"/>
+              </a:ext>
+            </a:extLst>
+          </p:cNvPr>
+          <p:cNvSpPr txBox="1"/>
+          <p:nvPr/>
+        </p:nvSpPr>
+        <p:spPr>
+          <a:xfrm>
+            <a:off x="3042776" y="2218974"/>
+            <a:ext cx="3269894" cy="369332"/>
+          </a:xfrm>
+          <a:prstGeom prst="rect">
+            <a:avLst/>
+          </a:prstGeom>
+          <a:noFill/>
+        </p:spPr>
+        <p:txBody>
+          <a:bodyPr wrap="square" rtlCol="0">
+            <a:spAutoFit/>
+          </a:bodyPr>
+          <a:lstStyle/>
+          <a:p>
+            <a:r>
+              <a:rPr lang="zh-TW" altLang="en-US" b="1" dirty="0"/>
+              <a:t>病人資料保管組織</a:t>
+            </a:r>
+            <a:r>
+              <a:rPr lang="en-US" altLang="zh-TW" b="1" dirty="0"/>
+              <a:t>(</a:t>
+            </a:r>
+            <a:r>
+              <a:rPr lang="zh-TW" altLang="en-US" b="1" dirty="0"/>
+              <a:t>醫院</a:t>
+            </a:r>
+            <a:r>
+              <a:rPr lang="en-US" altLang="zh-TW" b="1" dirty="0"/>
+              <a:t>)</a:t>
+            </a:r>
+            <a:endParaRPr lang="zh-TW" altLang="en-US" b="1" dirty="0"/>
+          </a:p>
+        </p:txBody>
+      </p:sp>
+      <p:sp>
+        <p:nvSpPr>
+          <p:cNvPr id="15" name="文字方塊 14">
+            <a:extLst>
+              <a:ext uri="{FF2B5EF4-FFF2-40B4-BE49-F238E27FC236}">
+                <a16:creationId xmlns:a16="http://schemas.microsoft.com/office/drawing/2014/main" id="{E67EADB5-471F-4EA3-B466-EA9EF6D142CF}"/>
+              </a:ext>
+            </a:extLst>
+          </p:cNvPr>
+          <p:cNvSpPr txBox="1"/>
+          <p:nvPr/>
+        </p:nvSpPr>
+        <p:spPr>
+          <a:xfrm>
+            <a:off x="1458245" y="4488339"/>
+            <a:ext cx="3113755" cy="646331"/>
+          </a:xfrm>
+          <a:prstGeom prst="rect">
+            <a:avLst/>
+          </a:prstGeom>
+          <a:noFill/>
+        </p:spPr>
+        <p:txBody>
+          <a:bodyPr wrap="square" rtlCol="0">
+            <a:spAutoFit/>
+          </a:bodyPr>
+          <a:lstStyle/>
+          <a:p>
+            <a:r>
+              <a:rPr lang="zh-TW" altLang="en-US" b="1" dirty="0"/>
+              <a:t>先有病人</a:t>
+            </a:r>
+            <a:endParaRPr lang="en-US" altLang="zh-TW" b="1" dirty="0"/>
+          </a:p>
+          <a:p>
+            <a:r>
+              <a:rPr lang="zh-TW" altLang="en-US" b="1" dirty="0"/>
+              <a:t>再新增病人問題及量測資料</a:t>
+            </a:r>
+          </a:p>
+        </p:txBody>
+      </p:sp>
+      <p:cxnSp>
+        <p:nvCxnSpPr>
+          <p:cNvPr id="17" name="直線單箭頭接點 16">
+            <a:extLst>
+              <a:ext uri="{FF2B5EF4-FFF2-40B4-BE49-F238E27FC236}">
+                <a16:creationId xmlns:a16="http://schemas.microsoft.com/office/drawing/2014/main" id="{2CA637E0-2FD1-40D2-AB10-E577A1B8F95F}"/>
+              </a:ext>
+            </a:extLst>
+          </p:cNvPr>
+          <p:cNvCxnSpPr/>
+          <p:nvPr/>
+        </p:nvCxnSpPr>
+        <p:spPr>
+          <a:xfrm flipV="1">
+            <a:off x="1918252" y="3528391"/>
+            <a:ext cx="5195266" cy="2"/>
+          </a:xfrm>
+          <a:prstGeom prst="straightConnector1">
+            <a:avLst/>
+          </a:prstGeom>
+          <a:ln>
+            <a:tailEnd type="triangle"/>
+          </a:ln>
+        </p:spPr>
+        <p:style>
+          <a:lnRef idx="1">
+            <a:schemeClr val="accent1"/>
+          </a:lnRef>
+          <a:fillRef idx="0">
+            <a:schemeClr val="accent1"/>
+          </a:fillRef>
+          <a:effectRef idx="0">
+            <a:schemeClr val="accent1"/>
+          </a:effectRef>
+          <a:fontRef idx="minor">
+            <a:schemeClr val="tx1"/>
+          </a:fontRef>
+        </p:style>
+      </p:cxnSp>
+      <p:sp>
+        <p:nvSpPr>
+          <p:cNvPr id="16" name="文字方塊 15">
+            <a:extLst>
+              <a:ext uri="{FF2B5EF4-FFF2-40B4-BE49-F238E27FC236}">
+                <a16:creationId xmlns:a16="http://schemas.microsoft.com/office/drawing/2014/main" id="{A8159D74-458B-4DC5-8667-50D16E47017C}"/>
+              </a:ext>
+            </a:extLst>
+          </p:cNvPr>
+          <p:cNvSpPr txBox="1"/>
+          <p:nvPr/>
+        </p:nvSpPr>
+        <p:spPr>
+          <a:xfrm>
+            <a:off x="6819417" y="3274475"/>
+            <a:ext cx="2229438" cy="507831"/>
+          </a:xfrm>
+          <a:prstGeom prst="rect">
+            <a:avLst/>
+          </a:prstGeom>
+          <a:noFill/>
+        </p:spPr>
+        <p:txBody>
+          <a:bodyPr wrap="square" rtlCol="0">
+            <a:spAutoFit/>
+          </a:bodyPr>
+          <a:lstStyle/>
+          <a:p>
+            <a:pPr algn="ctr"/>
+            <a:r>
+              <a:rPr lang="en-US" altLang="zh-TW" sz="2700" dirty="0"/>
+              <a:t>Patient</a:t>
+            </a:r>
+            <a:endParaRPr lang="zh-TW" altLang="en-US" sz="2700" dirty="0"/>
+          </a:p>
+        </p:txBody>
+      </p:sp>
+    </p:spTree>
+    <p:extLst>
+      <p:ext uri="{BB962C8B-B14F-4D97-AF65-F5344CB8AC3E}">
+        <p14:creationId xmlns:p14="http://schemas.microsoft.com/office/powerpoint/2010/main" val="100070386"/>
+      </p:ext>
+    </p:extLst>
+  </p:cSld>
+  <p:clrMapOvr>
+    <a:masterClrMapping/>
+  </p:clrMapOvr>
+</p:sld>
+</file>
+
+<file path=ppt/slides/slide21.xml><?xml version="1.0" encoding="utf-8"?>
+<p:sld xmlns:a="http://schemas.openxmlformats.org/drawingml/2006/main" xmlns:r="http://schemas.openxmlformats.org/officeDocument/2006/relationships" xmlns:p="http://schemas.openxmlformats.org/presentationml/2006/main">
+  <p:cSld>
+    <p:spTree>
+      <p:nvGrpSpPr>
+        <p:cNvPr id="1" name=""/>
+        <p:cNvGrpSpPr/>
+        <p:nvPr/>
+      </p:nvGrpSpPr>
+      <p:grpSpPr>
+        <a:xfrm>
+          <a:off x="0" y="0"/>
+          <a:ext cx="0" cy="0"/>
+          <a:chOff x="0" y="0"/>
+          <a:chExt cx="0" cy="0"/>
+        </a:xfrm>
+      </p:grpSpPr>
+      <p:sp>
+        <p:nvSpPr>
+          <p:cNvPr id="2" name="標題 1">
+            <a:extLst>
+              <a:ext uri="{FF2B5EF4-FFF2-40B4-BE49-F238E27FC236}">
+                <a16:creationId xmlns:a16="http://schemas.microsoft.com/office/drawing/2014/main" id="{6B682271-9F3F-4755-8079-AD3E3B2770DC}"/>
+              </a:ext>
+            </a:extLst>
+          </p:cNvPr>
+          <p:cNvSpPr>
+            <a:spLocks noGrp="1"/>
+          </p:cNvSpPr>
+          <p:nvPr>
+            <p:ph type="title"/>
+          </p:nvPr>
+        </p:nvSpPr>
+        <p:spPr/>
+        <p:txBody>
+          <a:bodyPr/>
+          <a:lstStyle/>
+          <a:p>
+            <a:r>
+              <a:rPr lang="zh-TW" altLang="en-US" dirty="0"/>
+              <a:t>上傳的生理監測資料</a:t>
+            </a:r>
+          </a:p>
+        </p:txBody>
+      </p:sp>
+      <p:sp>
+        <p:nvSpPr>
+          <p:cNvPr id="3" name="內容版面配置區 2">
+            <a:extLst>
+              <a:ext uri="{FF2B5EF4-FFF2-40B4-BE49-F238E27FC236}">
+                <a16:creationId xmlns:a16="http://schemas.microsoft.com/office/drawing/2014/main" id="{2A41CAEA-3B62-4D62-9641-0B43D989CCCF}"/>
+              </a:ext>
+            </a:extLst>
+          </p:cNvPr>
+          <p:cNvSpPr>
+            <a:spLocks noGrp="1"/>
+          </p:cNvSpPr>
+          <p:nvPr>
+            <p:ph idx="1"/>
+          </p:nvPr>
+        </p:nvSpPr>
+        <p:spPr/>
+        <p:txBody>
+          <a:bodyPr/>
+          <a:lstStyle/>
+          <a:p>
+            <a:r>
+              <a:rPr lang="zh-TW" altLang="en-US" dirty="0"/>
+              <a:t>某一筆生理監測資料</a:t>
+            </a:r>
+            <a:endParaRPr lang="en-US" altLang="zh-TW" dirty="0"/>
+          </a:p>
+          <a:p>
+            <a:pPr lvl="1"/>
+            <a:r>
+              <a:rPr lang="en-US" altLang="zh-TW" dirty="0">
+                <a:hlinkClick r:id="rId2"/>
+              </a:rPr>
+              <a:t>http://hapi.fhir.org/baseR4/Observation/1924035</a:t>
+            </a:r>
+            <a:endParaRPr lang="en-US" altLang="zh-TW" dirty="0"/>
+          </a:p>
+          <a:p>
+            <a:endParaRPr lang="en-US" altLang="zh-TW" dirty="0"/>
+          </a:p>
+          <a:p>
+            <a:r>
+              <a:rPr lang="zh-TW" altLang="en-US" dirty="0"/>
+              <a:t>某一病人全部之 </a:t>
+            </a:r>
+            <a:r>
+              <a:rPr lang="en-US" altLang="zh-TW" dirty="0"/>
+              <a:t>observations</a:t>
+            </a:r>
+          </a:p>
+          <a:p>
+            <a:pPr lvl="1"/>
+            <a:r>
+              <a:rPr lang="en-US" altLang="zh-TW" dirty="0"/>
+              <a:t>http://hapi.fhir.org/baseR4/Observation?subject=8b4279ff-f798-44d9-be0f-001d05e86a4e</a:t>
+            </a:r>
+            <a:endParaRPr lang="zh-TW" altLang="en-US" dirty="0"/>
+          </a:p>
+        </p:txBody>
+      </p:sp>
+    </p:spTree>
+    <p:extLst>
+      <p:ext uri="{BB962C8B-B14F-4D97-AF65-F5344CB8AC3E}">
+        <p14:creationId xmlns:p14="http://schemas.microsoft.com/office/powerpoint/2010/main" val="153485677"/>
+      </p:ext>
+    </p:extLst>
+  </p:cSld>
+  <p:clrMapOvr>
+    <a:masterClrMapping/>
+  </p:clrMapOvr>
+</p:sld>
+</file>
+
+<file path=ppt/slides/slide22.xml><?xml version="1.0" encoding="utf-8"?>
+<p:sld xmlns:a="http://schemas.openxmlformats.org/drawingml/2006/main" xmlns:r="http://schemas.openxmlformats.org/officeDocument/2006/relationships" xmlns:p="http://schemas.openxmlformats.org/presentationml/2006/main">
+  <p:cSld>
+    <p:spTree>
+      <p:nvGrpSpPr>
+        <p:cNvPr id="1" name=""/>
+        <p:cNvGrpSpPr/>
+        <p:nvPr/>
+      </p:nvGrpSpPr>
+      <p:grpSpPr>
+        <a:xfrm>
+          <a:off x="0" y="0"/>
+          <a:ext cx="0" cy="0"/>
+          <a:chOff x="0" y="0"/>
+          <a:chExt cx="0" cy="0"/>
+        </a:xfrm>
+      </p:grpSpPr>
+      <p:sp>
+        <p:nvSpPr>
+          <p:cNvPr id="2" name="標題 1"/>
+          <p:cNvSpPr>
+            <a:spLocks noGrp="1"/>
+          </p:cNvSpPr>
+          <p:nvPr>
+            <p:ph type="title"/>
+          </p:nvPr>
+        </p:nvSpPr>
+        <p:spPr/>
+        <p:txBody>
+          <a:bodyPr>
+            <a:normAutofit fontScale="90000"/>
+          </a:bodyPr>
+          <a:lstStyle/>
+          <a:p>
+            <a:r>
+              <a:rPr lang="en-US" altLang="zh-TW" dirty="0"/>
+              <a:t>FHIR resource id </a:t>
+            </a:r>
+            <a:br>
+              <a:rPr lang="en-US" altLang="zh-TW" dirty="0"/>
+            </a:br>
+            <a:r>
+              <a:rPr lang="zh-TW" altLang="en-US" dirty="0"/>
+              <a:t> </a:t>
+            </a:r>
+          </a:p>
+        </p:txBody>
+      </p:sp>
+      <p:sp>
+        <p:nvSpPr>
+          <p:cNvPr id="3" name="內容版面配置區 2"/>
+          <p:cNvSpPr>
+            <a:spLocks noGrp="1"/>
+          </p:cNvSpPr>
+          <p:nvPr>
+            <p:ph idx="1"/>
+          </p:nvPr>
+        </p:nvSpPr>
+        <p:spPr>
+          <a:xfrm>
+            <a:off x="457200" y="1417638"/>
+            <a:ext cx="8229600" cy="4708525"/>
+          </a:xfrm>
+        </p:spPr>
+        <p:txBody>
+          <a:bodyPr>
+            <a:normAutofit/>
+          </a:bodyPr>
+          <a:lstStyle/>
+          <a:p>
+            <a:r>
+              <a:rPr lang="en-US" altLang="zh-TW" dirty="0"/>
+              <a:t>Resource id: </a:t>
+            </a:r>
+          </a:p>
+          <a:p>
+            <a:pPr lvl="1"/>
+            <a:r>
+              <a:rPr lang="zh-TW" altLang="en-US" dirty="0"/>
+              <a:t>資料上傳後 </a:t>
+            </a:r>
+            <a:r>
+              <a:rPr lang="en-US" altLang="zh-TW" dirty="0">
+                <a:solidFill>
+                  <a:srgbClr val="FF0000"/>
+                </a:solidFill>
+              </a:rPr>
+              <a:t>FHIR server </a:t>
+            </a:r>
+            <a:r>
+              <a:rPr lang="zh-TW" altLang="en-US" dirty="0">
+                <a:solidFill>
+                  <a:srgbClr val="FF0000"/>
+                </a:solidFill>
+              </a:rPr>
+              <a:t>統一產生</a:t>
+            </a:r>
+            <a:endParaRPr lang="en-US" altLang="zh-TW" dirty="0">
+              <a:solidFill>
+                <a:srgbClr val="FF0000"/>
+              </a:solidFill>
+            </a:endParaRPr>
+          </a:p>
+          <a:p>
+            <a:pPr lvl="1"/>
+            <a:endParaRPr lang="en-US" altLang="zh-TW" dirty="0"/>
+          </a:p>
+          <a:p>
+            <a:pPr lvl="1"/>
+            <a:r>
+              <a:rPr lang="zh-TW" altLang="en-US" dirty="0"/>
+              <a:t>代表此筆資料</a:t>
+            </a:r>
+            <a:r>
+              <a:rPr lang="en-US" altLang="zh-TW" dirty="0"/>
+              <a:t>(</a:t>
+            </a:r>
+            <a:r>
+              <a:rPr lang="zh-TW" altLang="en-US" dirty="0"/>
+              <a:t>類似主健</a:t>
+            </a:r>
+            <a:r>
+              <a:rPr lang="en-US" altLang="zh-TW" dirty="0"/>
+              <a:t>)</a:t>
+            </a:r>
+          </a:p>
+          <a:p>
+            <a:pPr lvl="1"/>
+            <a:endParaRPr lang="en-US" altLang="zh-TW" dirty="0"/>
+          </a:p>
+          <a:p>
+            <a:pPr lvl="1"/>
+            <a:r>
+              <a:rPr lang="zh-TW" altLang="en-US" dirty="0"/>
+              <a:t>利於其他資料參考</a:t>
+            </a:r>
+            <a:r>
+              <a:rPr lang="en-US" altLang="zh-TW" dirty="0"/>
+              <a:t>(</a:t>
+            </a:r>
+            <a:r>
+              <a:rPr lang="zh-TW" altLang="en-US" dirty="0"/>
+              <a:t>類似 </a:t>
+            </a:r>
+            <a:r>
+              <a:rPr lang="en-US" altLang="zh-TW" dirty="0"/>
+              <a:t>foreign key)</a:t>
+            </a:r>
+            <a:r>
+              <a:rPr lang="zh-TW" altLang="en-US" dirty="0"/>
+              <a:t>，例如</a:t>
+            </a:r>
+            <a:r>
+              <a:rPr lang="en-US" altLang="zh-TW" dirty="0"/>
+              <a:t>:</a:t>
+            </a:r>
+          </a:p>
+          <a:p>
+            <a:pPr lvl="2"/>
+            <a:r>
+              <a:rPr lang="zh-TW" altLang="en-US" dirty="0"/>
+              <a:t> </a:t>
+            </a:r>
+            <a:r>
+              <a:rPr lang="en-US" altLang="zh-TW" dirty="0" err="1"/>
+              <a:t>patient.manageOrganization</a:t>
+            </a:r>
+            <a:r>
+              <a:rPr lang="en-US" altLang="zh-TW" dirty="0"/>
+              <a:t> to Organization</a:t>
+            </a:r>
+          </a:p>
+          <a:p>
+            <a:pPr lvl="2"/>
+            <a:r>
+              <a:rPr lang="en-US" altLang="zh-TW" dirty="0" err="1"/>
+              <a:t>Condiction.subject</a:t>
+            </a:r>
+            <a:r>
+              <a:rPr lang="en-US" altLang="zh-TW" dirty="0"/>
+              <a:t> reference to Patient</a:t>
+            </a:r>
+          </a:p>
+        </p:txBody>
+      </p:sp>
+    </p:spTree>
+    <p:extLst>
+      <p:ext uri="{BB962C8B-B14F-4D97-AF65-F5344CB8AC3E}">
+        <p14:creationId xmlns:p14="http://schemas.microsoft.com/office/powerpoint/2010/main" val="732151102"/>
+      </p:ext>
+    </p:extLst>
+  </p:cSld>
+  <p:clrMapOvr>
+    <a:masterClrMapping/>
+  </p:clrMapOvr>
+</p:sld>
+</file>
+
+<file path=ppt/slides/slide23.xml><?xml version="1.0" encoding="utf-8"?>
+<p:sld xmlns:a="http://schemas.openxmlformats.org/drawingml/2006/main" xmlns:r="http://schemas.openxmlformats.org/officeDocument/2006/relationships" xmlns:p="http://schemas.openxmlformats.org/presentationml/2006/main">
+  <p:cSld>
+    <p:spTree>
+      <p:nvGrpSpPr>
+        <p:cNvPr id="1" name=""/>
+        <p:cNvGrpSpPr/>
+        <p:nvPr/>
+      </p:nvGrpSpPr>
+      <p:grpSpPr>
+        <a:xfrm>
+          <a:off x="0" y="0"/>
+          <a:ext cx="0" cy="0"/>
+          <a:chOff x="0" y="0"/>
+          <a:chExt cx="0" cy="0"/>
+        </a:xfrm>
+      </p:grpSpPr>
+      <p:sp>
+        <p:nvSpPr>
+          <p:cNvPr id="2" name="標題 1"/>
+          <p:cNvSpPr>
+            <a:spLocks noGrp="1"/>
+          </p:cNvSpPr>
+          <p:nvPr>
+            <p:ph type="title"/>
+          </p:nvPr>
+        </p:nvSpPr>
+        <p:spPr/>
+        <p:txBody>
+          <a:bodyPr>
+            <a:normAutofit/>
+          </a:bodyPr>
+          <a:lstStyle/>
+          <a:p>
+            <a:r>
+              <a:rPr lang="zh-TW" altLang="en-US" dirty="0"/>
+              <a:t>查詢 </a:t>
+            </a:r>
+            <a:r>
+              <a:rPr lang="en-US" altLang="zh-TW" dirty="0"/>
+              <a:t>FHIR</a:t>
+            </a:r>
+            <a:r>
+              <a:rPr lang="zh-TW" altLang="en-US" dirty="0"/>
+              <a:t> </a:t>
+            </a:r>
+            <a:r>
+              <a:rPr lang="en-US" altLang="zh-TW" dirty="0"/>
+              <a:t>resources </a:t>
+            </a:r>
+            <a:r>
+              <a:rPr lang="zh-TW" altLang="en-US" dirty="0"/>
+              <a:t>方式</a:t>
+            </a:r>
+          </a:p>
+        </p:txBody>
+      </p:sp>
+      <p:sp>
+        <p:nvSpPr>
+          <p:cNvPr id="3" name="內容版面配置區 2"/>
+          <p:cNvSpPr>
+            <a:spLocks noGrp="1"/>
+          </p:cNvSpPr>
+          <p:nvPr>
+            <p:ph idx="1"/>
+          </p:nvPr>
+        </p:nvSpPr>
+        <p:spPr/>
+        <p:txBody>
+          <a:bodyPr>
+            <a:normAutofit/>
+          </a:bodyPr>
+          <a:lstStyle/>
+          <a:p>
+            <a:r>
+              <a:rPr lang="zh-TW" altLang="en-US" dirty="0"/>
+              <a:t>如何設定查詢參數</a:t>
+            </a:r>
+            <a:endParaRPr lang="en-US" altLang="zh-TW" dirty="0"/>
+          </a:p>
+          <a:p>
+            <a:pPr lvl="1"/>
+            <a:r>
+              <a:rPr lang="zh-TW" altLang="en-US" dirty="0"/>
+              <a:t>參考 </a:t>
+            </a:r>
+            <a:r>
+              <a:rPr lang="en-US" altLang="zh-TW" dirty="0"/>
+              <a:t>resources Search Parameters </a:t>
+            </a:r>
+            <a:r>
+              <a:rPr lang="zh-TW" altLang="en-US" dirty="0"/>
+              <a:t>說明</a:t>
+            </a:r>
+            <a:endParaRPr lang="en-US" altLang="zh-TW" dirty="0"/>
+          </a:p>
+          <a:p>
+            <a:pPr lvl="1"/>
+            <a:r>
+              <a:rPr lang="zh-TW" altLang="en-US" dirty="0"/>
+              <a:t>參考 </a:t>
+            </a:r>
+            <a:r>
+              <a:rPr lang="en-US" altLang="zh-TW" dirty="0"/>
+              <a:t>FHIR</a:t>
+            </a:r>
+            <a:r>
+              <a:rPr lang="zh-TW" altLang="en-US" dirty="0"/>
+              <a:t> </a:t>
+            </a:r>
+            <a:r>
+              <a:rPr lang="en-US" altLang="zh-TW" dirty="0"/>
+              <a:t>search </a:t>
+            </a:r>
+            <a:r>
+              <a:rPr lang="zh-TW" altLang="en-US" dirty="0"/>
+              <a:t>說明</a:t>
+            </a:r>
+            <a:endParaRPr lang="en-US" altLang="zh-TW" dirty="0"/>
+          </a:p>
+          <a:p>
+            <a:pPr lvl="2"/>
+            <a:r>
+              <a:rPr lang="en-US" altLang="zh-TW" dirty="0">
+                <a:hlinkClick r:id="rId2"/>
+              </a:rPr>
+              <a:t>https://www.hl7.org/fhir/search.html</a:t>
+            </a:r>
+            <a:endParaRPr lang="en-US" altLang="zh-TW" dirty="0"/>
+          </a:p>
+          <a:p>
+            <a:pPr lvl="1"/>
+            <a:r>
+              <a:rPr lang="zh-TW" altLang="en-US" dirty="0"/>
+              <a:t>參數有誤時，測試網站會回應查詢參數</a:t>
+            </a:r>
+            <a:endParaRPr lang="en-US" altLang="zh-TW" dirty="0"/>
+          </a:p>
+          <a:p>
+            <a:r>
+              <a:rPr lang="zh-TW" altLang="en-US" dirty="0"/>
+              <a:t>範例，查詢組織所屬病人</a:t>
+            </a:r>
+            <a:endParaRPr lang="en-US" altLang="zh-TW" dirty="0"/>
+          </a:p>
+          <a:p>
+            <a:pPr lvl="1"/>
+            <a:r>
+              <a:rPr lang="en-US" altLang="zh-TW" dirty="0" err="1">
+                <a:solidFill>
+                  <a:srgbClr val="FF0000"/>
+                </a:solidFill>
+              </a:rPr>
+              <a:t>serviceRoot</a:t>
+            </a:r>
+            <a:r>
+              <a:rPr lang="en-US" altLang="zh-TW" dirty="0"/>
+              <a:t>/</a:t>
+            </a:r>
+            <a:r>
+              <a:rPr lang="en-US" altLang="zh-TW" dirty="0" err="1">
+                <a:solidFill>
+                  <a:srgbClr val="00B050"/>
+                </a:solidFill>
+              </a:rPr>
+              <a:t>Patient</a:t>
+            </a:r>
+            <a:r>
+              <a:rPr lang="en-US" altLang="zh-TW" dirty="0" err="1"/>
+              <a:t>?</a:t>
+            </a:r>
+            <a:r>
+              <a:rPr lang="en-US" altLang="zh-TW" dirty="0" err="1">
+                <a:solidFill>
+                  <a:srgbClr val="002060"/>
+                </a:solidFill>
+              </a:rPr>
+              <a:t>organization</a:t>
+            </a:r>
+            <a:r>
+              <a:rPr lang="en-US" altLang="zh-TW" dirty="0"/>
+              <a:t>=***</a:t>
+            </a:r>
+          </a:p>
+          <a:p>
+            <a:endParaRPr lang="en-US" altLang="zh-TW" dirty="0"/>
+          </a:p>
+          <a:p>
+            <a:endParaRPr lang="en-US" altLang="zh-TW" dirty="0"/>
+          </a:p>
+          <a:p>
+            <a:endParaRPr lang="en-US" altLang="zh-TW" dirty="0"/>
+          </a:p>
+          <a:p>
+            <a:endParaRPr lang="en-US" altLang="zh-TW" dirty="0"/>
+          </a:p>
+        </p:txBody>
+      </p:sp>
+    </p:spTree>
+    <p:extLst>
+      <p:ext uri="{BB962C8B-B14F-4D97-AF65-F5344CB8AC3E}">
+        <p14:creationId xmlns:p14="http://schemas.microsoft.com/office/powerpoint/2010/main" val="162998139"/>
+      </p:ext>
+    </p:extLst>
+  </p:cSld>
+  <p:clrMapOvr>
+    <a:masterClrMapping/>
+  </p:clrMapOvr>
+</p:sld>
+</file>
+
+<file path=ppt/slides/slide3.xml><?xml version="1.0" encoding="utf-8"?>
+<p:sld xmlns:a="http://schemas.openxmlformats.org/drawingml/2006/main" xmlns:r="http://schemas.openxmlformats.org/officeDocument/2006/relationships" xmlns:p="http://schemas.openxmlformats.org/presentationml/2006/main">
+  <p:cSld>
+    <p:spTree>
+      <p:nvGrpSpPr>
+        <p:cNvPr id="1" name=""/>
+        <p:cNvGrpSpPr/>
+        <p:nvPr/>
+      </p:nvGrpSpPr>
+      <p:grpSpPr>
+        <a:xfrm>
+          <a:off x="0" y="0"/>
+          <a:ext cx="0" cy="0"/>
+          <a:chOff x="0" y="0"/>
+          <a:chExt cx="0" cy="0"/>
+        </a:xfrm>
+      </p:grpSpPr>
+      <p:sp>
+        <p:nvSpPr>
+          <p:cNvPr id="2" name="標題 1"/>
+          <p:cNvSpPr>
+            <a:spLocks noGrp="1"/>
+          </p:cNvSpPr>
+          <p:nvPr>
+            <p:ph type="title"/>
+          </p:nvPr>
+        </p:nvSpPr>
+        <p:spPr/>
+        <p:txBody>
+          <a:bodyPr>
+            <a:normAutofit/>
+          </a:bodyPr>
+          <a:lstStyle/>
+          <a:p>
+            <a:r>
+              <a:rPr lang="en-US" altLang="zh-TW" dirty="0"/>
+              <a:t>FHIR resource </a:t>
+            </a:r>
+            <a:r>
+              <a:rPr lang="zh-TW" altLang="en-US" dirty="0"/>
+              <a:t>定義連結</a:t>
+            </a:r>
+          </a:p>
+        </p:txBody>
+      </p:sp>
+      <p:sp>
+        <p:nvSpPr>
+          <p:cNvPr id="3" name="內容版面配置區 2"/>
+          <p:cNvSpPr>
+            <a:spLocks noGrp="1"/>
+          </p:cNvSpPr>
+          <p:nvPr>
+            <p:ph idx="1"/>
+          </p:nvPr>
+        </p:nvSpPr>
+        <p:spPr/>
+        <p:txBody>
+          <a:bodyPr>
+            <a:normAutofit fontScale="92500" lnSpcReduction="10000"/>
+          </a:bodyPr>
+          <a:lstStyle/>
+          <a:p>
+            <a:r>
+              <a:rPr lang="en-US" altLang="zh-TW" dirty="0"/>
+              <a:t>FHIR</a:t>
+            </a:r>
+            <a:r>
+              <a:rPr lang="zh-TW" altLang="en-US" dirty="0"/>
+              <a:t> 官網</a:t>
+            </a:r>
+            <a:endParaRPr lang="en-US" altLang="zh-TW" dirty="0"/>
+          </a:p>
+          <a:p>
+            <a:pPr lvl="1"/>
+            <a:r>
+              <a:rPr lang="en-US" altLang="zh-TW" dirty="0"/>
+              <a:t>https://www.hl7.org/fhir/</a:t>
+            </a:r>
+          </a:p>
+          <a:p>
+            <a:endParaRPr lang="en-US" altLang="zh-TW" dirty="0"/>
+          </a:p>
+          <a:p>
+            <a:r>
+              <a:rPr lang="en-US" altLang="zh-TW" dirty="0"/>
+              <a:t>FHIR Resources </a:t>
+            </a:r>
+            <a:r>
+              <a:rPr lang="zh-TW" altLang="en-US" dirty="0"/>
+              <a:t>分類</a:t>
+            </a:r>
+            <a:endParaRPr lang="en-US" altLang="zh-TW" dirty="0"/>
+          </a:p>
+          <a:p>
+            <a:pPr lvl="1"/>
+            <a:r>
+              <a:rPr lang="en-US" altLang="zh-TW" dirty="0"/>
+              <a:t>https://www.hl7.org/fhir/resourcelist.html</a:t>
+            </a:r>
+          </a:p>
+          <a:p>
+            <a:endParaRPr lang="en-US" altLang="zh-TW" dirty="0"/>
+          </a:p>
+          <a:p>
+            <a:r>
+              <a:rPr lang="en-US" altLang="zh-TW" dirty="0"/>
+              <a:t>FHIR</a:t>
+            </a:r>
+            <a:r>
+              <a:rPr lang="zh-TW" altLang="en-US" dirty="0"/>
+              <a:t> </a:t>
+            </a:r>
+            <a:r>
+              <a:rPr lang="en-US" altLang="zh-TW" dirty="0"/>
+              <a:t>Resources </a:t>
+            </a:r>
+            <a:r>
+              <a:rPr lang="zh-TW" altLang="en-US" dirty="0"/>
+              <a:t>範例連結</a:t>
+            </a:r>
+            <a:endParaRPr lang="en-US" altLang="zh-TW" dirty="0"/>
+          </a:p>
+          <a:p>
+            <a:pPr lvl="1"/>
+            <a:r>
+              <a:rPr lang="en-US" altLang="zh-TW" dirty="0">
+                <a:hlinkClick r:id="rId2"/>
+              </a:rPr>
+              <a:t>https://www.hl7.org/fhir/patient.html</a:t>
+            </a:r>
+            <a:endParaRPr lang="en-US" altLang="zh-TW" dirty="0"/>
+          </a:p>
+          <a:p>
+            <a:pPr lvl="1"/>
+            <a:r>
+              <a:rPr lang="en-US" altLang="zh-TW" dirty="0"/>
+              <a:t>https://www.hl7.org/fhir/organization.html</a:t>
+            </a:r>
+            <a:endParaRPr lang="zh-TW" altLang="en-US" dirty="0"/>
+          </a:p>
+        </p:txBody>
+      </p:sp>
+    </p:spTree>
+    <p:extLst>
+      <p:ext uri="{BB962C8B-B14F-4D97-AF65-F5344CB8AC3E}">
+        <p14:creationId xmlns:p14="http://schemas.microsoft.com/office/powerpoint/2010/main" val="1254974096"/>
+      </p:ext>
+    </p:extLst>
+  </p:cSld>
+  <p:clrMapOvr>
+    <a:masterClrMapping/>
+  </p:clrMapOvr>
+</p:sld>
+</file>
+
+<file path=ppt/slides/slide4.xml><?xml version="1.0" encoding="utf-8"?>
+<p:sld xmlns:a="http://schemas.openxmlformats.org/drawingml/2006/main" xmlns:r="http://schemas.openxmlformats.org/officeDocument/2006/relationships" xmlns:p="http://schemas.openxmlformats.org/presentationml/2006/main">
+  <p:cSld>
+    <p:spTree>
+      <p:nvGrpSpPr>
+        <p:cNvPr id="1" name=""/>
+        <p:cNvGrpSpPr/>
+        <p:nvPr/>
+      </p:nvGrpSpPr>
+      <p:grpSpPr>
+        <a:xfrm>
+          <a:off x="0" y="0"/>
+          <a:ext cx="0" cy="0"/>
+          <a:chOff x="0" y="0"/>
+          <a:chExt cx="0" cy="0"/>
+        </a:xfrm>
+      </p:grpSpPr>
+      <p:sp>
+        <p:nvSpPr>
+          <p:cNvPr id="2" name="標題 1">
+            <a:extLst>
+              <a:ext uri="{FF2B5EF4-FFF2-40B4-BE49-F238E27FC236}">
+                <a16:creationId xmlns:a16="http://schemas.microsoft.com/office/drawing/2014/main" id="{68394286-EF3E-4462-B634-FF1ADD4A5EB5}"/>
+              </a:ext>
+            </a:extLst>
+          </p:cNvPr>
+          <p:cNvSpPr>
+            <a:spLocks noGrp="1"/>
+          </p:cNvSpPr>
+          <p:nvPr>
+            <p:ph type="title"/>
+          </p:nvPr>
+        </p:nvSpPr>
+        <p:spPr>
+          <a:xfrm>
+            <a:off x="457200" y="497060"/>
+            <a:ext cx="8229600" cy="1143000"/>
+          </a:xfrm>
+        </p:spPr>
+        <p:txBody>
+          <a:bodyPr>
+            <a:normAutofit fontScale="90000"/>
+          </a:bodyPr>
+          <a:lstStyle/>
+          <a:p>
+            <a:r>
+              <a:rPr lang="zh-TW" altLang="en-US" dirty="0"/>
+              <a:t>健康醫療機構，新增病人生理監測、問題狀況、及問卷資料</a:t>
+            </a:r>
+          </a:p>
+        </p:txBody>
+      </p:sp>
+      <p:sp>
+        <p:nvSpPr>
+          <p:cNvPr id="3" name="內容版面配置區 2">
+            <a:extLst>
+              <a:ext uri="{FF2B5EF4-FFF2-40B4-BE49-F238E27FC236}">
+                <a16:creationId xmlns:a16="http://schemas.microsoft.com/office/drawing/2014/main" id="{58B354EA-A096-4320-B29A-07610B297A47}"/>
+              </a:ext>
+            </a:extLst>
+          </p:cNvPr>
+          <p:cNvSpPr>
+            <a:spLocks noGrp="1"/>
+          </p:cNvSpPr>
+          <p:nvPr>
+            <p:ph idx="1"/>
+          </p:nvPr>
+        </p:nvSpPr>
+        <p:spPr>
+          <a:xfrm>
+            <a:off x="280086" y="1970903"/>
+            <a:ext cx="8406714" cy="4525963"/>
+          </a:xfrm>
+        </p:spPr>
+        <p:txBody>
+          <a:bodyPr/>
+          <a:lstStyle/>
+          <a:p>
+            <a:r>
+              <a:rPr lang="zh-TW" altLang="en-US" dirty="0"/>
+              <a:t>先建組織及病人</a:t>
+            </a:r>
+          </a:p>
+          <a:p>
+            <a:r>
+              <a:rPr lang="zh-TW" altLang="en-US" dirty="0"/>
+              <a:t>查詢機構目前病患列表</a:t>
+            </a:r>
+          </a:p>
+          <a:p>
+            <a:r>
+              <a:rPr lang="zh-TW" altLang="en-US" dirty="0"/>
+              <a:t>點選病人， 進入護理記錄首頁</a:t>
+            </a:r>
+          </a:p>
+          <a:p>
+            <a:pPr lvl="1"/>
+            <a:r>
+              <a:rPr lang="zh-TW" altLang="en-US" dirty="0"/>
+              <a:t>選擇要輸入的生理監測、問題狀況、或問卷</a:t>
+            </a:r>
+          </a:p>
+          <a:p>
+            <a:pPr lvl="1"/>
+            <a:r>
+              <a:rPr lang="zh-TW" altLang="en-US" dirty="0"/>
+              <a:t>生理監測、問題狀況、問卷輸入網頁， 輸入及上傳資料</a:t>
+            </a:r>
+            <a:endParaRPr lang="en-US" altLang="zh-TW" dirty="0"/>
+          </a:p>
+          <a:p>
+            <a:pPr lvl="1"/>
+            <a:r>
+              <a:rPr lang="zh-TW" altLang="en-US" dirty="0"/>
+              <a:t>查看病人護理紀錄</a:t>
+            </a:r>
+          </a:p>
+          <a:p>
+            <a:endParaRPr lang="zh-TW" altLang="en-US" dirty="0"/>
+          </a:p>
+          <a:p>
+            <a:endParaRPr lang="zh-TW" altLang="en-US" dirty="0"/>
+          </a:p>
+        </p:txBody>
+      </p:sp>
+    </p:spTree>
+    <p:extLst>
+      <p:ext uri="{BB962C8B-B14F-4D97-AF65-F5344CB8AC3E}">
+        <p14:creationId xmlns:p14="http://schemas.microsoft.com/office/powerpoint/2010/main" val="891772504"/>
+      </p:ext>
+    </p:extLst>
+  </p:cSld>
+  <p:clrMapOvr>
+    <a:masterClrMapping/>
+  </p:clrMapOvr>
+</p:sld>
+</file>
+
+<file path=ppt/slides/slide5.xml><?xml version="1.0" encoding="utf-8"?>
+<p:sld xmlns:a="http://schemas.openxmlformats.org/drawingml/2006/main" xmlns:r="http://schemas.openxmlformats.org/officeDocument/2006/relationships" xmlns:p="http://schemas.openxmlformats.org/presentationml/2006/main">
+  <p:cSld>
+    <p:spTree>
+      <p:nvGrpSpPr>
+        <p:cNvPr id="1" name=""/>
+        <p:cNvGrpSpPr/>
+        <p:nvPr/>
+      </p:nvGrpSpPr>
+      <p:grpSpPr>
+        <a:xfrm>
+          <a:off x="0" y="0"/>
+          <a:ext cx="0" cy="0"/>
+          <a:chOff x="0" y="0"/>
+          <a:chExt cx="0" cy="0"/>
+        </a:xfrm>
+      </p:grpSpPr>
+      <p:sp>
+        <p:nvSpPr>
+          <p:cNvPr id="2" name="標題 1">
+            <a:extLst>
+              <a:ext uri="{FF2B5EF4-FFF2-40B4-BE49-F238E27FC236}">
+                <a16:creationId xmlns:a16="http://schemas.microsoft.com/office/drawing/2014/main" id="{215EF208-3D9F-48BC-B345-6504B24605F7}"/>
+              </a:ext>
+            </a:extLst>
+          </p:cNvPr>
+          <p:cNvSpPr>
+            <a:spLocks noGrp="1"/>
+          </p:cNvSpPr>
+          <p:nvPr>
+            <p:ph type="title"/>
+          </p:nvPr>
+        </p:nvSpPr>
+        <p:spPr>
+          <a:xfrm>
+            <a:off x="552450" y="0"/>
+            <a:ext cx="8229600" cy="1143000"/>
+          </a:xfrm>
+        </p:spPr>
+        <p:txBody>
+          <a:bodyPr/>
+          <a:lstStyle/>
+          <a:p>
+            <a:r>
+              <a:rPr lang="zh-TW" altLang="en-US" dirty="0"/>
+              <a:t>新增健康醫療單位</a:t>
+            </a:r>
+          </a:p>
+        </p:txBody>
+      </p:sp>
+      <p:sp>
+        <p:nvSpPr>
+          <p:cNvPr id="3" name="內容版面配置區 2">
+            <a:extLst>
+              <a:ext uri="{FF2B5EF4-FFF2-40B4-BE49-F238E27FC236}">
+                <a16:creationId xmlns:a16="http://schemas.microsoft.com/office/drawing/2014/main" id="{41147517-BCBD-4D20-9DFA-C5C0C19DE10B}"/>
+              </a:ext>
+            </a:extLst>
+          </p:cNvPr>
+          <p:cNvSpPr>
+            <a:spLocks noGrp="1"/>
+          </p:cNvSpPr>
+          <p:nvPr>
+            <p:ph idx="1"/>
+          </p:nvPr>
+        </p:nvSpPr>
+        <p:spPr/>
+        <p:txBody>
+          <a:bodyPr/>
+          <a:lstStyle/>
+          <a:p>
+            <a:endParaRPr lang="zh-TW" altLang="en-US"/>
+          </a:p>
+        </p:txBody>
+      </p:sp>
+      <p:pic>
+        <p:nvPicPr>
+          <p:cNvPr id="4" name="圖片 3">
+            <a:extLst>
+              <a:ext uri="{FF2B5EF4-FFF2-40B4-BE49-F238E27FC236}">
+                <a16:creationId xmlns:a16="http://schemas.microsoft.com/office/drawing/2014/main" id="{2FB64AE8-C259-4710-9CA8-793264D294DA}"/>
+              </a:ext>
+            </a:extLst>
+          </p:cNvPr>
+          <p:cNvPicPr>
+            <a:picLocks noChangeAspect="1"/>
+          </p:cNvPicPr>
+          <p:nvPr/>
+        </p:nvPicPr>
+        <p:blipFill>
+          <a:blip r:embed="rId2"/>
+          <a:stretch>
+            <a:fillRect/>
+          </a:stretch>
+        </p:blipFill>
+        <p:spPr>
+          <a:xfrm>
+            <a:off x="361950" y="1143000"/>
+            <a:ext cx="8420100" cy="5832838"/>
+          </a:xfrm>
+          <a:prstGeom prst="rect">
+            <a:avLst/>
+          </a:prstGeom>
+        </p:spPr>
+      </p:pic>
+    </p:spTree>
+    <p:extLst>
+      <p:ext uri="{BB962C8B-B14F-4D97-AF65-F5344CB8AC3E}">
+        <p14:creationId xmlns:p14="http://schemas.microsoft.com/office/powerpoint/2010/main" val="3185863722"/>
+      </p:ext>
+    </p:extLst>
+  </p:cSld>
+  <p:clrMapOvr>
+    <a:masterClrMapping/>
+  </p:clrMapOvr>
 </p:sld>
 </file>
 
@@ -8247,7 +8515,13 @@
       </p:grpSpPr>
       <p:sp>
         <p:nvSpPr>
-          <p:cNvPr id="2" name="標題 1"/>
+          <p:cNvPr id="2" name="標題 1">
+            <a:extLst>
+              <a:ext uri="{FF2B5EF4-FFF2-40B4-BE49-F238E27FC236}">
+                <a16:creationId xmlns:a16="http://schemas.microsoft.com/office/drawing/2014/main" id="{BB1A1CAD-F043-4FED-8043-375523DB1DF7}"/>
+              </a:ext>
+            </a:extLst>
+          </p:cNvPr>
           <p:cNvSpPr>
             <a:spLocks noGrp="1"/>
           </p:cNvSpPr>
@@ -8255,110 +8529,82 @@
             <p:ph type="title"/>
           </p:nvPr>
         </p:nvSpPr>
+        <p:spPr>
+          <a:xfrm>
+            <a:off x="457200" y="274638"/>
+            <a:ext cx="8229600" cy="1036804"/>
+          </a:xfrm>
+        </p:spPr>
+        <p:txBody>
+          <a:bodyPr/>
+          <a:lstStyle/>
+          <a:p>
+            <a:r>
+              <a:rPr lang="zh-TW" altLang="en-US" dirty="0"/>
+              <a:t>機構目前病患列表</a:t>
+            </a:r>
+          </a:p>
+        </p:txBody>
+      </p:sp>
+      <p:sp>
+        <p:nvSpPr>
+          <p:cNvPr id="3" name="內容版面配置區 2">
+            <a:extLst>
+              <a:ext uri="{FF2B5EF4-FFF2-40B4-BE49-F238E27FC236}">
+                <a16:creationId xmlns:a16="http://schemas.microsoft.com/office/drawing/2014/main" id="{6E020085-4280-4981-9BD1-2FFE766A86A0}"/>
+              </a:ext>
+            </a:extLst>
+          </p:cNvPr>
+          <p:cNvSpPr>
+            <a:spLocks noGrp="1"/>
+          </p:cNvSpPr>
+          <p:nvPr>
+            <p:ph idx="1"/>
+          </p:nvPr>
+        </p:nvSpPr>
         <p:spPr/>
         <p:txBody>
           <a:bodyPr/>
           <a:lstStyle/>
           <a:p>
-            <a:r>
-              <a:rPr lang="en-US" altLang="zh-TW" dirty="0" smtClean="0"/>
-              <a:t>FHIR</a:t>
-            </a:r>
-            <a:r>
-              <a:rPr lang="zh-TW" altLang="en-US" dirty="0" smtClean="0"/>
-              <a:t> </a:t>
-            </a:r>
-            <a:r>
-              <a:rPr lang="en-US" altLang="zh-TW" dirty="0" smtClean="0"/>
-              <a:t>patient</a:t>
-            </a:r>
-            <a:endParaRPr lang="zh-TW" altLang="en-US" dirty="0"/>
-          </a:p>
-        </p:txBody>
-      </p:sp>
-      <p:sp>
-        <p:nvSpPr>
-          <p:cNvPr id="3" name="內容版面配置區 2"/>
-          <p:cNvSpPr>
-            <a:spLocks noGrp="1"/>
-          </p:cNvSpPr>
-          <p:nvPr>
-            <p:ph idx="1"/>
-          </p:nvPr>
-        </p:nvSpPr>
-        <p:spPr/>
-        <p:txBody>
-          <a:bodyPr>
-            <a:normAutofit/>
-          </a:bodyPr>
-          <a:lstStyle/>
-          <a:p>
-            <a:r>
-              <a:rPr lang="zh-TW" altLang="en-US" dirty="0" smtClean="0"/>
-              <a:t>國際標</a:t>
-            </a:r>
-            <a:r>
-              <a:rPr lang="zh-TW" altLang="en-US" dirty="0"/>
-              <a:t>準</a:t>
-            </a:r>
-            <a:endParaRPr lang="en-US" altLang="zh-TW" dirty="0" smtClean="0"/>
-          </a:p>
-          <a:p>
-            <a:pPr lvl="1"/>
-            <a:r>
-              <a:rPr lang="en-US" altLang="zh-TW" dirty="0"/>
-              <a:t>https://www.hl7.org/fhir/patient.html</a:t>
-            </a:r>
-          </a:p>
-          <a:p>
-            <a:r>
-              <a:rPr lang="zh-TW" altLang="en-US" dirty="0" smtClean="0"/>
-              <a:t>台灣自訂</a:t>
-            </a:r>
-            <a:endParaRPr lang="en-US" altLang="zh-TW" dirty="0"/>
-          </a:p>
-          <a:p>
-            <a:pPr lvl="1"/>
-            <a:r>
-              <a:rPr lang="en-US" altLang="zh-TW" dirty="0"/>
-              <a:t>https://mos2718.github.io/FHIRspec/Spec/Patient/patient.html</a:t>
-            </a:r>
-            <a:endParaRPr lang="en-US" altLang="zh-TW" dirty="0" smtClean="0"/>
-          </a:p>
-          <a:p>
-            <a:pPr lvl="1"/>
-            <a:r>
-              <a:rPr lang="zh-TW" altLang="en-US" dirty="0"/>
-              <a:t>進一步確認我們需要的細部欄位規格，如</a:t>
-            </a:r>
-            <a:r>
-              <a:rPr lang="en-US" altLang="zh-TW" dirty="0"/>
-              <a:t>:</a:t>
-            </a:r>
-          </a:p>
-          <a:p>
-            <a:pPr lvl="2"/>
-            <a:r>
-              <a:rPr lang="zh-TW" altLang="en-US" dirty="0"/>
-              <a:t>是否放身分證號，放哪裡</a:t>
-            </a:r>
-          </a:p>
-          <a:p>
-            <a:pPr lvl="2"/>
-            <a:r>
-              <a:rPr lang="zh-TW" altLang="en-US" dirty="0"/>
-              <a:t>中文姓名、電話之基本格式</a:t>
-            </a:r>
-          </a:p>
-          <a:p>
-            <a:endParaRPr lang="zh-TW" altLang="en-US" dirty="0"/>
-          </a:p>
-        </p:txBody>
-      </p:sp>
+            <a:endParaRPr lang="zh-TW" altLang="en-US"/>
+          </a:p>
+        </p:txBody>
+      </p:sp>
+      <p:pic>
+        <p:nvPicPr>
+          <p:cNvPr id="5" name="圖片 4">
+            <a:extLst>
+              <a:ext uri="{FF2B5EF4-FFF2-40B4-BE49-F238E27FC236}">
+                <a16:creationId xmlns:a16="http://schemas.microsoft.com/office/drawing/2014/main" id="{3A20C9E9-7A56-4351-90B9-CC3B16394C97}"/>
+              </a:ext>
+            </a:extLst>
+          </p:cNvPr>
+          <p:cNvPicPr>
+            <a:picLocks noChangeAspect="1"/>
+          </p:cNvPicPr>
+          <p:nvPr/>
+        </p:nvPicPr>
+        <p:blipFill>
+          <a:blip r:embed="rId2"/>
+          <a:stretch>
+            <a:fillRect/>
+          </a:stretch>
+        </p:blipFill>
+        <p:spPr>
+          <a:xfrm>
+            <a:off x="439127" y="1420426"/>
+            <a:ext cx="8265745" cy="5437573"/>
+          </a:xfrm>
+          <a:prstGeom prst="rect">
+            <a:avLst/>
+          </a:prstGeom>
+        </p:spPr>
+      </p:pic>
     </p:spTree>
     <p:extLst>
       <p:ext uri="{BB962C8B-B14F-4D97-AF65-F5344CB8AC3E}">
-        <p14:creationId xmlns:p14="http://schemas.microsoft.com/office/powerpoint/2010/main" val="664346050"/>
+        <p14:creationId xmlns:p14="http://schemas.microsoft.com/office/powerpoint/2010/main" val="1136673450"/>
       </p:ext>
     </p:extLst>
   </p:cSld>
@@ -8387,7 +8633,13 @@
       </p:grpSpPr>
       <p:sp>
         <p:nvSpPr>
-          <p:cNvPr id="2" name="標題 1"/>
+          <p:cNvPr id="2" name="標題 1">
+            <a:extLst>
+              <a:ext uri="{FF2B5EF4-FFF2-40B4-BE49-F238E27FC236}">
+                <a16:creationId xmlns:a16="http://schemas.microsoft.com/office/drawing/2014/main" id="{887319E3-F548-4145-B927-FB095072F13E}"/>
+              </a:ext>
+            </a:extLst>
+          </p:cNvPr>
           <p:cNvSpPr>
             <a:spLocks noGrp="1"/>
           </p:cNvSpPr>
@@ -8397,43 +8649,30 @@
         </p:nvSpPr>
         <p:spPr>
           <a:xfrm>
-            <a:off x="556591" y="0"/>
-            <a:ext cx="8229600" cy="1143000"/>
+            <a:off x="581487" y="-80469"/>
+            <a:ext cx="8229600" cy="812306"/>
           </a:xfrm>
         </p:spPr>
         <p:txBody>
-          <a:bodyPr>
-            <a:normAutofit/>
-          </a:bodyPr>
-          <a:lstStyle/>
-          <a:p>
-            <a:r>
-              <a:rPr lang="en-US" altLang="zh-TW" dirty="0"/>
-              <a:t>FHIR resource </a:t>
-            </a:r>
-            <a:r>
-              <a:rPr lang="zh-TW" altLang="en-US" dirty="0" smtClean="0"/>
-              <a:t>範例</a:t>
-            </a:r>
-            <a:r>
-              <a:rPr lang="en-US" altLang="zh-TW" dirty="0" smtClean="0"/>
-              <a:t>(</a:t>
-            </a:r>
-            <a:r>
-              <a:rPr lang="zh-TW" altLang="en-US" dirty="0" smtClean="0"/>
-              <a:t>使用者端產生</a:t>
-            </a:r>
-            <a:r>
-              <a:rPr lang="en-US" altLang="zh-TW" dirty="0" smtClean="0"/>
-              <a:t>)</a:t>
-            </a:r>
-            <a:endParaRPr lang="zh-TW" altLang="en-US" dirty="0"/>
-          </a:p>
-        </p:txBody>
-      </p:sp>
-      <p:sp>
-        <p:nvSpPr>
-          <p:cNvPr id="3" name="內容版面配置區 2"/>
+          <a:bodyPr/>
+          <a:lstStyle/>
+          <a:p>
+            <a:r>
+              <a:rPr lang="zh-TW" altLang="en-US" dirty="0"/>
+              <a:t>護理記錄首頁</a:t>
+            </a:r>
+          </a:p>
+        </p:txBody>
+      </p:sp>
+      <p:sp>
+        <p:nvSpPr>
+          <p:cNvPr id="3" name="內容版面配置區 2">
+            <a:extLst>
+              <a:ext uri="{FF2B5EF4-FFF2-40B4-BE49-F238E27FC236}">
+                <a16:creationId xmlns:a16="http://schemas.microsoft.com/office/drawing/2014/main" id="{7CE88057-A333-47F8-80FD-66C326EAC1E3}"/>
+              </a:ext>
+            </a:extLst>
+          </p:cNvPr>
           <p:cNvSpPr>
             <a:spLocks noGrp="1"/>
           </p:cNvSpPr>
@@ -8441,269 +8680,49 @@
             <p:ph idx="1"/>
           </p:nvPr>
         </p:nvSpPr>
+        <p:spPr/>
+        <p:txBody>
+          <a:bodyPr/>
+          <a:lstStyle/>
+          <a:p>
+            <a:endParaRPr lang="zh-TW" altLang="en-US"/>
+          </a:p>
+        </p:txBody>
+      </p:sp>
+      <p:pic>
+        <p:nvPicPr>
+          <p:cNvPr id="4" name="圖片 3">
+            <a:extLst>
+              <a:ext uri="{FF2B5EF4-FFF2-40B4-BE49-F238E27FC236}">
+                <a16:creationId xmlns:a16="http://schemas.microsoft.com/office/drawing/2014/main" id="{3DF0A64E-B3E2-495F-B193-71119D6FA495}"/>
+              </a:ext>
+            </a:extLst>
+          </p:cNvPr>
+          <p:cNvPicPr>
+            <a:picLocks noChangeAspect="1"/>
+          </p:cNvPicPr>
+          <p:nvPr/>
+        </p:nvPicPr>
+        <p:blipFill>
+          <a:blip r:embed="rId2"/>
+          <a:stretch>
+            <a:fillRect/>
+          </a:stretch>
+        </p:blipFill>
         <p:spPr>
           <a:xfrm>
-            <a:off x="775252" y="1143000"/>
-            <a:ext cx="8229600" cy="5814390"/>
+            <a:off x="1" y="807869"/>
+            <a:ext cx="9215022" cy="6050132"/>
           </a:xfrm>
+          <a:prstGeom prst="rect">
+            <a:avLst/>
+          </a:prstGeom>
         </p:spPr>
-        <p:txBody>
-          <a:bodyPr>
-            <a:normAutofit fontScale="55000" lnSpcReduction="20000"/>
-          </a:bodyPr>
-          <a:lstStyle/>
-          <a:p>
-            <a:pPr marL="0" indent="0">
-              <a:buNone/>
-            </a:pPr>
-            <a:r>
-              <a:rPr lang="en-US" altLang="zh-TW" dirty="0" smtClean="0"/>
-              <a:t>{       </a:t>
-            </a:r>
-            <a:r>
-              <a:rPr lang="en-US" altLang="zh-TW" dirty="0"/>
-              <a:t>"</a:t>
-            </a:r>
-            <a:r>
-              <a:rPr lang="en-US" altLang="zh-TW" dirty="0" err="1"/>
-              <a:t>resourceType</a:t>
-            </a:r>
-            <a:r>
-              <a:rPr lang="en-US" altLang="zh-TW" dirty="0"/>
-              <a:t>": "Patient",     </a:t>
-            </a:r>
-          </a:p>
-          <a:p>
-            <a:pPr marL="0" indent="0">
-              <a:buNone/>
-            </a:pPr>
-            <a:r>
-              <a:rPr lang="en-US" altLang="zh-TW" dirty="0"/>
-              <a:t>        "identifier": [</a:t>
-            </a:r>
-          </a:p>
-          <a:p>
-            <a:pPr marL="0" indent="0">
-              <a:buNone/>
-            </a:pPr>
-            <a:r>
-              <a:rPr lang="en-US" altLang="zh-TW" dirty="0"/>
-              <a:t>          {</a:t>
-            </a:r>
-          </a:p>
-          <a:p>
-            <a:pPr marL="0" indent="0">
-              <a:buNone/>
-            </a:pPr>
-            <a:r>
-              <a:rPr lang="en-US" altLang="zh-TW" dirty="0"/>
-              <a:t>           "system": "</a:t>
-            </a:r>
-            <a:r>
-              <a:rPr lang="zh-TW" altLang="en-US" dirty="0"/>
-              <a:t>身分證字號</a:t>
-            </a:r>
-            <a:r>
-              <a:rPr lang="en-US" altLang="zh-TW" dirty="0"/>
-              <a:t>",</a:t>
-            </a:r>
-          </a:p>
-          <a:p>
-            <a:pPr marL="0" indent="0">
-              <a:buNone/>
-            </a:pPr>
-            <a:r>
-              <a:rPr lang="en-US" altLang="zh-TW" dirty="0"/>
-              <a:t>            "value": "U12341111111111</a:t>
-            </a:r>
-            <a:r>
-              <a:rPr lang="en-US" altLang="zh-TW" dirty="0" smtClean="0"/>
-              <a:t>"</a:t>
-            </a:r>
-            <a:endParaRPr lang="en-US" altLang="zh-TW" dirty="0"/>
-          </a:p>
-          <a:p>
-            <a:pPr marL="0" indent="0">
-              <a:buNone/>
-            </a:pPr>
-            <a:r>
-              <a:rPr lang="en-US" altLang="zh-TW" dirty="0"/>
-              <a:t>          }</a:t>
-            </a:r>
-          </a:p>
-          <a:p>
-            <a:pPr marL="0" indent="0">
-              <a:buNone/>
-            </a:pPr>
-            <a:r>
-              <a:rPr lang="en-US" altLang="zh-TW" dirty="0"/>
-              <a:t>        ],</a:t>
-            </a:r>
-          </a:p>
-          <a:p>
-            <a:pPr marL="0" indent="0">
-              <a:buNone/>
-            </a:pPr>
-            <a:r>
-              <a:rPr lang="en-US" altLang="zh-TW" dirty="0"/>
-              <a:t>        "name": [</a:t>
-            </a:r>
-          </a:p>
-          <a:p>
-            <a:pPr marL="0" indent="0">
-              <a:buNone/>
-            </a:pPr>
-            <a:r>
-              <a:rPr lang="en-US" altLang="zh-TW" dirty="0"/>
-              <a:t>          {</a:t>
-            </a:r>
-          </a:p>
-          <a:p>
-            <a:pPr marL="0" indent="0">
-              <a:buNone/>
-            </a:pPr>
-            <a:r>
-              <a:rPr lang="en-US" altLang="zh-TW" dirty="0"/>
-              <a:t>            "text": "</a:t>
-            </a:r>
-            <a:r>
-              <a:rPr lang="zh-TW" altLang="en-US" dirty="0"/>
-              <a:t>林小妹</a:t>
-            </a:r>
-            <a:r>
-              <a:rPr lang="en-US" altLang="zh-TW" dirty="0"/>
-              <a:t>",</a:t>
-            </a:r>
-          </a:p>
-          <a:p>
-            <a:pPr marL="0" indent="0">
-              <a:buNone/>
-            </a:pPr>
-            <a:r>
-              <a:rPr lang="en-US" altLang="zh-TW" dirty="0"/>
-              <a:t>            "family": "</a:t>
-            </a:r>
-            <a:r>
-              <a:rPr lang="zh-TW" altLang="en-US" dirty="0"/>
-              <a:t>林</a:t>
-            </a:r>
-            <a:r>
-              <a:rPr lang="en-US" altLang="zh-TW" dirty="0"/>
-              <a:t>",</a:t>
-            </a:r>
-          </a:p>
-          <a:p>
-            <a:pPr marL="0" indent="0">
-              <a:buNone/>
-            </a:pPr>
-            <a:r>
-              <a:rPr lang="en-US" altLang="zh-TW" dirty="0"/>
-              <a:t>            "given": ["</a:t>
-            </a:r>
-            <a:r>
-              <a:rPr lang="zh-TW" altLang="en-US" dirty="0"/>
-              <a:t>林小妹</a:t>
-            </a:r>
-            <a:r>
-              <a:rPr lang="en-US" altLang="zh-TW" dirty="0"/>
-              <a:t>"]</a:t>
-            </a:r>
-          </a:p>
-          <a:p>
-            <a:pPr marL="0" indent="0">
-              <a:buNone/>
-            </a:pPr>
-            <a:r>
-              <a:rPr lang="en-US" altLang="zh-TW" dirty="0"/>
-              <a:t>          }</a:t>
-            </a:r>
-          </a:p>
-          <a:p>
-            <a:pPr marL="0" indent="0">
-              <a:buNone/>
-            </a:pPr>
-            <a:r>
-              <a:rPr lang="en-US" altLang="zh-TW" dirty="0"/>
-              <a:t>        ],</a:t>
-            </a:r>
-          </a:p>
-          <a:p>
-            <a:pPr marL="0" indent="0">
-              <a:buNone/>
-            </a:pPr>
-            <a:r>
-              <a:rPr lang="en-US" altLang="zh-TW" dirty="0"/>
-              <a:t>        "gender": "female",</a:t>
-            </a:r>
-          </a:p>
-          <a:p>
-            <a:pPr marL="0" indent="0">
-              <a:buNone/>
-            </a:pPr>
-            <a:r>
-              <a:rPr lang="en-US" altLang="zh-TW" dirty="0"/>
-              <a:t>        "</a:t>
-            </a:r>
-            <a:r>
-              <a:rPr lang="en-US" altLang="zh-TW" dirty="0" err="1"/>
-              <a:t>birthDate</a:t>
-            </a:r>
-            <a:r>
-              <a:rPr lang="en-US" altLang="zh-TW" dirty="0"/>
-              <a:t>": "1973-01-21",</a:t>
-            </a:r>
-          </a:p>
-          <a:p>
-            <a:pPr marL="0" indent="0">
-              <a:buNone/>
-            </a:pPr>
-            <a:r>
-              <a:rPr lang="en-US" altLang="zh-TW" dirty="0"/>
-              <a:t>        "</a:t>
-            </a:r>
-            <a:r>
-              <a:rPr lang="en-US" altLang="zh-TW" dirty="0" err="1"/>
-              <a:t>managingOrganization</a:t>
-            </a:r>
-            <a:r>
-              <a:rPr lang="en-US" altLang="zh-TW" dirty="0"/>
-              <a:t>": {</a:t>
-            </a:r>
-          </a:p>
-          <a:p>
-            <a:pPr marL="0" indent="0">
-              <a:buNone/>
-            </a:pPr>
-            <a:r>
-              <a:rPr lang="en-US" altLang="zh-TW" dirty="0"/>
-              <a:t>          "reference": "Organization/4"</a:t>
-            </a:r>
-          </a:p>
-          <a:p>
-            <a:pPr marL="0" indent="0">
-              <a:buNone/>
-            </a:pPr>
-            <a:r>
-              <a:rPr lang="en-US" altLang="zh-TW" dirty="0"/>
-              <a:t>        }</a:t>
-            </a:r>
-          </a:p>
-          <a:p>
-            <a:pPr marL="0" indent="0">
-              <a:buNone/>
-            </a:pPr>
-            <a:r>
-              <a:rPr lang="en-US" altLang="zh-TW" dirty="0"/>
-              <a:t>  }</a:t>
-            </a:r>
-            <a:endParaRPr lang="zh-TW" altLang="en-US" dirty="0"/>
-          </a:p>
-        </p:txBody>
-      </p:sp>
+      </p:pic>
     </p:spTree>
     <p:extLst>
       <p:ext uri="{BB962C8B-B14F-4D97-AF65-F5344CB8AC3E}">
-        <p14:creationId xmlns:p14="http://schemas.microsoft.com/office/powerpoint/2010/main" val="2064323741"/>
+        <p14:creationId xmlns:p14="http://schemas.microsoft.com/office/powerpoint/2010/main" val="3830677684"/>
       </p:ext>
     </p:extLst>
   </p:cSld>
@@ -8732,7 +8751,13 @@
       </p:grpSpPr>
       <p:sp>
         <p:nvSpPr>
-          <p:cNvPr id="2" name="標題 1"/>
+          <p:cNvPr id="2" name="標題 1">
+            <a:extLst>
+              <a:ext uri="{FF2B5EF4-FFF2-40B4-BE49-F238E27FC236}">
+                <a16:creationId xmlns:a16="http://schemas.microsoft.com/office/drawing/2014/main" id="{889AC4CF-A116-4456-8FB9-E086FD21EA20}"/>
+              </a:ext>
+            </a:extLst>
+          </p:cNvPr>
           <p:cNvSpPr>
             <a:spLocks noGrp="1"/>
           </p:cNvSpPr>
@@ -8740,12 +8765,7 @@
             <p:ph type="title"/>
           </p:nvPr>
         </p:nvSpPr>
-        <p:spPr>
-          <a:xfrm>
-            <a:off x="556591" y="0"/>
-            <a:ext cx="8229600" cy="1143000"/>
-          </a:xfrm>
-        </p:spPr>
+        <p:spPr/>
         <p:txBody>
           <a:bodyPr>
             <a:normAutofit/>
@@ -8753,32 +8773,21 @@
           <a:lstStyle/>
           <a:p>
             <a:r>
-              <a:rPr lang="en-US" altLang="zh-TW" sz="3600" dirty="0"/>
-              <a:t>FHIR resource </a:t>
-            </a:r>
-            <a:r>
-              <a:rPr lang="zh-TW" altLang="en-US" sz="3600" dirty="0" smtClean="0"/>
-              <a:t>範例</a:t>
-            </a:r>
-            <a:r>
-              <a:rPr lang="en-US" altLang="zh-TW" sz="3600" dirty="0" smtClean="0"/>
-              <a:t>(</a:t>
-            </a:r>
-            <a:r>
-              <a:rPr lang="zh-TW" altLang="en-US" sz="3600" dirty="0" smtClean="0"/>
-              <a:t>伺服器端添加資訊</a:t>
-            </a:r>
-            <a:r>
-              <a:rPr lang="en-US" altLang="zh-TW" sz="3600" dirty="0" smtClean="0"/>
-              <a:t>)</a:t>
-            </a:r>
-            <a:endParaRPr lang="zh-TW" altLang="en-US" sz="3600" dirty="0"/>
-          </a:p>
-        </p:txBody>
-      </p:sp>
-      <p:sp>
-        <p:nvSpPr>
-          <p:cNvPr id="3" name="內容版面配置區 2"/>
+              <a:rPr lang="zh-TW" altLang="en-US" dirty="0"/>
+              <a:t>輸入過去病史或問題狀況</a:t>
+            </a:r>
+          </a:p>
+        </p:txBody>
+      </p:sp>
+      <p:sp>
+        <p:nvSpPr>
+          <p:cNvPr id="3" name="內容版面配置區 2">
+            <a:extLst>
+              <a:ext uri="{FF2B5EF4-FFF2-40B4-BE49-F238E27FC236}">
+                <a16:creationId xmlns:a16="http://schemas.microsoft.com/office/drawing/2014/main" id="{AB7D0DED-AB92-4F1F-9618-4CE7AA975937}"/>
+              </a:ext>
+            </a:extLst>
+          </p:cNvPr>
           <p:cNvSpPr>
             <a:spLocks noGrp="1"/>
           </p:cNvSpPr>
@@ -8786,653 +8795,49 @@
             <p:ph idx="1"/>
           </p:nvPr>
         </p:nvSpPr>
+        <p:spPr/>
+        <p:txBody>
+          <a:bodyPr/>
+          <a:lstStyle/>
+          <a:p>
+            <a:endParaRPr lang="zh-TW" altLang="en-US"/>
+          </a:p>
+        </p:txBody>
+      </p:sp>
+      <p:pic>
+        <p:nvPicPr>
+          <p:cNvPr id="4" name="圖片 3">
+            <a:extLst>
+              <a:ext uri="{FF2B5EF4-FFF2-40B4-BE49-F238E27FC236}">
+                <a16:creationId xmlns:a16="http://schemas.microsoft.com/office/drawing/2014/main" id="{65A0FAB1-EE7D-4679-AA4C-6562E19B0C8D}"/>
+              </a:ext>
+            </a:extLst>
+          </p:cNvPr>
+          <p:cNvPicPr>
+            <a:picLocks noChangeAspect="1"/>
+          </p:cNvPicPr>
+          <p:nvPr/>
+        </p:nvPicPr>
+        <p:blipFill>
+          <a:blip r:embed="rId2"/>
+          <a:stretch>
+            <a:fillRect/>
+          </a:stretch>
+        </p:blipFill>
         <p:spPr>
           <a:xfrm>
-            <a:off x="675861" y="1560443"/>
-            <a:ext cx="8229600" cy="7026965"/>
-          </a:xfrm>
-        </p:spPr>
-        <p:txBody>
-          <a:bodyPr>
-            <a:noAutofit/>
-          </a:bodyPr>
-          <a:lstStyle/>
-          <a:p>
-            <a:pPr marL="0" indent="0">
-              <a:buNone/>
-            </a:pPr>
-            <a:r>
-              <a:rPr lang="en-US" altLang="zh-TW" sz="1400" dirty="0" smtClean="0"/>
-              <a:t>{  </a:t>
-            </a:r>
-            <a:r>
-              <a:rPr lang="en-US" altLang="zh-TW" sz="1400" dirty="0"/>
-              <a:t>"</a:t>
-            </a:r>
-            <a:r>
-              <a:rPr lang="en-US" altLang="zh-TW" sz="1400" dirty="0" err="1"/>
-              <a:t>resourceType</a:t>
-            </a:r>
-            <a:r>
-              <a:rPr lang="en-US" altLang="zh-TW" sz="1400" dirty="0"/>
-              <a:t>": "Patient",</a:t>
-            </a:r>
-          </a:p>
-          <a:p>
-            <a:pPr marL="0" indent="0">
-              <a:buNone/>
-            </a:pPr>
-            <a:r>
-              <a:rPr lang="en-US" altLang="zh-TW" sz="1400" dirty="0">
-                <a:solidFill>
-                  <a:srgbClr val="FF0000"/>
-                </a:solidFill>
-              </a:rPr>
-              <a:t>  "id": "4987",</a:t>
-            </a:r>
-          </a:p>
-          <a:p>
-            <a:pPr marL="0" indent="0">
-              <a:buNone/>
-            </a:pPr>
-            <a:r>
-              <a:rPr lang="en-US" altLang="zh-TW" sz="1400" dirty="0">
-                <a:solidFill>
-                  <a:srgbClr val="FF0000"/>
-                </a:solidFill>
-              </a:rPr>
-              <a:t>  "meta": {</a:t>
-            </a:r>
-          </a:p>
-          <a:p>
-            <a:pPr marL="0" indent="0">
-              <a:buNone/>
-            </a:pPr>
-            <a:r>
-              <a:rPr lang="en-US" altLang="zh-TW" sz="1400" dirty="0">
-                <a:solidFill>
-                  <a:srgbClr val="FF0000"/>
-                </a:solidFill>
-              </a:rPr>
-              <a:t>    "</a:t>
-            </a:r>
-            <a:r>
-              <a:rPr lang="en-US" altLang="zh-TW" sz="1400" dirty="0" err="1">
-                <a:solidFill>
-                  <a:srgbClr val="FF0000"/>
-                </a:solidFill>
-              </a:rPr>
-              <a:t>versionId</a:t>
-            </a:r>
-            <a:r>
-              <a:rPr lang="en-US" altLang="zh-TW" sz="1400" dirty="0">
-                <a:solidFill>
-                  <a:srgbClr val="FF0000"/>
-                </a:solidFill>
-              </a:rPr>
-              <a:t>": "1",</a:t>
-            </a:r>
-          </a:p>
-          <a:p>
-            <a:pPr marL="0" indent="0">
-              <a:buNone/>
-            </a:pPr>
-            <a:r>
-              <a:rPr lang="en-US" altLang="zh-TW" sz="1400" dirty="0">
-                <a:solidFill>
-                  <a:srgbClr val="FF0000"/>
-                </a:solidFill>
-              </a:rPr>
-              <a:t>    "</a:t>
-            </a:r>
-            <a:r>
-              <a:rPr lang="en-US" altLang="zh-TW" sz="1400" dirty="0" err="1">
-                <a:solidFill>
-                  <a:srgbClr val="FF0000"/>
-                </a:solidFill>
-              </a:rPr>
-              <a:t>lastUpdated</a:t>
-            </a:r>
-            <a:r>
-              <a:rPr lang="en-US" altLang="zh-TW" sz="1400" dirty="0">
-                <a:solidFill>
-                  <a:srgbClr val="FF0000"/>
-                </a:solidFill>
-              </a:rPr>
-              <a:t>": "2020-01-14T02:43:09.000+00:00"</a:t>
-            </a:r>
-          </a:p>
-          <a:p>
-            <a:pPr marL="0" indent="0">
-              <a:buNone/>
-            </a:pPr>
-            <a:r>
-              <a:rPr lang="en-US" altLang="zh-TW" sz="1400" dirty="0">
-                <a:solidFill>
-                  <a:srgbClr val="FF0000"/>
-                </a:solidFill>
-              </a:rPr>
-              <a:t>  },</a:t>
-            </a:r>
-          </a:p>
-          <a:p>
-            <a:pPr marL="0" indent="0">
-              <a:buNone/>
-            </a:pPr>
-            <a:r>
-              <a:rPr lang="en-US" altLang="zh-TW" sz="1400" dirty="0">
-                <a:solidFill>
-                  <a:srgbClr val="FF0000"/>
-                </a:solidFill>
-              </a:rPr>
-              <a:t>  "text": {</a:t>
-            </a:r>
-          </a:p>
-          <a:p>
-            <a:pPr marL="0" indent="0">
-              <a:buNone/>
-            </a:pPr>
-            <a:r>
-              <a:rPr lang="en-US" altLang="zh-TW" sz="1400" dirty="0">
-                <a:solidFill>
-                  <a:srgbClr val="FF0000"/>
-                </a:solidFill>
-              </a:rPr>
-              <a:t>    "status": "generated",</a:t>
-            </a:r>
-          </a:p>
-          <a:p>
-            <a:pPr marL="0" indent="0">
-              <a:buNone/>
-            </a:pPr>
-            <a:r>
-              <a:rPr lang="en-US" altLang="zh-TW" sz="1400" dirty="0">
-                <a:solidFill>
-                  <a:srgbClr val="FF0000"/>
-                </a:solidFill>
-              </a:rPr>
-              <a:t>    "div": "&lt;div </a:t>
-            </a:r>
-            <a:r>
-              <a:rPr lang="en-US" altLang="zh-TW" sz="1400" dirty="0" err="1">
-                <a:solidFill>
-                  <a:srgbClr val="FF0000"/>
-                </a:solidFill>
-              </a:rPr>
-              <a:t>xmlns</a:t>
-            </a:r>
-            <a:r>
-              <a:rPr lang="en-US" altLang="zh-TW" sz="1400" dirty="0">
-                <a:solidFill>
-                  <a:srgbClr val="FF0000"/>
-                </a:solidFill>
-              </a:rPr>
-              <a:t>=\"http://www.w3.org/1999/xhtml\"&gt;&lt;div class=\"</a:t>
-            </a:r>
-            <a:r>
-              <a:rPr lang="en-US" altLang="zh-TW" sz="1400" dirty="0" err="1">
-                <a:solidFill>
-                  <a:srgbClr val="FF0000"/>
-                </a:solidFill>
-              </a:rPr>
-              <a:t>hapiHeaderText</a:t>
-            </a:r>
-            <a:r>
-              <a:rPr lang="en-US" altLang="zh-TW" sz="1400" dirty="0">
-                <a:solidFill>
-                  <a:srgbClr val="FF0000"/>
-                </a:solidFill>
-              </a:rPr>
-              <a:t>\"&gt;</a:t>
-            </a:r>
-            <a:r>
-              <a:rPr lang="zh-TW" altLang="en-US" sz="1400" dirty="0">
-                <a:solidFill>
-                  <a:srgbClr val="FF0000"/>
-                </a:solidFill>
-              </a:rPr>
-              <a:t>林小妹 </a:t>
-            </a:r>
-            <a:r>
-              <a:rPr lang="en-US" altLang="zh-TW" sz="1400" dirty="0">
-                <a:solidFill>
-                  <a:srgbClr val="FF0000"/>
-                </a:solidFill>
-              </a:rPr>
-              <a:t>&lt;b&gt;</a:t>
-            </a:r>
-            <a:r>
-              <a:rPr lang="zh-TW" altLang="en-US" sz="1400" dirty="0">
-                <a:solidFill>
-                  <a:srgbClr val="FF0000"/>
-                </a:solidFill>
-              </a:rPr>
-              <a:t>林 </a:t>
-            </a:r>
-            <a:r>
-              <a:rPr lang="en-US" altLang="zh-TW" sz="1400" dirty="0">
-                <a:solidFill>
-                  <a:srgbClr val="FF0000"/>
-                </a:solidFill>
-              </a:rPr>
-              <a:t>&lt;/b&gt;&lt;/div&gt;&lt;table class=\"</a:t>
-            </a:r>
-            <a:r>
-              <a:rPr lang="en-US" altLang="zh-TW" sz="1400" dirty="0" err="1">
-                <a:solidFill>
-                  <a:srgbClr val="FF0000"/>
-                </a:solidFill>
-              </a:rPr>
-              <a:t>hapiPropertyTable</a:t>
-            </a:r>
-            <a:r>
-              <a:rPr lang="en-US" altLang="zh-TW" sz="1400" dirty="0">
-                <a:solidFill>
-                  <a:srgbClr val="FF0000"/>
-                </a:solidFill>
-              </a:rPr>
-              <a:t>\"&gt;&lt;</a:t>
-            </a:r>
-            <a:r>
-              <a:rPr lang="en-US" altLang="zh-TW" sz="1400" dirty="0" err="1">
-                <a:solidFill>
-                  <a:srgbClr val="FF0000"/>
-                </a:solidFill>
-              </a:rPr>
-              <a:t>tbody</a:t>
-            </a:r>
-            <a:r>
-              <a:rPr lang="en-US" altLang="zh-TW" sz="1400" dirty="0">
-                <a:solidFill>
-                  <a:srgbClr val="FF0000"/>
-                </a:solidFill>
-              </a:rPr>
-              <a:t>&gt;&lt;</a:t>
-            </a:r>
-            <a:r>
-              <a:rPr lang="en-US" altLang="zh-TW" sz="1400" dirty="0" err="1">
-                <a:solidFill>
-                  <a:srgbClr val="FF0000"/>
-                </a:solidFill>
-              </a:rPr>
-              <a:t>tr</a:t>
-            </a:r>
-            <a:r>
-              <a:rPr lang="en-US" altLang="zh-TW" sz="1400" dirty="0">
-                <a:solidFill>
-                  <a:srgbClr val="FF0000"/>
-                </a:solidFill>
-              </a:rPr>
-              <a:t>&gt;&lt;td&gt;Identifier&lt;/td&gt;&lt;td&gt;U12341111111111&lt;/td&gt;&lt;/</a:t>
-            </a:r>
-            <a:r>
-              <a:rPr lang="en-US" altLang="zh-TW" sz="1400" dirty="0" err="1">
-                <a:solidFill>
-                  <a:srgbClr val="FF0000"/>
-                </a:solidFill>
-              </a:rPr>
-              <a:t>tr</a:t>
-            </a:r>
-            <a:r>
-              <a:rPr lang="en-US" altLang="zh-TW" sz="1400" dirty="0">
-                <a:solidFill>
-                  <a:srgbClr val="FF0000"/>
-                </a:solidFill>
-              </a:rPr>
-              <a:t>&gt;&lt;</a:t>
-            </a:r>
-            <a:r>
-              <a:rPr lang="en-US" altLang="zh-TW" sz="1400" dirty="0" err="1">
-                <a:solidFill>
-                  <a:srgbClr val="FF0000"/>
-                </a:solidFill>
-              </a:rPr>
-              <a:t>tr</a:t>
-            </a:r>
-            <a:r>
-              <a:rPr lang="en-US" altLang="zh-TW" sz="1400" dirty="0">
-                <a:solidFill>
-                  <a:srgbClr val="FF0000"/>
-                </a:solidFill>
-              </a:rPr>
-              <a:t>&gt;&lt;td&gt;Date of birth&lt;/td&gt;&lt;td&gt;&lt;span&gt;21 January 1973&lt;/span&gt;&lt;/td&gt;&lt;/</a:t>
-            </a:r>
-            <a:r>
-              <a:rPr lang="en-US" altLang="zh-TW" sz="1400" dirty="0" err="1">
-                <a:solidFill>
-                  <a:srgbClr val="FF0000"/>
-                </a:solidFill>
-              </a:rPr>
-              <a:t>tr</a:t>
-            </a:r>
-            <a:r>
-              <a:rPr lang="en-US" altLang="zh-TW" sz="1400" dirty="0">
-                <a:solidFill>
-                  <a:srgbClr val="FF0000"/>
-                </a:solidFill>
-              </a:rPr>
-              <a:t>&gt;&lt;/</a:t>
-            </a:r>
-            <a:r>
-              <a:rPr lang="en-US" altLang="zh-TW" sz="1400" dirty="0" err="1">
-                <a:solidFill>
-                  <a:srgbClr val="FF0000"/>
-                </a:solidFill>
-              </a:rPr>
-              <a:t>tbody</a:t>
-            </a:r>
-            <a:r>
-              <a:rPr lang="en-US" altLang="zh-TW" sz="1400" dirty="0">
-                <a:solidFill>
-                  <a:srgbClr val="FF0000"/>
-                </a:solidFill>
-              </a:rPr>
-              <a:t>&gt;&lt;/table&gt;&lt;/div&gt;"</a:t>
-            </a:r>
-          </a:p>
-          <a:p>
-            <a:pPr marL="0" indent="0">
-              <a:buNone/>
-            </a:pPr>
-            <a:r>
-              <a:rPr lang="en-US" altLang="zh-TW" sz="1400" dirty="0">
-                <a:solidFill>
-                  <a:srgbClr val="FF0000"/>
-                </a:solidFill>
-              </a:rPr>
-              <a:t>  },</a:t>
-            </a:r>
-          </a:p>
-          <a:p>
-            <a:pPr marL="0" indent="0">
-              <a:buNone/>
-            </a:pPr>
-            <a:r>
-              <a:rPr lang="en-US" altLang="zh-TW" sz="1400" dirty="0"/>
-              <a:t>  "identifier": [</a:t>
-            </a:r>
-          </a:p>
-          <a:p>
-            <a:pPr marL="0" indent="0">
-              <a:buNone/>
-            </a:pPr>
-            <a:r>
-              <a:rPr lang="en-US" altLang="zh-TW" sz="1400" dirty="0"/>
-              <a:t>    {</a:t>
-            </a:r>
-          </a:p>
-          <a:p>
-            <a:pPr marL="0" indent="0">
-              <a:buNone/>
-            </a:pPr>
-            <a:r>
-              <a:rPr lang="en-US" altLang="zh-TW" sz="1400" dirty="0"/>
-              <a:t>      "system": "</a:t>
-            </a:r>
-            <a:r>
-              <a:rPr lang="zh-TW" altLang="en-US" sz="1400" dirty="0"/>
-              <a:t>身分證字號</a:t>
-            </a:r>
-            <a:r>
-              <a:rPr lang="en-US" altLang="zh-TW" sz="1400" dirty="0"/>
-              <a:t>",</a:t>
-            </a:r>
-          </a:p>
-          <a:p>
-            <a:pPr marL="0" indent="0">
-              <a:buNone/>
-            </a:pPr>
-            <a:r>
-              <a:rPr lang="en-US" altLang="zh-TW" sz="1400" dirty="0"/>
-              <a:t>      "value": "U12341111111111"</a:t>
-            </a:r>
-          </a:p>
-          <a:p>
-            <a:pPr marL="0" indent="0">
-              <a:buNone/>
-            </a:pPr>
-            <a:r>
-              <a:rPr lang="en-US" altLang="zh-TW" sz="1400" dirty="0"/>
-              <a:t>    }</a:t>
-            </a:r>
-          </a:p>
-          <a:p>
-            <a:pPr marL="0" indent="0">
-              <a:buNone/>
-            </a:pPr>
-            <a:r>
-              <a:rPr lang="en-US" altLang="zh-TW" sz="1400" dirty="0"/>
-              <a:t>  ],</a:t>
-            </a:r>
-          </a:p>
-          <a:p>
-            <a:pPr marL="0" indent="0">
-              <a:buNone/>
-            </a:pPr>
-            <a:r>
-              <a:rPr lang="en-US" altLang="zh-TW" sz="1400" dirty="0"/>
-              <a:t>  "name": [</a:t>
-            </a:r>
-          </a:p>
-          <a:p>
-            <a:pPr marL="0" indent="0">
-              <a:buNone/>
-            </a:pPr>
-            <a:r>
-              <a:rPr lang="en-US" altLang="zh-TW" sz="1400" dirty="0"/>
-              <a:t>    {</a:t>
-            </a:r>
-          </a:p>
-          <a:p>
-            <a:pPr marL="0" indent="0">
-              <a:buNone/>
-            </a:pPr>
-            <a:r>
-              <a:rPr lang="en-US" altLang="zh-TW" sz="1400" dirty="0"/>
-              <a:t>      "text": "</a:t>
-            </a:r>
-            <a:r>
-              <a:rPr lang="zh-TW" altLang="en-US" sz="1400" dirty="0"/>
-              <a:t>林小妹</a:t>
-            </a:r>
-            <a:r>
-              <a:rPr lang="en-US" altLang="zh-TW" sz="1400" dirty="0"/>
-              <a:t>",</a:t>
-            </a:r>
-          </a:p>
-          <a:p>
-            <a:pPr marL="0" indent="0">
-              <a:buNone/>
-            </a:pPr>
-            <a:r>
-              <a:rPr lang="en-US" altLang="zh-TW" sz="1400" dirty="0"/>
-              <a:t>      "family": "</a:t>
-            </a:r>
-            <a:r>
-              <a:rPr lang="zh-TW" altLang="en-US" sz="1400" dirty="0"/>
-              <a:t>林</a:t>
-            </a:r>
-            <a:r>
-              <a:rPr lang="en-US" altLang="zh-TW" sz="1400" dirty="0"/>
-              <a:t>",</a:t>
-            </a:r>
-          </a:p>
-          <a:p>
-            <a:pPr marL="0" indent="0">
-              <a:buNone/>
-            </a:pPr>
-            <a:r>
-              <a:rPr lang="en-US" altLang="zh-TW" sz="1400" dirty="0"/>
-              <a:t>      "given": [</a:t>
-            </a:r>
-          </a:p>
-          <a:p>
-            <a:pPr marL="0" indent="0">
-              <a:buNone/>
-            </a:pPr>
-            <a:r>
-              <a:rPr lang="en-US" altLang="zh-TW" sz="1400" dirty="0"/>
-              <a:t>        "</a:t>
-            </a:r>
-            <a:r>
-              <a:rPr lang="zh-TW" altLang="en-US" sz="1400" dirty="0"/>
-              <a:t>林小妹</a:t>
-            </a:r>
-            <a:r>
-              <a:rPr lang="en-US" altLang="zh-TW" sz="1400" dirty="0"/>
-              <a:t>"</a:t>
-            </a:r>
-          </a:p>
-          <a:p>
-            <a:pPr marL="0" indent="0">
-              <a:buNone/>
-            </a:pPr>
-            <a:r>
-              <a:rPr lang="en-US" altLang="zh-TW" sz="1400" dirty="0"/>
-              <a:t>      ]</a:t>
-            </a:r>
-          </a:p>
-          <a:p>
-            <a:pPr marL="0" indent="0">
-              <a:buNone/>
-            </a:pPr>
-            <a:r>
-              <a:rPr lang="en-US" altLang="zh-TW" sz="1400" dirty="0"/>
-              <a:t>    }</a:t>
-            </a:r>
-          </a:p>
-          <a:p>
-            <a:pPr marL="0" indent="0">
-              <a:buNone/>
-            </a:pPr>
-            <a:r>
-              <a:rPr lang="en-US" altLang="zh-TW" sz="1400" dirty="0"/>
-              <a:t>  ],</a:t>
-            </a:r>
-          </a:p>
-          <a:p>
-            <a:pPr marL="0" indent="0">
-              <a:buNone/>
-            </a:pPr>
-            <a:r>
-              <a:rPr lang="en-US" altLang="zh-TW" sz="1400" dirty="0"/>
-              <a:t>  "gender": "female",</a:t>
-            </a:r>
-          </a:p>
-          <a:p>
-            <a:pPr marL="0" indent="0">
-              <a:buNone/>
-            </a:pPr>
-            <a:r>
-              <a:rPr lang="en-US" altLang="zh-TW" sz="1400" dirty="0"/>
-              <a:t>  "</a:t>
-            </a:r>
-            <a:r>
-              <a:rPr lang="en-US" altLang="zh-TW" sz="1400" dirty="0" err="1"/>
-              <a:t>birthDate</a:t>
-            </a:r>
-            <a:r>
-              <a:rPr lang="en-US" altLang="zh-TW" sz="1400" dirty="0"/>
-              <a:t>": "1973-01-21",</a:t>
-            </a:r>
-          </a:p>
-          <a:p>
-            <a:pPr marL="0" indent="0">
-              <a:buNone/>
-            </a:pPr>
-            <a:r>
-              <a:rPr lang="en-US" altLang="zh-TW" sz="1400" dirty="0"/>
-              <a:t>  "</a:t>
-            </a:r>
-            <a:r>
-              <a:rPr lang="en-US" altLang="zh-TW" sz="1400" dirty="0" err="1"/>
-              <a:t>managingOrganization</a:t>
-            </a:r>
-            <a:r>
-              <a:rPr lang="en-US" altLang="zh-TW" sz="1400" dirty="0"/>
-              <a:t>": {</a:t>
-            </a:r>
-          </a:p>
-          <a:p>
-            <a:pPr marL="0" indent="0">
-              <a:buNone/>
-            </a:pPr>
-            <a:r>
-              <a:rPr lang="en-US" altLang="zh-TW" sz="1400" dirty="0"/>
-              <a:t>    "reference": "Organization/4"</a:t>
-            </a:r>
-          </a:p>
-          <a:p>
-            <a:pPr marL="0" indent="0">
-              <a:buNone/>
-            </a:pPr>
-            <a:r>
-              <a:rPr lang="en-US" altLang="zh-TW" sz="1400" dirty="0"/>
-              <a:t>  }</a:t>
-            </a:r>
-          </a:p>
-          <a:p>
-            <a:pPr marL="0" indent="0">
-              <a:buNone/>
-            </a:pPr>
-            <a:r>
-              <a:rPr lang="en-US" altLang="zh-TW" sz="1400" dirty="0"/>
-              <a:t>}</a:t>
-            </a:r>
-            <a:endParaRPr lang="zh-TW" altLang="en-US" sz="1400" dirty="0"/>
-          </a:p>
-        </p:txBody>
-      </p:sp>
-      <p:sp>
-        <p:nvSpPr>
-          <p:cNvPr id="4" name="文字方塊 3"/>
-          <p:cNvSpPr txBox="1"/>
-          <p:nvPr/>
-        </p:nvSpPr>
-        <p:spPr>
-          <a:xfrm>
-            <a:off x="675861" y="958334"/>
-            <a:ext cx="8637104" cy="369332"/>
+            <a:off x="177554" y="1417638"/>
+            <a:ext cx="9144000" cy="4147403"/>
           </a:xfrm>
           <a:prstGeom prst="rect">
             <a:avLst/>
           </a:prstGeom>
-          <a:noFill/>
         </p:spPr>
-        <p:txBody>
-          <a:bodyPr wrap="square" rtlCol="0">
-            <a:spAutoFit/>
-          </a:bodyPr>
-          <a:lstStyle/>
-          <a:p>
-            <a:r>
-              <a:rPr lang="zh-TW" altLang="en-US" dirty="0" smtClean="0"/>
-              <a:t>伺服器端連結</a:t>
-            </a:r>
-            <a:r>
-              <a:rPr lang="en-US" altLang="zh-TW" dirty="0" smtClean="0"/>
-              <a:t>:</a:t>
-            </a:r>
-            <a:r>
-              <a:rPr lang="zh-TW" altLang="en-US" dirty="0" smtClean="0"/>
-              <a:t>  </a:t>
-            </a:r>
-            <a:r>
-              <a:rPr lang="en-US" altLang="zh-TW" dirty="0" smtClean="0"/>
-              <a:t>https</a:t>
-            </a:r>
-            <a:r>
-              <a:rPr lang="en-US" altLang="zh-TW" dirty="0"/>
-              <a:t>://hapi.fhir.tw/fhir/Patient/4987</a:t>
-            </a:r>
-            <a:endParaRPr lang="zh-TW" altLang="en-US" dirty="0"/>
-          </a:p>
-        </p:txBody>
-      </p:sp>
+      </p:pic>
     </p:spTree>
     <p:extLst>
       <p:ext uri="{BB962C8B-B14F-4D97-AF65-F5344CB8AC3E}">
-        <p14:creationId xmlns:p14="http://schemas.microsoft.com/office/powerpoint/2010/main" val="4143885179"/>
+        <p14:creationId xmlns:p14="http://schemas.microsoft.com/office/powerpoint/2010/main" val="762830512"/>
       </p:ext>
     </p:extLst>
   </p:cSld>
@@ -9461,7 +8866,13 @@
       </p:grpSpPr>
       <p:sp>
         <p:nvSpPr>
-          <p:cNvPr id="2" name="標題 1"/>
+          <p:cNvPr id="2" name="標題 1">
+            <a:extLst>
+              <a:ext uri="{FF2B5EF4-FFF2-40B4-BE49-F238E27FC236}">
+                <a16:creationId xmlns:a16="http://schemas.microsoft.com/office/drawing/2014/main" id="{7BA547D1-6C45-4EEC-878E-449C7A94DB2C}"/>
+              </a:ext>
+            </a:extLst>
+          </p:cNvPr>
           <p:cNvSpPr>
             <a:spLocks noGrp="1"/>
           </p:cNvSpPr>
@@ -9469,43 +8880,34 @@
             <p:ph type="title"/>
           </p:nvPr>
         </p:nvSpPr>
-        <p:spPr>
-          <a:xfrm>
-            <a:off x="1004672" y="90178"/>
-            <a:ext cx="6826315" cy="857250"/>
-          </a:xfrm>
-        </p:spPr>
+        <p:spPr/>
         <p:txBody>
           <a:bodyPr>
-            <a:noAutofit/>
+            <a:normAutofit/>
           </a:bodyPr>
           <a:lstStyle/>
           <a:p>
-            <a:pPr algn="ctr"/>
-            <a:r>
-              <a:rPr lang="zh-TW" altLang="en-US" sz="3600" b="1" dirty="0" smtClean="0">
-                <a:latin typeface="+mn-ea"/>
-                <a:ea typeface="+mn-ea"/>
-              </a:rPr>
-              <a:t>人員組織 </a:t>
-            </a:r>
-            <a:r>
-              <a:rPr lang="en-US" altLang="zh-TW" sz="3600" b="1" dirty="0">
-                <a:latin typeface="+mn-ea"/>
-                <a:ea typeface="+mn-ea"/>
-              </a:rPr>
-              <a:t>resources</a:t>
-            </a:r>
-            <a:endParaRPr lang="zh-TW" altLang="en-US" sz="3600" b="1" dirty="0">
-              <a:latin typeface="+mn-ea"/>
-              <a:ea typeface="+mn-ea"/>
-            </a:endParaRPr>
-          </a:p>
-        </p:txBody>
-      </p:sp>
-      <p:sp>
-        <p:nvSpPr>
-          <p:cNvPr id="3" name="內容版面配置區 2"/>
+            <a:r>
+              <a:rPr lang="zh-TW" altLang="en-US" dirty="0"/>
+              <a:t>相關 </a:t>
+            </a:r>
+            <a:r>
+              <a:rPr lang="en-US" altLang="zh-TW" dirty="0"/>
+              <a:t>Resources</a:t>
+            </a:r>
+            <a:endParaRPr lang="zh-TW" altLang="en-US" dirty="0"/>
+          </a:p>
+        </p:txBody>
+      </p:sp>
+      <p:sp>
+        <p:nvSpPr>
+          <p:cNvPr id="3" name="內容版面配置區 2">
+            <a:extLst>
+              <a:ext uri="{FF2B5EF4-FFF2-40B4-BE49-F238E27FC236}">
+                <a16:creationId xmlns:a16="http://schemas.microsoft.com/office/drawing/2014/main" id="{A4B75E9D-45EA-40C8-B109-DC0357EF298F}"/>
+              </a:ext>
+            </a:extLst>
+          </p:cNvPr>
           <p:cNvSpPr>
             <a:spLocks noGrp="1"/>
           </p:cNvSpPr>
@@ -9513,125 +8915,84 @@
             <p:ph idx="1"/>
           </p:nvPr>
         </p:nvSpPr>
-        <p:spPr>
-          <a:xfrm>
-            <a:off x="533165" y="1483415"/>
-            <a:ext cx="8079092" cy="3246350"/>
-          </a:xfrm>
-        </p:spPr>
+        <p:spPr/>
         <p:txBody>
           <a:bodyPr>
-            <a:noAutofit/>
+            <a:normAutofit/>
           </a:bodyPr>
           <a:lstStyle/>
           <a:p>
             <a:r>
-              <a:rPr lang="en-US" altLang="zh-TW" sz="2500" b="1" dirty="0" smtClean="0">
-                <a:latin typeface="+mn-ea"/>
-              </a:rPr>
-              <a:t>Organization </a:t>
-            </a:r>
-            <a:r>
-              <a:rPr lang="zh-TW" altLang="en-US" sz="2500" b="1" dirty="0">
-                <a:latin typeface="+mn-ea"/>
-              </a:rPr>
-              <a:t>組織</a:t>
-            </a:r>
-          </a:p>
-          <a:p>
-            <a:r>
-              <a:rPr lang="en-US" altLang="zh-TW" sz="2500" b="1" dirty="0">
-                <a:latin typeface="+mn-ea"/>
-              </a:rPr>
+              <a:rPr lang="en-US" altLang="zh-TW" dirty="0"/>
+              <a:t>Organization</a:t>
+            </a:r>
+            <a:r>
+              <a:rPr lang="zh-TW" altLang="en-US" dirty="0"/>
+              <a:t> 組織</a:t>
+            </a:r>
+            <a:endParaRPr lang="en-US" altLang="zh-TW" dirty="0"/>
+          </a:p>
+          <a:p>
+            <a:r>
+              <a:rPr lang="en-US" altLang="zh-TW" dirty="0"/>
               <a:t>Patient </a:t>
             </a:r>
             <a:r>
-              <a:rPr lang="zh-TW" altLang="en-US" sz="2500" b="1" dirty="0">
-                <a:latin typeface="+mn-ea"/>
-              </a:rPr>
-              <a:t>病人基本資料 </a:t>
-            </a:r>
-            <a:r>
-              <a:rPr lang="en-US" altLang="zh-TW" sz="2500" b="1" dirty="0">
-                <a:latin typeface="+mn-ea"/>
-              </a:rPr>
-              <a:t>(</a:t>
-            </a:r>
-            <a:r>
-              <a:rPr lang="zh-TW" altLang="en-US" sz="2500" b="1" dirty="0">
-                <a:latin typeface="+mn-ea"/>
-              </a:rPr>
-              <a:t>不含帳號</a:t>
-            </a:r>
-            <a:r>
-              <a:rPr lang="en-US" altLang="zh-TW" sz="2500" b="1" dirty="0">
-                <a:latin typeface="+mn-ea"/>
-              </a:rPr>
-              <a:t>)</a:t>
-            </a:r>
-            <a:endParaRPr lang="en-US" altLang="zh-TW" sz="2500" dirty="0">
-              <a:latin typeface="+mn-ea"/>
-            </a:endParaRPr>
-          </a:p>
-          <a:p>
-            <a:r>
-              <a:rPr lang="en-US" altLang="zh-TW" sz="2500" dirty="0">
-                <a:latin typeface="+mn-ea"/>
-              </a:rPr>
-              <a:t>Practitioner</a:t>
-            </a:r>
-            <a:r>
-              <a:rPr lang="zh-TW" altLang="en-US" sz="2500" dirty="0">
-                <a:latin typeface="+mn-ea"/>
-              </a:rPr>
-              <a:t> 醫護從業人員</a:t>
-            </a:r>
-            <a:endParaRPr lang="en-US" altLang="zh-TW" sz="2500" dirty="0">
-              <a:latin typeface="+mn-ea"/>
-            </a:endParaRPr>
-          </a:p>
-          <a:p>
-            <a:r>
-              <a:rPr lang="en-US" altLang="zh-TW" sz="2500" dirty="0" err="1" smtClean="0">
-                <a:latin typeface="+mn-ea"/>
-              </a:rPr>
-              <a:t>PractitionerRole</a:t>
-            </a:r>
-            <a:r>
-              <a:rPr lang="en-US" altLang="zh-TW" sz="2500" dirty="0" smtClean="0">
-                <a:latin typeface="+mn-ea"/>
-              </a:rPr>
-              <a:t>:</a:t>
-            </a:r>
-            <a:r>
-              <a:rPr lang="zh-TW" altLang="en-US" sz="2500" dirty="0" smtClean="0">
-                <a:latin typeface="+mn-ea"/>
-              </a:rPr>
-              <a:t>某組織、某醫療情境之工作參與人員</a:t>
-            </a:r>
-            <a:endParaRPr lang="en-US" altLang="zh-TW" sz="2500" dirty="0">
-              <a:latin typeface="+mn-ea"/>
-            </a:endParaRPr>
+              <a:rPr lang="zh-TW" altLang="en-US" dirty="0"/>
+              <a:t>病人</a:t>
+            </a:r>
+          </a:p>
+          <a:p>
+            <a:r>
+              <a:rPr lang="en-US" altLang="zh-TW" dirty="0"/>
+              <a:t>Observation</a:t>
+            </a:r>
+            <a:r>
+              <a:rPr lang="zh-TW" altLang="en-US" dirty="0"/>
+              <a:t>生理監測</a:t>
+            </a:r>
+            <a:endParaRPr lang="en-US" altLang="zh-TW" dirty="0"/>
+          </a:p>
+          <a:p>
+            <a:r>
+              <a:rPr lang="en-US" altLang="zh-TW" dirty="0"/>
+              <a:t>Condition </a:t>
+            </a:r>
+            <a:r>
+              <a:rPr lang="zh-TW" altLang="en-US" dirty="0"/>
+              <a:t>問題狀況</a:t>
+            </a:r>
+            <a:endParaRPr lang="en-US" altLang="zh-TW" dirty="0"/>
+          </a:p>
+          <a:p>
+            <a:r>
+              <a:rPr lang="en-US" altLang="zh-TW" dirty="0" err="1"/>
+              <a:t>QuestionnaireResponse</a:t>
+            </a:r>
+            <a:r>
+              <a:rPr lang="en-US" altLang="zh-TW" dirty="0"/>
+              <a:t> </a:t>
+            </a:r>
+            <a:r>
+              <a:rPr lang="zh-TW" altLang="en-US" dirty="0"/>
+              <a:t>問卷結果</a:t>
+            </a:r>
+          </a:p>
+          <a:p>
+            <a:endParaRPr lang="zh-TW" altLang="en-US" dirty="0"/>
           </a:p>
         </p:txBody>
       </p:sp>
     </p:spTree>
     <p:extLst>
       <p:ext uri="{BB962C8B-B14F-4D97-AF65-F5344CB8AC3E}">
-        <p14:creationId xmlns:p14="http://schemas.microsoft.com/office/powerpoint/2010/main" val="3231089330"/>
+        <p14:creationId xmlns:p14="http://schemas.microsoft.com/office/powerpoint/2010/main" val="2156209079"/>
       </p:ext>
     </p:extLst>
   </p:cSld>
   <p:clrMapOvr>
     <a:masterClrMapping/>
   </p:clrMapOvr>
-  <p:timing>
-    <p:tnLst>
-      <p:par>
-        <p:cTn id="1" dur="indefinite" restart="never" nodeType="tmRoot"/>
-      </p:par>
-    </p:tnLst>
-  </p:timing>
 </p:sld>
 </file>
 
